--- a/Impact of Genetic Algorithms Operators on Association Rules Extraction.pptx
+++ b/Impact of Genetic Algorithms Operators on Association Rules Extraction.pptx
@@ -5,7 +5,7 @@
     <p:sldMasterId id="2147483712" r:id="rId4"/>
   </p:sldMasterIdLst>
   <p:notesMasterIdLst>
-    <p:notesMasterId r:id="rId64"/>
+    <p:notesMasterId r:id="rId65"/>
   </p:notesMasterIdLst>
   <p:sldIdLst>
     <p:sldId id="257" r:id="rId5"/>
@@ -15,58 +15,59 @@
     <p:sldId id="312" r:id="rId9"/>
     <p:sldId id="314" r:id="rId10"/>
     <p:sldId id="315" r:id="rId11"/>
-    <p:sldId id="313" r:id="rId12"/>
-    <p:sldId id="316" r:id="rId13"/>
-    <p:sldId id="318" r:id="rId14"/>
-    <p:sldId id="317" r:id="rId15"/>
-    <p:sldId id="310" r:id="rId16"/>
-    <p:sldId id="319" r:id="rId17"/>
-    <p:sldId id="263" r:id="rId18"/>
-    <p:sldId id="320" r:id="rId19"/>
-    <p:sldId id="321" r:id="rId20"/>
-    <p:sldId id="264" r:id="rId21"/>
-    <p:sldId id="265" r:id="rId22"/>
-    <p:sldId id="266" r:id="rId23"/>
-    <p:sldId id="273" r:id="rId24"/>
-    <p:sldId id="267" r:id="rId25"/>
-    <p:sldId id="270" r:id="rId26"/>
-    <p:sldId id="271" r:id="rId27"/>
-    <p:sldId id="272" r:id="rId28"/>
-    <p:sldId id="281" r:id="rId29"/>
-    <p:sldId id="268" r:id="rId30"/>
-    <p:sldId id="274" r:id="rId31"/>
-    <p:sldId id="275" r:id="rId32"/>
-    <p:sldId id="276" r:id="rId33"/>
-    <p:sldId id="279" r:id="rId34"/>
-    <p:sldId id="277" r:id="rId35"/>
-    <p:sldId id="278" r:id="rId36"/>
-    <p:sldId id="280" r:id="rId37"/>
-    <p:sldId id="282" r:id="rId38"/>
-    <p:sldId id="283" r:id="rId39"/>
-    <p:sldId id="284" r:id="rId40"/>
-    <p:sldId id="291" r:id="rId41"/>
-    <p:sldId id="292" r:id="rId42"/>
-    <p:sldId id="285" r:id="rId43"/>
-    <p:sldId id="293" r:id="rId44"/>
-    <p:sldId id="294" r:id="rId45"/>
-    <p:sldId id="297" r:id="rId46"/>
-    <p:sldId id="305" r:id="rId47"/>
-    <p:sldId id="306" r:id="rId48"/>
-    <p:sldId id="298" r:id="rId49"/>
-    <p:sldId id="287" r:id="rId50"/>
-    <p:sldId id="288" r:id="rId51"/>
-    <p:sldId id="300" r:id="rId52"/>
-    <p:sldId id="301" r:id="rId53"/>
-    <p:sldId id="307" r:id="rId54"/>
-    <p:sldId id="302" r:id="rId55"/>
-    <p:sldId id="304" r:id="rId56"/>
-    <p:sldId id="303" r:id="rId57"/>
-    <p:sldId id="289" r:id="rId58"/>
-    <p:sldId id="286" r:id="rId59"/>
-    <p:sldId id="295" r:id="rId60"/>
-    <p:sldId id="290" r:id="rId61"/>
-    <p:sldId id="296" r:id="rId62"/>
-    <p:sldId id="258" r:id="rId63"/>
+    <p:sldId id="322" r:id="rId12"/>
+    <p:sldId id="313" r:id="rId13"/>
+    <p:sldId id="316" r:id="rId14"/>
+    <p:sldId id="318" r:id="rId15"/>
+    <p:sldId id="317" r:id="rId16"/>
+    <p:sldId id="310" r:id="rId17"/>
+    <p:sldId id="319" r:id="rId18"/>
+    <p:sldId id="263" r:id="rId19"/>
+    <p:sldId id="320" r:id="rId20"/>
+    <p:sldId id="321" r:id="rId21"/>
+    <p:sldId id="264" r:id="rId22"/>
+    <p:sldId id="265" r:id="rId23"/>
+    <p:sldId id="266" r:id="rId24"/>
+    <p:sldId id="273" r:id="rId25"/>
+    <p:sldId id="267" r:id="rId26"/>
+    <p:sldId id="270" r:id="rId27"/>
+    <p:sldId id="271" r:id="rId28"/>
+    <p:sldId id="272" r:id="rId29"/>
+    <p:sldId id="281" r:id="rId30"/>
+    <p:sldId id="268" r:id="rId31"/>
+    <p:sldId id="274" r:id="rId32"/>
+    <p:sldId id="275" r:id="rId33"/>
+    <p:sldId id="276" r:id="rId34"/>
+    <p:sldId id="279" r:id="rId35"/>
+    <p:sldId id="277" r:id="rId36"/>
+    <p:sldId id="278" r:id="rId37"/>
+    <p:sldId id="280" r:id="rId38"/>
+    <p:sldId id="282" r:id="rId39"/>
+    <p:sldId id="283" r:id="rId40"/>
+    <p:sldId id="284" r:id="rId41"/>
+    <p:sldId id="291" r:id="rId42"/>
+    <p:sldId id="292" r:id="rId43"/>
+    <p:sldId id="285" r:id="rId44"/>
+    <p:sldId id="293" r:id="rId45"/>
+    <p:sldId id="294" r:id="rId46"/>
+    <p:sldId id="297" r:id="rId47"/>
+    <p:sldId id="305" r:id="rId48"/>
+    <p:sldId id="306" r:id="rId49"/>
+    <p:sldId id="298" r:id="rId50"/>
+    <p:sldId id="287" r:id="rId51"/>
+    <p:sldId id="288" r:id="rId52"/>
+    <p:sldId id="300" r:id="rId53"/>
+    <p:sldId id="301" r:id="rId54"/>
+    <p:sldId id="307" r:id="rId55"/>
+    <p:sldId id="302" r:id="rId56"/>
+    <p:sldId id="304" r:id="rId57"/>
+    <p:sldId id="303" r:id="rId58"/>
+    <p:sldId id="289" r:id="rId59"/>
+    <p:sldId id="286" r:id="rId60"/>
+    <p:sldId id="295" r:id="rId61"/>
+    <p:sldId id="290" r:id="rId62"/>
+    <p:sldId id="296" r:id="rId63"/>
+    <p:sldId id="258" r:id="rId64"/>
   </p:sldIdLst>
   <p:sldSz cx="12192000" cy="6858000"/>
   <p:notesSz cx="6858000" cy="9144000"/>
@@ -3890,7 +3891,7 @@
           <a:p>
             <a:fld id="{019ECE35-052C-4519-883A-20811486312B}" type="datetimeFigureOut">
               <a:rPr lang="th-TH" smtClean="0"/>
-              <a:t>06/02/64</a:t>
+              <a:t>07/02/64</a:t>
             </a:fld>
             <a:endParaRPr lang="th-TH"/>
           </a:p>
@@ -4537,7 +4538,7 @@
     </p:spTree>
     <p:extLst>
       <p:ext uri="{BB962C8B-B14F-4D97-AF65-F5344CB8AC3E}">
-        <p14:creationId xmlns:p14="http://schemas.microsoft.com/office/powerpoint/2010/main" val="2417205917"/>
+        <p14:creationId xmlns:p14="http://schemas.microsoft.com/office/powerpoint/2010/main" val="606150001"/>
       </p:ext>
     </p:extLst>
   </p:cSld>
@@ -4632,7 +4633,7 @@
     </p:spTree>
     <p:extLst>
       <p:ext uri="{BB962C8B-B14F-4D97-AF65-F5344CB8AC3E}">
-        <p14:creationId xmlns:p14="http://schemas.microsoft.com/office/powerpoint/2010/main" val="3227894851"/>
+        <p14:creationId xmlns:p14="http://schemas.microsoft.com/office/powerpoint/2010/main" val="2417205917"/>
       </p:ext>
     </p:extLst>
   </p:cSld>
@@ -4686,9 +4687,16 @@
           <a:bodyPr/>
           <a:lstStyle/>
           <a:p>
-            <a:r>
-              <a:rPr lang="en-US" dirty="0"/>
-              <a:t>Because monitoring and controlling need minimum latency.</a:t>
+            <a:pPr algn="thaiDist"/>
+            <a:r>
+              <a:rPr lang="en-US" b="0" i="0" dirty="0">
+                <a:solidFill>
+                  <a:srgbClr val="111111"/>
+                </a:solidFill>
+                <a:effectLst/>
+                <a:latin typeface="Open Sans"/>
+              </a:rPr>
+              <a:t>While we may know that certain items are frequently bought together, the question is, how do we uncover these associations?</a:t>
             </a:r>
             <a:endParaRPr lang="th-TH" dirty="0"/>
           </a:p>
@@ -4720,7 +4728,7 @@
     </p:spTree>
     <p:extLst>
       <p:ext uri="{BB962C8B-B14F-4D97-AF65-F5344CB8AC3E}">
-        <p14:creationId xmlns:p14="http://schemas.microsoft.com/office/powerpoint/2010/main" val="393160035"/>
+        <p14:creationId xmlns:p14="http://schemas.microsoft.com/office/powerpoint/2010/main" val="3227894851"/>
       </p:ext>
     </p:extLst>
   </p:cSld>
@@ -4952,7 +4960,7 @@
           <a:p>
             <a:r>
               <a:rPr lang="en-US" dirty="0"/>
-              <a:t>Some multi-hop network such as AODV or DSR protocol</a:t>
+              <a:t>Because monitoring and controlling need minimum latency.</a:t>
             </a:r>
             <a:endParaRPr lang="th-TH" dirty="0"/>
           </a:p>
@@ -4984,7 +4992,7 @@
     </p:spTree>
     <p:extLst>
       <p:ext uri="{BB962C8B-B14F-4D97-AF65-F5344CB8AC3E}">
-        <p14:creationId xmlns:p14="http://schemas.microsoft.com/office/powerpoint/2010/main" val="378134538"/>
+        <p14:creationId xmlns:p14="http://schemas.microsoft.com/office/powerpoint/2010/main" val="393160035"/>
       </p:ext>
     </p:extLst>
   </p:cSld>
@@ -5040,7 +5048,7 @@
           <a:p>
             <a:r>
               <a:rPr lang="en-US" dirty="0"/>
-              <a:t>Low Power Wide Area Network model in this scope consist of 5 properties</a:t>
+              <a:t>Some multi-hop network such as AODV or DSR protocol</a:t>
             </a:r>
             <a:endParaRPr lang="th-TH" dirty="0"/>
           </a:p>
@@ -5072,7 +5080,7 @@
     </p:spTree>
     <p:extLst>
       <p:ext uri="{BB962C8B-B14F-4D97-AF65-F5344CB8AC3E}">
-        <p14:creationId xmlns:p14="http://schemas.microsoft.com/office/powerpoint/2010/main" val="3210965154"/>
+        <p14:creationId xmlns:p14="http://schemas.microsoft.com/office/powerpoint/2010/main" val="378134538"/>
       </p:ext>
     </p:extLst>
   </p:cSld>
@@ -5126,30 +5134,10 @@
           <a:bodyPr/>
           <a:lstStyle/>
           <a:p>
-            <a:pPr marL="0" marR="0" lvl="0" indent="0" algn="l" defTabSz="914400" rtl="0" eaLnBrk="1" fontAlgn="auto" latinLnBrk="0" hangingPunct="1">
-              <a:lnSpc>
-                <a:spcPct val="100000"/>
-              </a:lnSpc>
-              <a:spcBef>
-                <a:spcPts val="0"/>
-              </a:spcBef>
-              <a:spcAft>
-                <a:spcPts val="0"/>
-              </a:spcAft>
-              <a:buClrTx/>
-              <a:buSzTx/>
-              <a:buFontTx/>
-              <a:buNone/>
-              <a:tabLst/>
-              <a:defRPr/>
-            </a:pPr>
             <a:r>
               <a:rPr lang="en-US" dirty="0"/>
-              <a:t>Protocol model in this scope consist of 4 properties</a:t>
-            </a:r>
-            <a:endParaRPr lang="th-TH" dirty="0"/>
-          </a:p>
-          <a:p>
+              <a:t>Low Power Wide Area Network model in this scope consist of 5 properties</a:t>
+            </a:r>
             <a:endParaRPr lang="th-TH" dirty="0"/>
           </a:p>
         </p:txBody>
@@ -5180,7 +5168,7 @@
     </p:spTree>
     <p:extLst>
       <p:ext uri="{BB962C8B-B14F-4D97-AF65-F5344CB8AC3E}">
-        <p14:creationId xmlns:p14="http://schemas.microsoft.com/office/powerpoint/2010/main" val="3135980067"/>
+        <p14:creationId xmlns:p14="http://schemas.microsoft.com/office/powerpoint/2010/main" val="3210965154"/>
       </p:ext>
     </p:extLst>
   </p:cSld>
@@ -5345,7 +5333,14 @@
               <a:tabLst/>
               <a:defRPr/>
             </a:pPr>
-            <a:endParaRPr lang="en-US" dirty="0"/>
+            <a:r>
+              <a:rPr lang="en-US" dirty="0"/>
+              <a:t>Protocol model in this scope consist of 4 properties</a:t>
+            </a:r>
+            <a:endParaRPr lang="th-TH" dirty="0"/>
+          </a:p>
+          <a:p>
+            <a:endParaRPr lang="th-TH" dirty="0"/>
           </a:p>
         </p:txBody>
       </p:sp>
@@ -5375,7 +5370,7 @@
     </p:spTree>
     <p:extLst>
       <p:ext uri="{BB962C8B-B14F-4D97-AF65-F5344CB8AC3E}">
-        <p14:creationId xmlns:p14="http://schemas.microsoft.com/office/powerpoint/2010/main" val="728966586"/>
+        <p14:creationId xmlns:p14="http://schemas.microsoft.com/office/powerpoint/2010/main" val="3135980067"/>
       </p:ext>
     </p:extLst>
   </p:cSld>
@@ -5467,7 +5462,7 @@
           <a:p>
             <a:fld id="{7A6690C6-3487-4A2A-A435-A96B59A0BF17}" type="slidenum">
               <a:rPr lang="th-TH" smtClean="0"/>
-              <a:t>25</a:t>
+              <a:t>21</a:t>
             </a:fld>
             <a:endParaRPr lang="th-TH"/>
           </a:p>
@@ -5476,7 +5471,7 @@
     </p:spTree>
     <p:extLst>
       <p:ext uri="{BB962C8B-B14F-4D97-AF65-F5344CB8AC3E}">
-        <p14:creationId xmlns:p14="http://schemas.microsoft.com/office/powerpoint/2010/main" val="1852440564"/>
+        <p14:creationId xmlns:p14="http://schemas.microsoft.com/office/powerpoint/2010/main" val="728966586"/>
       </p:ext>
     </p:extLst>
   </p:cSld>
@@ -5547,10 +5542,7 @@
               <a:tabLst/>
               <a:defRPr/>
             </a:pPr>
-            <a:r>
-              <a:rPr lang="en-US" dirty="0"/>
-              <a:t>In each cycle of the NCP, we have four timeslots, as shown in Figure 2. In NCP, it contains N cycles as shown in Figure 3.</a:t>
-            </a:r>
+            <a:endParaRPr lang="en-US" dirty="0"/>
           </a:p>
         </p:txBody>
       </p:sp>
@@ -5580,7 +5572,7 @@
     </p:spTree>
     <p:extLst>
       <p:ext uri="{BB962C8B-B14F-4D97-AF65-F5344CB8AC3E}">
-        <p14:creationId xmlns:p14="http://schemas.microsoft.com/office/powerpoint/2010/main" val="3382936620"/>
+        <p14:creationId xmlns:p14="http://schemas.microsoft.com/office/powerpoint/2010/main" val="1852440564"/>
       </p:ext>
     </p:extLst>
   </p:cSld>
@@ -5651,7 +5643,10 @@
               <a:tabLst/>
               <a:defRPr/>
             </a:pPr>
-            <a:endParaRPr lang="en-US" dirty="0"/>
+            <a:r>
+              <a:rPr lang="en-US" dirty="0"/>
+              <a:t>In each cycle of the NCP, we have four timeslots, as shown in Figure 2. In NCP, it contains N cycles as shown in Figure 3.</a:t>
+            </a:r>
           </a:p>
         </p:txBody>
       </p:sp>
@@ -5681,7 +5676,7 @@
     </p:spTree>
     <p:extLst>
       <p:ext uri="{BB962C8B-B14F-4D97-AF65-F5344CB8AC3E}">
-        <p14:creationId xmlns:p14="http://schemas.microsoft.com/office/powerpoint/2010/main" val="2145367814"/>
+        <p14:creationId xmlns:p14="http://schemas.microsoft.com/office/powerpoint/2010/main" val="3382936620"/>
       </p:ext>
     </p:extLst>
   </p:cSld>
@@ -5782,7 +5777,7 @@
     </p:spTree>
     <p:extLst>
       <p:ext uri="{BB962C8B-B14F-4D97-AF65-F5344CB8AC3E}">
-        <p14:creationId xmlns:p14="http://schemas.microsoft.com/office/powerpoint/2010/main" val="1585484010"/>
+        <p14:creationId xmlns:p14="http://schemas.microsoft.com/office/powerpoint/2010/main" val="2145367814"/>
       </p:ext>
     </p:extLst>
   </p:cSld>
@@ -5883,7 +5878,7 @@
     </p:spTree>
     <p:extLst>
       <p:ext uri="{BB962C8B-B14F-4D97-AF65-F5344CB8AC3E}">
-        <p14:creationId xmlns:p14="http://schemas.microsoft.com/office/powerpoint/2010/main" val="3176834282"/>
+        <p14:creationId xmlns:p14="http://schemas.microsoft.com/office/powerpoint/2010/main" val="1585484010"/>
       </p:ext>
     </p:extLst>
   </p:cSld>
@@ -5984,7 +5979,7 @@
     </p:spTree>
     <p:extLst>
       <p:ext uri="{BB962C8B-B14F-4D97-AF65-F5344CB8AC3E}">
-        <p14:creationId xmlns:p14="http://schemas.microsoft.com/office/powerpoint/2010/main" val="1315445525"/>
+        <p14:creationId xmlns:p14="http://schemas.microsoft.com/office/powerpoint/2010/main" val="3176834282"/>
       </p:ext>
     </p:extLst>
   </p:cSld>
@@ -6085,7 +6080,7 @@
     </p:spTree>
     <p:extLst>
       <p:ext uri="{BB962C8B-B14F-4D97-AF65-F5344CB8AC3E}">
-        <p14:creationId xmlns:p14="http://schemas.microsoft.com/office/powerpoint/2010/main" val="1473444794"/>
+        <p14:creationId xmlns:p14="http://schemas.microsoft.com/office/powerpoint/2010/main" val="1315445525"/>
       </p:ext>
     </p:extLst>
   </p:cSld>
@@ -6186,7 +6181,7 @@
     </p:spTree>
     <p:extLst>
       <p:ext uri="{BB962C8B-B14F-4D97-AF65-F5344CB8AC3E}">
-        <p14:creationId xmlns:p14="http://schemas.microsoft.com/office/powerpoint/2010/main" val="2617019540"/>
+        <p14:creationId xmlns:p14="http://schemas.microsoft.com/office/powerpoint/2010/main" val="1473444794"/>
       </p:ext>
     </p:extLst>
   </p:cSld>
@@ -6257,423 +6252,7 @@
               <a:tabLst/>
               <a:defRPr/>
             </a:pPr>
-            <a:r>
-              <a:rPr lang="en-US" dirty="0"/>
-              <a:t>NCP process with six nodes. At first, each node initializes its P, D, Cd and UC information, as shown in Table 1. We assume that TUTC = 5 × TS. </a:t>
-            </a:r>
-          </a:p>
-          <a:p>
-            <a:pPr marL="0" marR="0" lvl="0" indent="0" algn="l" defTabSz="914400" rtl="0" eaLnBrk="1" fontAlgn="auto" latinLnBrk="0" hangingPunct="1">
-              <a:lnSpc>
-                <a:spcPct val="100000"/>
-              </a:lnSpc>
-              <a:spcBef>
-                <a:spcPts val="0"/>
-              </a:spcBef>
-              <a:spcAft>
-                <a:spcPts val="0"/>
-              </a:spcAft>
-              <a:buClrTx/>
-              <a:buSzTx/>
-              <a:buFontTx/>
-              <a:buNone/>
-              <a:tabLst/>
-              <a:defRPr/>
-            </a:pPr>
             <a:endParaRPr lang="en-US" dirty="0"/>
-          </a:p>
-          <a:p>
-            <a:pPr marL="0" marR="0" lvl="0" indent="0" algn="l" defTabSz="914400" rtl="0" eaLnBrk="1" fontAlgn="auto" latinLnBrk="0" hangingPunct="1">
-              <a:lnSpc>
-                <a:spcPct val="100000"/>
-              </a:lnSpc>
-              <a:spcBef>
-                <a:spcPts val="0"/>
-              </a:spcBef>
-              <a:spcAft>
-                <a:spcPts val="0"/>
-              </a:spcAft>
-              <a:buClrTx/>
-              <a:buSzTx/>
-              <a:buFontTx/>
-              <a:buNone/>
-              <a:tabLst/>
-              <a:defRPr/>
-            </a:pPr>
-            <a:r>
-              <a:rPr lang="en-US" dirty="0"/>
-              <a:t>First, the sink node transmits INIT(0,S,0,5) </a:t>
-            </a:r>
-          </a:p>
-          <a:p>
-            <a:pPr marL="0" marR="0" lvl="0" indent="0" algn="l" defTabSz="914400" rtl="0" eaLnBrk="1" fontAlgn="auto" latinLnBrk="0" hangingPunct="1">
-              <a:lnSpc>
-                <a:spcPct val="100000"/>
-              </a:lnSpc>
-              <a:spcBef>
-                <a:spcPts val="0"/>
-              </a:spcBef>
-              <a:spcAft>
-                <a:spcPts val="0"/>
-              </a:spcAft>
-              <a:buClrTx/>
-              <a:buSzTx/>
-              <a:buFontTx/>
-              <a:buNone/>
-              <a:tabLst/>
-              <a:defRPr/>
-            </a:pPr>
-            <a:r>
-              <a:rPr lang="en-US" dirty="0"/>
-              <a:t>in timeslot TS1 in the first cycle (cycle 0). Nodes A and B receive the INIT packet from node S, and after that, </a:t>
-            </a:r>
-          </a:p>
-          <a:p>
-            <a:pPr marL="0" marR="0" lvl="0" indent="0" algn="l" defTabSz="914400" rtl="0" eaLnBrk="1" fontAlgn="auto" latinLnBrk="0" hangingPunct="1">
-              <a:lnSpc>
-                <a:spcPct val="100000"/>
-              </a:lnSpc>
-              <a:spcBef>
-                <a:spcPts val="0"/>
-              </a:spcBef>
-              <a:spcAft>
-                <a:spcPts val="0"/>
-              </a:spcAft>
-              <a:buClrTx/>
-              <a:buSzTx/>
-              <a:buFontTx/>
-              <a:buNone/>
-              <a:tabLst/>
-              <a:defRPr/>
-            </a:pPr>
-            <a:endParaRPr lang="en-US" dirty="0"/>
-          </a:p>
-          <a:p>
-            <a:pPr marL="0" marR="0" lvl="0" indent="0" algn="l" defTabSz="914400" rtl="0" eaLnBrk="1" fontAlgn="auto" latinLnBrk="0" hangingPunct="1">
-              <a:lnSpc>
-                <a:spcPct val="100000"/>
-              </a:lnSpc>
-              <a:spcBef>
-                <a:spcPts val="0"/>
-              </a:spcBef>
-              <a:spcAft>
-                <a:spcPts val="0"/>
-              </a:spcAft>
-              <a:buClrTx/>
-              <a:buSzTx/>
-              <a:buFontTx/>
-              <a:buNone/>
-              <a:tabLst/>
-              <a:defRPr/>
-            </a:pPr>
-            <a:r>
-              <a:rPr lang="en-US" dirty="0"/>
-              <a:t>nodes A and B compete to transmit a JOIN packet to node S. We assume node B wins, and node B transmits JOIN(1,B,S,{}). Node A determines it lost the competition and waits until TS2 (in the next cycle) to retransmit the JOIN packet. Node S receives the JOIN packet from node B and accepts node B as its child node. Based on UC and Cd, node S decides to assign timeslot T5 and channel Ch0 to node B to communicate with node S, as explained in the next sub-section.</a:t>
-            </a:r>
-          </a:p>
-          <a:p>
-            <a:pPr marL="0" marR="0" lvl="0" indent="0" algn="l" defTabSz="914400" rtl="0" eaLnBrk="1" fontAlgn="auto" latinLnBrk="0" hangingPunct="1">
-              <a:lnSpc>
-                <a:spcPct val="100000"/>
-              </a:lnSpc>
-              <a:spcBef>
-                <a:spcPts val="0"/>
-              </a:spcBef>
-              <a:spcAft>
-                <a:spcPts val="0"/>
-              </a:spcAft>
-              <a:buClrTx/>
-              <a:buSzTx/>
-              <a:buFontTx/>
-              <a:buNone/>
-              <a:tabLst/>
-              <a:defRPr/>
-            </a:pPr>
-            <a:r>
-              <a:rPr lang="en-US" dirty="0"/>
-              <a:t> </a:t>
-            </a:r>
-          </a:p>
-          <a:p>
-            <a:pPr marL="0" marR="0" lvl="0" indent="0" algn="l" defTabSz="914400" rtl="0" eaLnBrk="1" fontAlgn="auto" latinLnBrk="0" hangingPunct="1">
-              <a:lnSpc>
-                <a:spcPct val="100000"/>
-              </a:lnSpc>
-              <a:spcBef>
-                <a:spcPts val="0"/>
-              </a:spcBef>
-              <a:spcAft>
-                <a:spcPts val="0"/>
-              </a:spcAft>
-              <a:buClrTx/>
-              <a:buSzTx/>
-              <a:buFontTx/>
-              <a:buNone/>
-              <a:tabLst/>
-              <a:defRPr/>
-            </a:pPr>
-            <a:r>
-              <a:rPr lang="en-US" dirty="0"/>
-              <a:t>Node S transmits CON (0,S,B,T5,Ch0) to node B at TS3 to inform node B of its assignment. Nodes A and B receive the CON packet, B sets its parent as S and the cell assignment to P and UC, while node A adds (Ch0, T5) to its UC list. In TS4, node B broadcasts ADV (1,B,T5,Ch0) to inform its neighbor nodes of the cell assignment. After receiving the ADV packet, nodes A, C and D add (Ch0, T5) to their UC lists.</a:t>
-            </a:r>
-          </a:p>
-          <a:p>
-            <a:pPr marL="0" marR="0" lvl="0" indent="0" algn="l" defTabSz="914400" rtl="0" eaLnBrk="1" fontAlgn="auto" latinLnBrk="0" hangingPunct="1">
-              <a:lnSpc>
-                <a:spcPct val="100000"/>
-              </a:lnSpc>
-              <a:spcBef>
-                <a:spcPts val="0"/>
-              </a:spcBef>
-              <a:spcAft>
-                <a:spcPts val="0"/>
-              </a:spcAft>
-              <a:buClrTx/>
-              <a:buSzTx/>
-              <a:buFontTx/>
-              <a:buNone/>
-              <a:tabLst/>
-              <a:defRPr/>
-            </a:pPr>
-            <a:endParaRPr lang="en-US" dirty="0"/>
-          </a:p>
-          <a:p>
-            <a:pPr marL="0" marR="0" lvl="0" indent="0" algn="l" defTabSz="914400" rtl="0" eaLnBrk="1" fontAlgn="auto" latinLnBrk="0" hangingPunct="1">
-              <a:lnSpc>
-                <a:spcPct val="100000"/>
-              </a:lnSpc>
-              <a:spcBef>
-                <a:spcPts val="0"/>
-              </a:spcBef>
-              <a:spcAft>
-                <a:spcPts val="0"/>
-              </a:spcAft>
-              <a:buClrTx/>
-              <a:buSzTx/>
-              <a:buFontTx/>
-              <a:buNone/>
-              <a:tabLst/>
-              <a:defRPr/>
-            </a:pPr>
-            <a:r>
-              <a:rPr lang="en-US" dirty="0"/>
-              <a:t>In TS4, node B broadcasts ADV (1,B,T5,Ch0) to inform its neighbor nodes of the cell assignment. After receiving the ADV packet, nodes A, C and D add (Ch0, T5) to their UC lists. </a:t>
-            </a:r>
-          </a:p>
-          <a:p>
-            <a:pPr marL="0" marR="0" lvl="0" indent="0" algn="l" defTabSz="914400" rtl="0" eaLnBrk="1" fontAlgn="auto" latinLnBrk="0" hangingPunct="1">
-              <a:lnSpc>
-                <a:spcPct val="100000"/>
-              </a:lnSpc>
-              <a:spcBef>
-                <a:spcPts val="0"/>
-              </a:spcBef>
-              <a:spcAft>
-                <a:spcPts val="0"/>
-              </a:spcAft>
-              <a:buClrTx/>
-              <a:buSzTx/>
-              <a:buFontTx/>
-              <a:buNone/>
-              <a:tabLst/>
-              <a:defRPr/>
-            </a:pPr>
-            <a:endParaRPr lang="en-US" dirty="0"/>
-          </a:p>
-          <a:p>
-            <a:pPr marL="0" marR="0" lvl="0" indent="0" algn="l" defTabSz="914400" rtl="0" eaLnBrk="1" fontAlgn="auto" latinLnBrk="0" hangingPunct="1">
-              <a:lnSpc>
-                <a:spcPct val="100000"/>
-              </a:lnSpc>
-              <a:spcBef>
-                <a:spcPts val="0"/>
-              </a:spcBef>
-              <a:spcAft>
-                <a:spcPts val="0"/>
-              </a:spcAft>
-              <a:buClrTx/>
-              <a:buSzTx/>
-              <a:buFontTx/>
-              <a:buNone/>
-              <a:tabLst/>
-              <a:defRPr/>
-            </a:pPr>
-            <a:r>
-              <a:rPr lang="en-US" dirty="0"/>
-              <a:t>In TS1 of the next cycle (Cycle 1), node B sends INIT (1,B,1,5), and nodes A, C and E receive this packet and add node B to their parent lists. </a:t>
-            </a:r>
-          </a:p>
-          <a:p>
-            <a:pPr marL="0" marR="0" lvl="0" indent="0" algn="l" defTabSz="914400" rtl="0" eaLnBrk="1" fontAlgn="auto" latinLnBrk="0" hangingPunct="1">
-              <a:lnSpc>
-                <a:spcPct val="100000"/>
-              </a:lnSpc>
-              <a:spcBef>
-                <a:spcPts val="0"/>
-              </a:spcBef>
-              <a:spcAft>
-                <a:spcPts val="0"/>
-              </a:spcAft>
-              <a:buClrTx/>
-              <a:buSzTx/>
-              <a:buFontTx/>
-              <a:buNone/>
-              <a:tabLst/>
-              <a:defRPr/>
-            </a:pPr>
-            <a:endParaRPr lang="en-US" dirty="0"/>
-          </a:p>
-          <a:p>
-            <a:pPr marL="0" marR="0" lvl="0" indent="0" algn="l" defTabSz="914400" rtl="0" eaLnBrk="1" fontAlgn="auto" latinLnBrk="0" hangingPunct="1">
-              <a:lnSpc>
-                <a:spcPct val="100000"/>
-              </a:lnSpc>
-              <a:spcBef>
-                <a:spcPts val="0"/>
-              </a:spcBef>
-              <a:spcAft>
-                <a:spcPts val="0"/>
-              </a:spcAft>
-              <a:buClrTx/>
-              <a:buSzTx/>
-              <a:buFontTx/>
-              <a:buNone/>
-              <a:tabLst/>
-              <a:defRPr/>
-            </a:pPr>
-            <a:r>
-              <a:rPr lang="en-US" dirty="0"/>
-              <a:t>In TS2, nodes A, C and D choose their parents as described in the next sub-section and compete to transmit a JOIN packet to the parent node. Node A wins then, sending JOIN (1,A,S,{(T5, Ch0)}) to node S. Nodes C and E determine that they lost the competition when overhearing the JOIN packet, and wait until TS3 (in the next cycle) to retransmit the JOIN packet. After receiving the JOIN packet from node A, node S accepts node A as its child and chooses TS4 and channel Ch0 as the link from A to S. </a:t>
-            </a:r>
-          </a:p>
-          <a:p>
-            <a:pPr marL="0" marR="0" lvl="0" indent="0" algn="l" defTabSz="914400" rtl="0" eaLnBrk="1" fontAlgn="auto" latinLnBrk="0" hangingPunct="1">
-              <a:lnSpc>
-                <a:spcPct val="100000"/>
-              </a:lnSpc>
-              <a:spcBef>
-                <a:spcPts val="0"/>
-              </a:spcBef>
-              <a:spcAft>
-                <a:spcPts val="0"/>
-              </a:spcAft>
-              <a:buClrTx/>
-              <a:buSzTx/>
-              <a:buFontTx/>
-              <a:buNone/>
-              <a:tabLst/>
-              <a:defRPr/>
-            </a:pPr>
-            <a:endParaRPr lang="en-US" dirty="0"/>
-          </a:p>
-          <a:p>
-            <a:pPr marL="0" marR="0" lvl="0" indent="0" algn="l" defTabSz="914400" rtl="0" eaLnBrk="1" fontAlgn="auto" latinLnBrk="0" hangingPunct="1">
-              <a:lnSpc>
-                <a:spcPct val="100000"/>
-              </a:lnSpc>
-              <a:spcBef>
-                <a:spcPts val="0"/>
-              </a:spcBef>
-              <a:spcAft>
-                <a:spcPts val="0"/>
-              </a:spcAft>
-              <a:buClrTx/>
-              <a:buSzTx/>
-              <a:buFontTx/>
-              <a:buNone/>
-              <a:tabLst/>
-              <a:defRPr/>
-            </a:pPr>
-            <a:r>
-              <a:rPr lang="en-US" dirty="0"/>
-              <a:t>Node S transmits CON (0,S,A,T4,Ch0) to node A at TS3 to inform node A of its assignment. Nodes C, B and D overhear this packet and add (Ch0, T4) to their UC lists. Node A receives this packet and sets its parent as S, adding the cell assignment to P. </a:t>
-            </a:r>
-          </a:p>
-          <a:p>
-            <a:pPr marL="0" marR="0" lvl="0" indent="0" algn="l" defTabSz="914400" rtl="0" eaLnBrk="1" fontAlgn="auto" latinLnBrk="0" hangingPunct="1">
-              <a:lnSpc>
-                <a:spcPct val="100000"/>
-              </a:lnSpc>
-              <a:spcBef>
-                <a:spcPts val="0"/>
-              </a:spcBef>
-              <a:spcAft>
-                <a:spcPts val="0"/>
-              </a:spcAft>
-              <a:buClrTx/>
-              <a:buSzTx/>
-              <a:buFontTx/>
-              <a:buNone/>
-              <a:tabLst/>
-              <a:defRPr/>
-            </a:pPr>
-            <a:endParaRPr lang="en-US" dirty="0"/>
-          </a:p>
-          <a:p>
-            <a:pPr marL="0" marR="0" lvl="0" indent="0" algn="l" defTabSz="914400" rtl="0" eaLnBrk="1" fontAlgn="auto" latinLnBrk="0" hangingPunct="1">
-              <a:lnSpc>
-                <a:spcPct val="100000"/>
-              </a:lnSpc>
-              <a:spcBef>
-                <a:spcPts val="0"/>
-              </a:spcBef>
-              <a:spcAft>
-                <a:spcPts val="0"/>
-              </a:spcAft>
-              <a:buClrTx/>
-              <a:buSzTx/>
-              <a:buFontTx/>
-              <a:buNone/>
-              <a:tabLst/>
-              <a:defRPr/>
-            </a:pPr>
-            <a:r>
-              <a:rPr lang="en-US" dirty="0"/>
-              <a:t>In TS4, node A broadcasts ADV(1,A,T4,Ch0) to inform the neighbor nodes about the cell assignment. </a:t>
-            </a:r>
-          </a:p>
-          <a:p>
-            <a:pPr marL="0" marR="0" lvl="0" indent="0" algn="l" defTabSz="914400" rtl="0" eaLnBrk="1" fontAlgn="auto" latinLnBrk="0" hangingPunct="1">
-              <a:lnSpc>
-                <a:spcPct val="100000"/>
-              </a:lnSpc>
-              <a:spcBef>
-                <a:spcPts val="0"/>
-              </a:spcBef>
-              <a:spcAft>
-                <a:spcPts val="0"/>
-              </a:spcAft>
-              <a:buClrTx/>
-              <a:buSzTx/>
-              <a:buFontTx/>
-              <a:buNone/>
-              <a:tabLst/>
-              <a:defRPr/>
-            </a:pPr>
-            <a:endParaRPr lang="en-US" dirty="0"/>
-          </a:p>
-          <a:p>
-            <a:pPr marL="0" marR="0" lvl="0" indent="0" algn="l" defTabSz="914400" rtl="0" eaLnBrk="1" fontAlgn="auto" latinLnBrk="0" hangingPunct="1">
-              <a:lnSpc>
-                <a:spcPct val="100000"/>
-              </a:lnSpc>
-              <a:spcBef>
-                <a:spcPts val="0"/>
-              </a:spcBef>
-              <a:spcAft>
-                <a:spcPts val="0"/>
-              </a:spcAft>
-              <a:buClrTx/>
-              <a:buSzTx/>
-              <a:buFontTx/>
-              <a:buNone/>
-              <a:tabLst/>
-              <a:defRPr/>
-            </a:pPr>
-            <a:r>
-              <a:rPr lang="en-US" dirty="0"/>
-              <a:t>This process is repeated until the network construction is completed. Figure 6 shows the NCP process, and Table 1 shows the information maintained by each node after the NCP finishes.</a:t>
-            </a:r>
           </a:p>
         </p:txBody>
       </p:sp>
@@ -6703,7 +6282,7 @@
     </p:spTree>
     <p:extLst>
       <p:ext uri="{BB962C8B-B14F-4D97-AF65-F5344CB8AC3E}">
-        <p14:creationId xmlns:p14="http://schemas.microsoft.com/office/powerpoint/2010/main" val="4064396793"/>
+        <p14:creationId xmlns:p14="http://schemas.microsoft.com/office/powerpoint/2010/main" val="2617019540"/>
       </p:ext>
     </p:extLst>
   </p:cSld>
@@ -6990,15 +6569,420 @@
             </a:pPr>
             <a:r>
               <a:rPr lang="en-US" dirty="0"/>
-              <a:t>in the next sub-section, they explained a </a:t>
-            </a:r>
-            <a:r>
-              <a:rPr lang="en-US" b="1" u="sng" dirty="0"/>
-              <a:t>packet collision–avoidance mechanism</a:t>
-            </a:r>
+              <a:t>NCP process with six nodes. At first, each node initializes its P, D, Cd and UC information, as shown in Table 1. We assume that TUTC = 5 × TS. </a:t>
+            </a:r>
+          </a:p>
+          <a:p>
+            <a:pPr marL="0" marR="0" lvl="0" indent="0" algn="l" defTabSz="914400" rtl="0" eaLnBrk="1" fontAlgn="auto" latinLnBrk="0" hangingPunct="1">
+              <a:lnSpc>
+                <a:spcPct val="100000"/>
+              </a:lnSpc>
+              <a:spcBef>
+                <a:spcPts val="0"/>
+              </a:spcBef>
+              <a:spcAft>
+                <a:spcPts val="0"/>
+              </a:spcAft>
+              <a:buClrTx/>
+              <a:buSzTx/>
+              <a:buFontTx/>
+              <a:buNone/>
+              <a:tabLst/>
+              <a:defRPr/>
+            </a:pPr>
+            <a:endParaRPr lang="en-US" dirty="0"/>
+          </a:p>
+          <a:p>
+            <a:pPr marL="0" marR="0" lvl="0" indent="0" algn="l" defTabSz="914400" rtl="0" eaLnBrk="1" fontAlgn="auto" latinLnBrk="0" hangingPunct="1">
+              <a:lnSpc>
+                <a:spcPct val="100000"/>
+              </a:lnSpc>
+              <a:spcBef>
+                <a:spcPts val="0"/>
+              </a:spcBef>
+              <a:spcAft>
+                <a:spcPts val="0"/>
+              </a:spcAft>
+              <a:buClrTx/>
+              <a:buSzTx/>
+              <a:buFontTx/>
+              <a:buNone/>
+              <a:tabLst/>
+              <a:defRPr/>
+            </a:pPr>
             <a:r>
               <a:rPr lang="en-US" dirty="0"/>
-              <a:t>, to avoid the collision</a:t>
+              <a:t>First, the sink node transmits INIT(0,S,0,5) </a:t>
+            </a:r>
+          </a:p>
+          <a:p>
+            <a:pPr marL="0" marR="0" lvl="0" indent="0" algn="l" defTabSz="914400" rtl="0" eaLnBrk="1" fontAlgn="auto" latinLnBrk="0" hangingPunct="1">
+              <a:lnSpc>
+                <a:spcPct val="100000"/>
+              </a:lnSpc>
+              <a:spcBef>
+                <a:spcPts val="0"/>
+              </a:spcBef>
+              <a:spcAft>
+                <a:spcPts val="0"/>
+              </a:spcAft>
+              <a:buClrTx/>
+              <a:buSzTx/>
+              <a:buFontTx/>
+              <a:buNone/>
+              <a:tabLst/>
+              <a:defRPr/>
+            </a:pPr>
+            <a:r>
+              <a:rPr lang="en-US" dirty="0"/>
+              <a:t>in timeslot TS1 in the first cycle (cycle 0). Nodes A and B receive the INIT packet from node S, and after that, </a:t>
+            </a:r>
+          </a:p>
+          <a:p>
+            <a:pPr marL="0" marR="0" lvl="0" indent="0" algn="l" defTabSz="914400" rtl="0" eaLnBrk="1" fontAlgn="auto" latinLnBrk="0" hangingPunct="1">
+              <a:lnSpc>
+                <a:spcPct val="100000"/>
+              </a:lnSpc>
+              <a:spcBef>
+                <a:spcPts val="0"/>
+              </a:spcBef>
+              <a:spcAft>
+                <a:spcPts val="0"/>
+              </a:spcAft>
+              <a:buClrTx/>
+              <a:buSzTx/>
+              <a:buFontTx/>
+              <a:buNone/>
+              <a:tabLst/>
+              <a:defRPr/>
+            </a:pPr>
+            <a:endParaRPr lang="en-US" dirty="0"/>
+          </a:p>
+          <a:p>
+            <a:pPr marL="0" marR="0" lvl="0" indent="0" algn="l" defTabSz="914400" rtl="0" eaLnBrk="1" fontAlgn="auto" latinLnBrk="0" hangingPunct="1">
+              <a:lnSpc>
+                <a:spcPct val="100000"/>
+              </a:lnSpc>
+              <a:spcBef>
+                <a:spcPts val="0"/>
+              </a:spcBef>
+              <a:spcAft>
+                <a:spcPts val="0"/>
+              </a:spcAft>
+              <a:buClrTx/>
+              <a:buSzTx/>
+              <a:buFontTx/>
+              <a:buNone/>
+              <a:tabLst/>
+              <a:defRPr/>
+            </a:pPr>
+            <a:r>
+              <a:rPr lang="en-US" dirty="0"/>
+              <a:t>nodes A and B compete to transmit a JOIN packet to node S. We assume node B wins, and node B transmits JOIN(1,B,S,{}). Node A determines it lost the competition and waits until TS2 (in the next cycle) to retransmit the JOIN packet. Node S receives the JOIN packet from node B and accepts node B as its child node. Based on UC and Cd, node S decides to assign timeslot T5 and channel Ch0 to node B to communicate with node S, as explained in the next sub-section.</a:t>
+            </a:r>
+          </a:p>
+          <a:p>
+            <a:pPr marL="0" marR="0" lvl="0" indent="0" algn="l" defTabSz="914400" rtl="0" eaLnBrk="1" fontAlgn="auto" latinLnBrk="0" hangingPunct="1">
+              <a:lnSpc>
+                <a:spcPct val="100000"/>
+              </a:lnSpc>
+              <a:spcBef>
+                <a:spcPts val="0"/>
+              </a:spcBef>
+              <a:spcAft>
+                <a:spcPts val="0"/>
+              </a:spcAft>
+              <a:buClrTx/>
+              <a:buSzTx/>
+              <a:buFontTx/>
+              <a:buNone/>
+              <a:tabLst/>
+              <a:defRPr/>
+            </a:pPr>
+            <a:r>
+              <a:rPr lang="en-US" dirty="0"/>
+              <a:t> </a:t>
+            </a:r>
+          </a:p>
+          <a:p>
+            <a:pPr marL="0" marR="0" lvl="0" indent="0" algn="l" defTabSz="914400" rtl="0" eaLnBrk="1" fontAlgn="auto" latinLnBrk="0" hangingPunct="1">
+              <a:lnSpc>
+                <a:spcPct val="100000"/>
+              </a:lnSpc>
+              <a:spcBef>
+                <a:spcPts val="0"/>
+              </a:spcBef>
+              <a:spcAft>
+                <a:spcPts val="0"/>
+              </a:spcAft>
+              <a:buClrTx/>
+              <a:buSzTx/>
+              <a:buFontTx/>
+              <a:buNone/>
+              <a:tabLst/>
+              <a:defRPr/>
+            </a:pPr>
+            <a:r>
+              <a:rPr lang="en-US" dirty="0"/>
+              <a:t>Node S transmits CON (0,S,B,T5,Ch0) to node B at TS3 to inform node B of its assignment. Nodes A and B receive the CON packet, B sets its parent as S and the cell assignment to P and UC, while node A adds (Ch0, T5) to its UC list. In TS4, node B broadcasts ADV (1,B,T5,Ch0) to inform its neighbor nodes of the cell assignment. After receiving the ADV packet, nodes A, C and D add (Ch0, T5) to their UC lists.</a:t>
+            </a:r>
+          </a:p>
+          <a:p>
+            <a:pPr marL="0" marR="0" lvl="0" indent="0" algn="l" defTabSz="914400" rtl="0" eaLnBrk="1" fontAlgn="auto" latinLnBrk="0" hangingPunct="1">
+              <a:lnSpc>
+                <a:spcPct val="100000"/>
+              </a:lnSpc>
+              <a:spcBef>
+                <a:spcPts val="0"/>
+              </a:spcBef>
+              <a:spcAft>
+                <a:spcPts val="0"/>
+              </a:spcAft>
+              <a:buClrTx/>
+              <a:buSzTx/>
+              <a:buFontTx/>
+              <a:buNone/>
+              <a:tabLst/>
+              <a:defRPr/>
+            </a:pPr>
+            <a:endParaRPr lang="en-US" dirty="0"/>
+          </a:p>
+          <a:p>
+            <a:pPr marL="0" marR="0" lvl="0" indent="0" algn="l" defTabSz="914400" rtl="0" eaLnBrk="1" fontAlgn="auto" latinLnBrk="0" hangingPunct="1">
+              <a:lnSpc>
+                <a:spcPct val="100000"/>
+              </a:lnSpc>
+              <a:spcBef>
+                <a:spcPts val="0"/>
+              </a:spcBef>
+              <a:spcAft>
+                <a:spcPts val="0"/>
+              </a:spcAft>
+              <a:buClrTx/>
+              <a:buSzTx/>
+              <a:buFontTx/>
+              <a:buNone/>
+              <a:tabLst/>
+              <a:defRPr/>
+            </a:pPr>
+            <a:r>
+              <a:rPr lang="en-US" dirty="0"/>
+              <a:t>In TS4, node B broadcasts ADV (1,B,T5,Ch0) to inform its neighbor nodes of the cell assignment. After receiving the ADV packet, nodes A, C and D add (Ch0, T5) to their UC lists. </a:t>
+            </a:r>
+          </a:p>
+          <a:p>
+            <a:pPr marL="0" marR="0" lvl="0" indent="0" algn="l" defTabSz="914400" rtl="0" eaLnBrk="1" fontAlgn="auto" latinLnBrk="0" hangingPunct="1">
+              <a:lnSpc>
+                <a:spcPct val="100000"/>
+              </a:lnSpc>
+              <a:spcBef>
+                <a:spcPts val="0"/>
+              </a:spcBef>
+              <a:spcAft>
+                <a:spcPts val="0"/>
+              </a:spcAft>
+              <a:buClrTx/>
+              <a:buSzTx/>
+              <a:buFontTx/>
+              <a:buNone/>
+              <a:tabLst/>
+              <a:defRPr/>
+            </a:pPr>
+            <a:endParaRPr lang="en-US" dirty="0"/>
+          </a:p>
+          <a:p>
+            <a:pPr marL="0" marR="0" lvl="0" indent="0" algn="l" defTabSz="914400" rtl="0" eaLnBrk="1" fontAlgn="auto" latinLnBrk="0" hangingPunct="1">
+              <a:lnSpc>
+                <a:spcPct val="100000"/>
+              </a:lnSpc>
+              <a:spcBef>
+                <a:spcPts val="0"/>
+              </a:spcBef>
+              <a:spcAft>
+                <a:spcPts val="0"/>
+              </a:spcAft>
+              <a:buClrTx/>
+              <a:buSzTx/>
+              <a:buFontTx/>
+              <a:buNone/>
+              <a:tabLst/>
+              <a:defRPr/>
+            </a:pPr>
+            <a:r>
+              <a:rPr lang="en-US" dirty="0"/>
+              <a:t>In TS1 of the next cycle (Cycle 1), node B sends INIT (1,B,1,5), and nodes A, C and E receive this packet and add node B to their parent lists. </a:t>
+            </a:r>
+          </a:p>
+          <a:p>
+            <a:pPr marL="0" marR="0" lvl="0" indent="0" algn="l" defTabSz="914400" rtl="0" eaLnBrk="1" fontAlgn="auto" latinLnBrk="0" hangingPunct="1">
+              <a:lnSpc>
+                <a:spcPct val="100000"/>
+              </a:lnSpc>
+              <a:spcBef>
+                <a:spcPts val="0"/>
+              </a:spcBef>
+              <a:spcAft>
+                <a:spcPts val="0"/>
+              </a:spcAft>
+              <a:buClrTx/>
+              <a:buSzTx/>
+              <a:buFontTx/>
+              <a:buNone/>
+              <a:tabLst/>
+              <a:defRPr/>
+            </a:pPr>
+            <a:endParaRPr lang="en-US" dirty="0"/>
+          </a:p>
+          <a:p>
+            <a:pPr marL="0" marR="0" lvl="0" indent="0" algn="l" defTabSz="914400" rtl="0" eaLnBrk="1" fontAlgn="auto" latinLnBrk="0" hangingPunct="1">
+              <a:lnSpc>
+                <a:spcPct val="100000"/>
+              </a:lnSpc>
+              <a:spcBef>
+                <a:spcPts val="0"/>
+              </a:spcBef>
+              <a:spcAft>
+                <a:spcPts val="0"/>
+              </a:spcAft>
+              <a:buClrTx/>
+              <a:buSzTx/>
+              <a:buFontTx/>
+              <a:buNone/>
+              <a:tabLst/>
+              <a:defRPr/>
+            </a:pPr>
+            <a:r>
+              <a:rPr lang="en-US" dirty="0"/>
+              <a:t>In TS2, nodes A, C and D choose their parents as described in the next sub-section and compete to transmit a JOIN packet to the parent node. Node A wins then, sending JOIN (1,A,S,{(T5, Ch0)}) to node S. Nodes C and E determine that they lost the competition when overhearing the JOIN packet, and wait until TS3 (in the next cycle) to retransmit the JOIN packet. After receiving the JOIN packet from node A, node S accepts node A as its child and chooses TS4 and channel Ch0 as the link from A to S. </a:t>
+            </a:r>
+          </a:p>
+          <a:p>
+            <a:pPr marL="0" marR="0" lvl="0" indent="0" algn="l" defTabSz="914400" rtl="0" eaLnBrk="1" fontAlgn="auto" latinLnBrk="0" hangingPunct="1">
+              <a:lnSpc>
+                <a:spcPct val="100000"/>
+              </a:lnSpc>
+              <a:spcBef>
+                <a:spcPts val="0"/>
+              </a:spcBef>
+              <a:spcAft>
+                <a:spcPts val="0"/>
+              </a:spcAft>
+              <a:buClrTx/>
+              <a:buSzTx/>
+              <a:buFontTx/>
+              <a:buNone/>
+              <a:tabLst/>
+              <a:defRPr/>
+            </a:pPr>
+            <a:endParaRPr lang="en-US" dirty="0"/>
+          </a:p>
+          <a:p>
+            <a:pPr marL="0" marR="0" lvl="0" indent="0" algn="l" defTabSz="914400" rtl="0" eaLnBrk="1" fontAlgn="auto" latinLnBrk="0" hangingPunct="1">
+              <a:lnSpc>
+                <a:spcPct val="100000"/>
+              </a:lnSpc>
+              <a:spcBef>
+                <a:spcPts val="0"/>
+              </a:spcBef>
+              <a:spcAft>
+                <a:spcPts val="0"/>
+              </a:spcAft>
+              <a:buClrTx/>
+              <a:buSzTx/>
+              <a:buFontTx/>
+              <a:buNone/>
+              <a:tabLst/>
+              <a:defRPr/>
+            </a:pPr>
+            <a:r>
+              <a:rPr lang="en-US" dirty="0"/>
+              <a:t>Node S transmits CON (0,S,A,T4,Ch0) to node A at TS3 to inform node A of its assignment. Nodes C, B and D overhear this packet and add (Ch0, T4) to their UC lists. Node A receives this packet and sets its parent as S, adding the cell assignment to P. </a:t>
+            </a:r>
+          </a:p>
+          <a:p>
+            <a:pPr marL="0" marR="0" lvl="0" indent="0" algn="l" defTabSz="914400" rtl="0" eaLnBrk="1" fontAlgn="auto" latinLnBrk="0" hangingPunct="1">
+              <a:lnSpc>
+                <a:spcPct val="100000"/>
+              </a:lnSpc>
+              <a:spcBef>
+                <a:spcPts val="0"/>
+              </a:spcBef>
+              <a:spcAft>
+                <a:spcPts val="0"/>
+              </a:spcAft>
+              <a:buClrTx/>
+              <a:buSzTx/>
+              <a:buFontTx/>
+              <a:buNone/>
+              <a:tabLst/>
+              <a:defRPr/>
+            </a:pPr>
+            <a:endParaRPr lang="en-US" dirty="0"/>
+          </a:p>
+          <a:p>
+            <a:pPr marL="0" marR="0" lvl="0" indent="0" algn="l" defTabSz="914400" rtl="0" eaLnBrk="1" fontAlgn="auto" latinLnBrk="0" hangingPunct="1">
+              <a:lnSpc>
+                <a:spcPct val="100000"/>
+              </a:lnSpc>
+              <a:spcBef>
+                <a:spcPts val="0"/>
+              </a:spcBef>
+              <a:spcAft>
+                <a:spcPts val="0"/>
+              </a:spcAft>
+              <a:buClrTx/>
+              <a:buSzTx/>
+              <a:buFontTx/>
+              <a:buNone/>
+              <a:tabLst/>
+              <a:defRPr/>
+            </a:pPr>
+            <a:r>
+              <a:rPr lang="en-US" dirty="0"/>
+              <a:t>In TS4, node A broadcasts ADV(1,A,T4,Ch0) to inform the neighbor nodes about the cell assignment. </a:t>
+            </a:r>
+          </a:p>
+          <a:p>
+            <a:pPr marL="0" marR="0" lvl="0" indent="0" algn="l" defTabSz="914400" rtl="0" eaLnBrk="1" fontAlgn="auto" latinLnBrk="0" hangingPunct="1">
+              <a:lnSpc>
+                <a:spcPct val="100000"/>
+              </a:lnSpc>
+              <a:spcBef>
+                <a:spcPts val="0"/>
+              </a:spcBef>
+              <a:spcAft>
+                <a:spcPts val="0"/>
+              </a:spcAft>
+              <a:buClrTx/>
+              <a:buSzTx/>
+              <a:buFontTx/>
+              <a:buNone/>
+              <a:tabLst/>
+              <a:defRPr/>
+            </a:pPr>
+            <a:endParaRPr lang="en-US" dirty="0"/>
+          </a:p>
+          <a:p>
+            <a:pPr marL="0" marR="0" lvl="0" indent="0" algn="l" defTabSz="914400" rtl="0" eaLnBrk="1" fontAlgn="auto" latinLnBrk="0" hangingPunct="1">
+              <a:lnSpc>
+                <a:spcPct val="100000"/>
+              </a:lnSpc>
+              <a:spcBef>
+                <a:spcPts val="0"/>
+              </a:spcBef>
+              <a:spcAft>
+                <a:spcPts val="0"/>
+              </a:spcAft>
+              <a:buClrTx/>
+              <a:buSzTx/>
+              <a:buFontTx/>
+              <a:buNone/>
+              <a:tabLst/>
+              <a:defRPr/>
+            </a:pPr>
+            <a:r>
+              <a:rPr lang="en-US" dirty="0"/>
+              <a:t>This process is repeated until the network construction is completed. Figure 6 shows the NCP process, and Table 1 shows the information maintained by each node after the NCP finishes.</a:t>
             </a:r>
           </a:p>
         </p:txBody>
@@ -7029,7 +7013,7 @@
     </p:spTree>
     <p:extLst>
       <p:ext uri="{BB962C8B-B14F-4D97-AF65-F5344CB8AC3E}">
-        <p14:creationId xmlns:p14="http://schemas.microsoft.com/office/powerpoint/2010/main" val="847033098"/>
+        <p14:creationId xmlns:p14="http://schemas.microsoft.com/office/powerpoint/2010/main" val="4064396793"/>
       </p:ext>
     </p:extLst>
   </p:cSld>
@@ -7100,7 +7084,18 @@
               <a:tabLst/>
               <a:defRPr/>
             </a:pPr>
-            <a:endParaRPr lang="en-US" dirty="0"/>
+            <a:r>
+              <a:rPr lang="en-US" dirty="0"/>
+              <a:t>in the next sub-section, they explained a </a:t>
+            </a:r>
+            <a:r>
+              <a:rPr lang="en-US" b="1" u="sng" dirty="0"/>
+              <a:t>packet collision–avoidance mechanism</a:t>
+            </a:r>
+            <a:r>
+              <a:rPr lang="en-US" dirty="0"/>
+              <a:t>, to avoid the collision</a:t>
+            </a:r>
           </a:p>
         </p:txBody>
       </p:sp>
@@ -7130,7 +7125,7 @@
     </p:spTree>
     <p:extLst>
       <p:ext uri="{BB962C8B-B14F-4D97-AF65-F5344CB8AC3E}">
-        <p14:creationId xmlns:p14="http://schemas.microsoft.com/office/powerpoint/2010/main" val="3576439858"/>
+        <p14:creationId xmlns:p14="http://schemas.microsoft.com/office/powerpoint/2010/main" val="847033098"/>
       </p:ext>
     </p:extLst>
   </p:cSld>
@@ -7201,10 +7196,7 @@
               <a:tabLst/>
               <a:defRPr/>
             </a:pPr>
-            <a:r>
-              <a:rPr lang="en-US" dirty="0"/>
-              <a:t>in the next sub-section, they explained Timeslot and Channel Assignment</a:t>
-            </a:r>
+            <a:endParaRPr lang="en-US" dirty="0"/>
           </a:p>
         </p:txBody>
       </p:sp>
@@ -7234,7 +7226,7 @@
     </p:spTree>
     <p:extLst>
       <p:ext uri="{BB962C8B-B14F-4D97-AF65-F5344CB8AC3E}">
-        <p14:creationId xmlns:p14="http://schemas.microsoft.com/office/powerpoint/2010/main" val="2922517693"/>
+        <p14:creationId xmlns:p14="http://schemas.microsoft.com/office/powerpoint/2010/main" val="3576439858"/>
       </p:ext>
     </p:extLst>
   </p:cSld>
@@ -7305,7 +7297,10 @@
               <a:tabLst/>
               <a:defRPr/>
             </a:pPr>
-            <a:endParaRPr lang="en-US" dirty="0"/>
+            <a:r>
+              <a:rPr lang="en-US" dirty="0"/>
+              <a:t>in the next sub-section, they explained Timeslot and Channel Assignment</a:t>
+            </a:r>
           </a:p>
         </p:txBody>
       </p:sp>
@@ -7335,7 +7330,7 @@
     </p:spTree>
     <p:extLst>
       <p:ext uri="{BB962C8B-B14F-4D97-AF65-F5344CB8AC3E}">
-        <p14:creationId xmlns:p14="http://schemas.microsoft.com/office/powerpoint/2010/main" val="33350191"/>
+        <p14:creationId xmlns:p14="http://schemas.microsoft.com/office/powerpoint/2010/main" val="2922517693"/>
       </p:ext>
     </p:extLst>
   </p:cSld>
@@ -7436,7 +7431,7 @@
     </p:spTree>
     <p:extLst>
       <p:ext uri="{BB962C8B-B14F-4D97-AF65-F5344CB8AC3E}">
-        <p14:creationId xmlns:p14="http://schemas.microsoft.com/office/powerpoint/2010/main" val="3004611128"/>
+        <p14:creationId xmlns:p14="http://schemas.microsoft.com/office/powerpoint/2010/main" val="33350191"/>
       </p:ext>
     </p:extLst>
   </p:cSld>
@@ -7537,7 +7532,7 @@
     </p:spTree>
     <p:extLst>
       <p:ext uri="{BB962C8B-B14F-4D97-AF65-F5344CB8AC3E}">
-        <p14:creationId xmlns:p14="http://schemas.microsoft.com/office/powerpoint/2010/main" val="567092429"/>
+        <p14:creationId xmlns:p14="http://schemas.microsoft.com/office/powerpoint/2010/main" val="3004611128"/>
       </p:ext>
     </p:extLst>
   </p:cSld>
@@ -7638,7 +7633,7 @@
     </p:spTree>
     <p:extLst>
       <p:ext uri="{BB962C8B-B14F-4D97-AF65-F5344CB8AC3E}">
-        <p14:creationId xmlns:p14="http://schemas.microsoft.com/office/powerpoint/2010/main" val="3255091754"/>
+        <p14:creationId xmlns:p14="http://schemas.microsoft.com/office/powerpoint/2010/main" val="567092429"/>
       </p:ext>
     </p:extLst>
   </p:cSld>
@@ -7739,7 +7734,7 @@
     </p:spTree>
     <p:extLst>
       <p:ext uri="{BB962C8B-B14F-4D97-AF65-F5344CB8AC3E}">
-        <p14:creationId xmlns:p14="http://schemas.microsoft.com/office/powerpoint/2010/main" val="644399317"/>
+        <p14:creationId xmlns:p14="http://schemas.microsoft.com/office/powerpoint/2010/main" val="3255091754"/>
       </p:ext>
     </p:extLst>
   </p:cSld>
@@ -7810,10 +7805,7 @@
               <a:tabLst/>
               <a:defRPr/>
             </a:pPr>
-            <a:r>
-              <a:rPr lang="en-US" dirty="0"/>
-              <a:t>Furthermore, they proposed the REDUCE command packet</a:t>
-            </a:r>
+            <a:endParaRPr lang="en-US" dirty="0"/>
           </a:p>
         </p:txBody>
       </p:sp>
@@ -7843,7 +7835,7 @@
     </p:spTree>
     <p:extLst>
       <p:ext uri="{BB962C8B-B14F-4D97-AF65-F5344CB8AC3E}">
-        <p14:creationId xmlns:p14="http://schemas.microsoft.com/office/powerpoint/2010/main" val="2249163725"/>
+        <p14:creationId xmlns:p14="http://schemas.microsoft.com/office/powerpoint/2010/main" val="644399317"/>
       </p:ext>
     </p:extLst>
   </p:cSld>
@@ -7914,7 +7906,10 @@
               <a:tabLst/>
               <a:defRPr/>
             </a:pPr>
-            <a:endParaRPr lang="en-US" dirty="0"/>
+            <a:r>
+              <a:rPr lang="en-US" dirty="0"/>
+              <a:t>Furthermore, they proposed the REDUCE command packet</a:t>
+            </a:r>
           </a:p>
         </p:txBody>
       </p:sp>
@@ -7944,7 +7939,7 @@
     </p:spTree>
     <p:extLst>
       <p:ext uri="{BB962C8B-B14F-4D97-AF65-F5344CB8AC3E}">
-        <p14:creationId xmlns:p14="http://schemas.microsoft.com/office/powerpoint/2010/main" val="2848744169"/>
+        <p14:creationId xmlns:p14="http://schemas.microsoft.com/office/powerpoint/2010/main" val="2249163725"/>
       </p:ext>
     </p:extLst>
   </p:cSld>
@@ -8140,7 +8135,7 @@
     </p:spTree>
     <p:extLst>
       <p:ext uri="{BB962C8B-B14F-4D97-AF65-F5344CB8AC3E}">
-        <p14:creationId xmlns:p14="http://schemas.microsoft.com/office/powerpoint/2010/main" val="659914560"/>
+        <p14:creationId xmlns:p14="http://schemas.microsoft.com/office/powerpoint/2010/main" val="2848744169"/>
       </p:ext>
     </p:extLst>
   </p:cSld>
@@ -8211,10 +8206,7 @@
               <a:tabLst/>
               <a:defRPr/>
             </a:pPr>
-            <a:r>
-              <a:rPr lang="en-US" dirty="0"/>
-              <a:t>However, If we knew the time on air</a:t>
-            </a:r>
+            <a:endParaRPr lang="en-US" dirty="0"/>
           </a:p>
         </p:txBody>
       </p:sp>
@@ -8244,7 +8236,7 @@
     </p:spTree>
     <p:extLst>
       <p:ext uri="{BB962C8B-B14F-4D97-AF65-F5344CB8AC3E}">
-        <p14:creationId xmlns:p14="http://schemas.microsoft.com/office/powerpoint/2010/main" val="2749953881"/>
+        <p14:creationId xmlns:p14="http://schemas.microsoft.com/office/powerpoint/2010/main" val="659914560"/>
       </p:ext>
     </p:extLst>
   </p:cSld>
@@ -8315,7 +8307,10 @@
               <a:tabLst/>
               <a:defRPr/>
             </a:pPr>
-            <a:endParaRPr lang="en-US" dirty="0"/>
+            <a:r>
+              <a:rPr lang="en-US" dirty="0"/>
+              <a:t>However, If we knew the time on air</a:t>
+            </a:r>
           </a:p>
         </p:txBody>
       </p:sp>
@@ -8345,7 +8340,7 @@
     </p:spTree>
     <p:extLst>
       <p:ext uri="{BB962C8B-B14F-4D97-AF65-F5344CB8AC3E}">
-        <p14:creationId xmlns:p14="http://schemas.microsoft.com/office/powerpoint/2010/main" val="2756475053"/>
+        <p14:creationId xmlns:p14="http://schemas.microsoft.com/office/powerpoint/2010/main" val="2749953881"/>
       </p:ext>
     </p:extLst>
   </p:cSld>
@@ -8446,7 +8441,7 @@
     </p:spTree>
     <p:extLst>
       <p:ext uri="{BB962C8B-B14F-4D97-AF65-F5344CB8AC3E}">
-        <p14:creationId xmlns:p14="http://schemas.microsoft.com/office/powerpoint/2010/main" val="3924672827"/>
+        <p14:creationId xmlns:p14="http://schemas.microsoft.com/office/powerpoint/2010/main" val="2756475053"/>
       </p:ext>
     </p:extLst>
   </p:cSld>
@@ -8547,7 +8542,7 @@
     </p:spTree>
     <p:extLst>
       <p:ext uri="{BB962C8B-B14F-4D97-AF65-F5344CB8AC3E}">
-        <p14:creationId xmlns:p14="http://schemas.microsoft.com/office/powerpoint/2010/main" val="262883317"/>
+        <p14:creationId xmlns:p14="http://schemas.microsoft.com/office/powerpoint/2010/main" val="3924672827"/>
       </p:ext>
     </p:extLst>
   </p:cSld>
@@ -8648,7 +8643,7 @@
     </p:spTree>
     <p:extLst>
       <p:ext uri="{BB962C8B-B14F-4D97-AF65-F5344CB8AC3E}">
-        <p14:creationId xmlns:p14="http://schemas.microsoft.com/office/powerpoint/2010/main" val="3614505887"/>
+        <p14:creationId xmlns:p14="http://schemas.microsoft.com/office/powerpoint/2010/main" val="262883317"/>
       </p:ext>
     </p:extLst>
   </p:cSld>
@@ -8749,7 +8744,7 @@
     </p:spTree>
     <p:extLst>
       <p:ext uri="{BB962C8B-B14F-4D97-AF65-F5344CB8AC3E}">
-        <p14:creationId xmlns:p14="http://schemas.microsoft.com/office/powerpoint/2010/main" val="113893489"/>
+        <p14:creationId xmlns:p14="http://schemas.microsoft.com/office/powerpoint/2010/main" val="3614505887"/>
       </p:ext>
     </p:extLst>
   </p:cSld>
@@ -8850,7 +8845,7 @@
     </p:spTree>
     <p:extLst>
       <p:ext uri="{BB962C8B-B14F-4D97-AF65-F5344CB8AC3E}">
-        <p14:creationId xmlns:p14="http://schemas.microsoft.com/office/powerpoint/2010/main" val="4190930757"/>
+        <p14:creationId xmlns:p14="http://schemas.microsoft.com/office/powerpoint/2010/main" val="113893489"/>
       </p:ext>
     </p:extLst>
   </p:cSld>
@@ -8951,7 +8946,7 @@
     </p:spTree>
     <p:extLst>
       <p:ext uri="{BB962C8B-B14F-4D97-AF65-F5344CB8AC3E}">
-        <p14:creationId xmlns:p14="http://schemas.microsoft.com/office/powerpoint/2010/main" val="994343962"/>
+        <p14:creationId xmlns:p14="http://schemas.microsoft.com/office/powerpoint/2010/main" val="4190930757"/>
       </p:ext>
     </p:extLst>
   </p:cSld>
@@ -9052,7 +9047,7 @@
     </p:spTree>
     <p:extLst>
       <p:ext uri="{BB962C8B-B14F-4D97-AF65-F5344CB8AC3E}">
-        <p14:creationId xmlns:p14="http://schemas.microsoft.com/office/powerpoint/2010/main" val="2855296764"/>
+        <p14:creationId xmlns:p14="http://schemas.microsoft.com/office/powerpoint/2010/main" val="994343962"/>
       </p:ext>
     </p:extLst>
   </p:cSld>
@@ -9248,7 +9243,7 @@
     </p:spTree>
     <p:extLst>
       <p:ext uri="{BB962C8B-B14F-4D97-AF65-F5344CB8AC3E}">
-        <p14:creationId xmlns:p14="http://schemas.microsoft.com/office/powerpoint/2010/main" val="3627179205"/>
+        <p14:creationId xmlns:p14="http://schemas.microsoft.com/office/powerpoint/2010/main" val="2855296764"/>
       </p:ext>
     </p:extLst>
   </p:cSld>
@@ -9349,7 +9344,7 @@
     </p:spTree>
     <p:extLst>
       <p:ext uri="{BB962C8B-B14F-4D97-AF65-F5344CB8AC3E}">
-        <p14:creationId xmlns:p14="http://schemas.microsoft.com/office/powerpoint/2010/main" val="2149372376"/>
+        <p14:creationId xmlns:p14="http://schemas.microsoft.com/office/powerpoint/2010/main" val="3627179205"/>
       </p:ext>
     </p:extLst>
   </p:cSld>
@@ -9450,7 +9445,7 @@
     </p:spTree>
     <p:extLst>
       <p:ext uri="{BB962C8B-B14F-4D97-AF65-F5344CB8AC3E}">
-        <p14:creationId xmlns:p14="http://schemas.microsoft.com/office/powerpoint/2010/main" val="2979164168"/>
+        <p14:creationId xmlns:p14="http://schemas.microsoft.com/office/powerpoint/2010/main" val="2149372376"/>
       </p:ext>
     </p:extLst>
   </p:cSld>
@@ -9521,11 +9516,7 @@
               <a:tabLst/>
               <a:defRPr/>
             </a:pPr>
-            <a:r>
-              <a:rPr lang="en-US" dirty="0"/>
-              <a:t>Research methodology consist of 4 properties</a:t>
-            </a:r>
-            <a:endParaRPr lang="th-TH" dirty="0"/>
+            <a:endParaRPr lang="en-US" dirty="0"/>
           </a:p>
         </p:txBody>
       </p:sp>
@@ -9555,7 +9546,7 @@
     </p:spTree>
     <p:extLst>
       <p:ext uri="{BB962C8B-B14F-4D97-AF65-F5344CB8AC3E}">
-        <p14:creationId xmlns:p14="http://schemas.microsoft.com/office/powerpoint/2010/main" val="4084286550"/>
+        <p14:creationId xmlns:p14="http://schemas.microsoft.com/office/powerpoint/2010/main" val="2979164168"/>
       </p:ext>
     </p:extLst>
   </p:cSld>
@@ -9626,7 +9617,11 @@
               <a:tabLst/>
               <a:defRPr/>
             </a:pPr>
-            <a:endParaRPr lang="en-US" dirty="0"/>
+            <a:r>
+              <a:rPr lang="en-US" dirty="0"/>
+              <a:t>Research methodology consist of 4 properties</a:t>
+            </a:r>
+            <a:endParaRPr lang="th-TH" dirty="0"/>
           </a:p>
         </p:txBody>
       </p:sp>
@@ -9648,6 +9643,107 @@
             <a:fld id="{7A6690C6-3487-4A2A-A435-A96B59A0BF17}" type="slidenum">
               <a:rPr lang="th-TH" smtClean="0"/>
               <a:t>58</a:t>
+            </a:fld>
+            <a:endParaRPr lang="th-TH"/>
+          </a:p>
+        </p:txBody>
+      </p:sp>
+    </p:spTree>
+    <p:extLst>
+      <p:ext uri="{BB962C8B-B14F-4D97-AF65-F5344CB8AC3E}">
+        <p14:creationId xmlns:p14="http://schemas.microsoft.com/office/powerpoint/2010/main" val="4084286550"/>
+      </p:ext>
+    </p:extLst>
+  </p:cSld>
+  <p:clrMapOvr>
+    <a:masterClrMapping/>
+  </p:clrMapOvr>
+</p:notes>
+</file>
+
+<file path=ppt/notesSlides/notesSlide55.xml><?xml version="1.0" encoding="utf-8"?>
+<p:notes xmlns:a="http://schemas.openxmlformats.org/drawingml/2006/main" xmlns:r="http://schemas.openxmlformats.org/officeDocument/2006/relationships" xmlns:p="http://schemas.openxmlformats.org/presentationml/2006/main">
+  <p:cSld>
+    <p:spTree>
+      <p:nvGrpSpPr>
+        <p:cNvPr id="1" name=""/>
+        <p:cNvGrpSpPr/>
+        <p:nvPr/>
+      </p:nvGrpSpPr>
+      <p:grpSpPr>
+        <a:xfrm>
+          <a:off x="0" y="0"/>
+          <a:ext cx="0" cy="0"/>
+          <a:chOff x="0" y="0"/>
+          <a:chExt cx="0" cy="0"/>
+        </a:xfrm>
+      </p:grpSpPr>
+      <p:sp>
+        <p:nvSpPr>
+          <p:cNvPr id="2" name="Slide Image Placeholder 1"/>
+          <p:cNvSpPr>
+            <a:spLocks noGrp="1" noRot="1" noChangeAspect="1"/>
+          </p:cNvSpPr>
+          <p:nvPr>
+            <p:ph type="sldImg"/>
+          </p:nvPr>
+        </p:nvSpPr>
+        <p:spPr/>
+      </p:sp>
+      <p:sp>
+        <p:nvSpPr>
+          <p:cNvPr id="3" name="Notes Placeholder 2"/>
+          <p:cNvSpPr>
+            <a:spLocks noGrp="1"/>
+          </p:cNvSpPr>
+          <p:nvPr>
+            <p:ph type="body" idx="1"/>
+          </p:nvPr>
+        </p:nvSpPr>
+        <p:spPr/>
+        <p:txBody>
+          <a:bodyPr/>
+          <a:lstStyle/>
+          <a:p>
+            <a:pPr marL="0" marR="0" lvl="0" indent="0" algn="l" defTabSz="914400" rtl="0" eaLnBrk="1" fontAlgn="auto" latinLnBrk="0" hangingPunct="1">
+              <a:lnSpc>
+                <a:spcPct val="100000"/>
+              </a:lnSpc>
+              <a:spcBef>
+                <a:spcPts val="0"/>
+              </a:spcBef>
+              <a:spcAft>
+                <a:spcPts val="0"/>
+              </a:spcAft>
+              <a:buClrTx/>
+              <a:buSzTx/>
+              <a:buFontTx/>
+              <a:buNone/>
+              <a:tabLst/>
+              <a:defRPr/>
+            </a:pPr>
+            <a:endParaRPr lang="en-US" dirty="0"/>
+          </a:p>
+        </p:txBody>
+      </p:sp>
+      <p:sp>
+        <p:nvSpPr>
+          <p:cNvPr id="4" name="Slide Number Placeholder 3"/>
+          <p:cNvSpPr>
+            <a:spLocks noGrp="1"/>
+          </p:cNvSpPr>
+          <p:nvPr>
+            <p:ph type="sldNum" sz="quarter" idx="5"/>
+          </p:nvPr>
+        </p:nvSpPr>
+        <p:spPr/>
+        <p:txBody>
+          <a:bodyPr/>
+          <a:lstStyle/>
+          <a:p>
+            <a:fld id="{7A6690C6-3487-4A2A-A435-A96B59A0BF17}" type="slidenum">
+              <a:rPr lang="th-TH" smtClean="0"/>
+              <a:t>59</a:t>
             </a:fld>
             <a:endParaRPr lang="th-TH"/>
           </a:p>
@@ -9941,7 +10037,7 @@
     </p:spTree>
     <p:extLst>
       <p:ext uri="{BB962C8B-B14F-4D97-AF65-F5344CB8AC3E}">
-        <p14:creationId xmlns:p14="http://schemas.microsoft.com/office/powerpoint/2010/main" val="1418131158"/>
+        <p14:creationId xmlns:p14="http://schemas.microsoft.com/office/powerpoint/2010/main" val="172990309"/>
       </p:ext>
     </p:extLst>
   </p:cSld>
@@ -10036,7 +10132,7 @@
     </p:spTree>
     <p:extLst>
       <p:ext uri="{BB962C8B-B14F-4D97-AF65-F5344CB8AC3E}">
-        <p14:creationId xmlns:p14="http://schemas.microsoft.com/office/powerpoint/2010/main" val="606150001"/>
+        <p14:creationId xmlns:p14="http://schemas.microsoft.com/office/powerpoint/2010/main" val="1418131158"/>
       </p:ext>
     </p:extLst>
   </p:cSld>
@@ -10284,7 +10380,7 @@
           <a:p>
             <a:fld id="{ED291B17-9318-49DB-B28B-6E5994AE9581}" type="datetime1">
               <a:rPr lang="en-US" smtClean="0"/>
-              <a:t>2/6/2021</a:t>
+              <a:t>2/7/2021</a:t>
             </a:fld>
             <a:endParaRPr lang="en-US" dirty="0"/>
           </a:p>
@@ -10487,7 +10583,7 @@
           <a:p>
             <a:fld id="{2CED4963-E985-44C4-B8C4-FDD613B7C2F8}" type="datetime1">
               <a:rPr lang="en-US" smtClean="0"/>
-              <a:t>2/6/2021</a:t>
+              <a:t>2/7/2021</a:t>
             </a:fld>
             <a:endParaRPr lang="en-US" dirty="0"/>
           </a:p>
@@ -10849,7 +10945,7 @@
           <a:p>
             <a:fld id="{ED291B17-9318-49DB-B28B-6E5994AE9581}" type="datetime1">
               <a:rPr lang="en-US" smtClean="0"/>
-              <a:t>2/6/2021</a:t>
+              <a:t>2/7/2021</a:t>
             </a:fld>
             <a:endParaRPr lang="en-US" dirty="0"/>
           </a:p>
@@ -11047,7 +11143,7 @@
           <a:p>
             <a:fld id="{78DD82B9-B8EE-4375-B6FF-88FA6ABB15D9}" type="datetime1">
               <a:rPr lang="en-US" smtClean="0"/>
-              <a:t>2/6/2021</a:t>
+              <a:t>2/7/2021</a:t>
             </a:fld>
             <a:endParaRPr lang="en-US" dirty="0"/>
           </a:p>
@@ -11359,7 +11455,7 @@
           <a:p>
             <a:fld id="{B2497495-0637-405E-AE64-5CC7506D51F5}" type="datetime1">
               <a:rPr lang="en-US" smtClean="0"/>
-              <a:t>2/6/2021</a:t>
+              <a:t>2/7/2021</a:t>
             </a:fld>
             <a:endParaRPr lang="en-US" dirty="0"/>
           </a:p>
@@ -11612,7 +11708,7 @@
           <a:p>
             <a:fld id="{7BFFD690-9426-415D-8B65-26881E07B2D4}" type="datetime1">
               <a:rPr lang="en-US" smtClean="0"/>
-              <a:t>2/6/2021</a:t>
+              <a:t>2/7/2021</a:t>
             </a:fld>
             <a:endParaRPr lang="en-US" dirty="0"/>
           </a:p>
@@ -12034,7 +12130,7 @@
           <a:p>
             <a:fld id="{04C4989A-474C-40DE-95B9-011C28B71673}" type="datetime1">
               <a:rPr lang="en-US" smtClean="0"/>
-              <a:t>2/6/2021</a:t>
+              <a:t>2/7/2021</a:t>
             </a:fld>
             <a:endParaRPr lang="en-US" dirty="0"/>
           </a:p>
@@ -12157,7 +12253,7 @@
           <a:p>
             <a:fld id="{5DB4ED54-5B5E-4A04-93D3-5772E3CE3818}" type="datetime1">
               <a:rPr lang="en-US" smtClean="0"/>
-              <a:t>2/6/2021</a:t>
+              <a:t>2/7/2021</a:t>
             </a:fld>
             <a:endParaRPr lang="en-US" dirty="0"/>
           </a:p>
@@ -12252,7 +12348,7 @@
           <a:p>
             <a:fld id="{4EDE50D6-574B-40AF-946F-D52A04ADE379}" type="datetime1">
               <a:rPr lang="en-US" smtClean="0"/>
-              <a:t>2/6/2021</a:t>
+              <a:t>2/7/2021</a:t>
             </a:fld>
             <a:endParaRPr lang="en-US" dirty="0"/>
           </a:p>
@@ -12629,7 +12725,7 @@
           <a:p>
             <a:fld id="{D82884F1-FFEA-405F-9602-3DCA865EDA4E}" type="datetime1">
               <a:rPr lang="en-US" smtClean="0"/>
-              <a:t>2/6/2021</a:t>
+              <a:t>2/7/2021</a:t>
             </a:fld>
             <a:endParaRPr lang="en-US" dirty="0"/>
           </a:p>
@@ -12922,7 +13018,7 @@
           <a:p>
             <a:fld id="{7E18DB4A-8810-4A10-AD5C-D5E2C667F5B3}" type="datetime1">
               <a:rPr lang="en-US" smtClean="0"/>
-              <a:t>2/6/2021</a:t>
+              <a:t>2/7/2021</a:t>
             </a:fld>
             <a:endParaRPr lang="en-US" dirty="0"/>
           </a:p>
@@ -13137,7 +13233,7 @@
           <a:p>
             <a:fld id="{ED291B17-9318-49DB-B28B-6E5994AE9581}" type="datetime1">
               <a:rPr lang="en-US" smtClean="0"/>
-              <a:t>2/6/2021</a:t>
+              <a:t>2/7/2021</a:t>
             </a:fld>
             <a:endParaRPr lang="en-US" dirty="0"/>
           </a:p>
@@ -14360,7 +14456,7 @@
         <p:spPr>
           <a:xfrm>
             <a:off x="1424885" y="1977503"/>
-            <a:ext cx="9342229" cy="2596865"/>
+            <a:ext cx="9342229" cy="456215"/>
           </a:xfrm>
           <a:prstGeom prst="rect">
             <a:avLst/>
@@ -14401,65 +14497,172 @@
                 </a:solidFill>
                 <a:latin typeface="Open Sans"/>
               </a:rPr>
-              <a:t>APRIORI (Agrawal and Srikant, 1994) </a:t>
-            </a:r>
-          </a:p>
-          <a:p>
-            <a:pPr algn="thaiDist">
-              <a:lnSpc>
-                <a:spcPct val="150000"/>
-              </a:lnSpc>
-              <a:spcBef>
-                <a:spcPts val="600"/>
-              </a:spcBef>
-              <a:spcAft>
-                <a:spcPts val="1200"/>
-              </a:spcAft>
-            </a:pPr>
-            <a:r>
-              <a:rPr lang="en-US" b="1" dirty="0">
+              <a:t>APRIORI (Agrawal and Srikant, 1994) Generates frequent item-sets.</a:t>
+            </a:r>
+          </a:p>
+        </p:txBody>
+      </p:sp>
+      <p:pic>
+        <p:nvPicPr>
+          <p:cNvPr id="7170" name="Picture 2">
+            <a:extLst>
+              <a:ext uri="{FF2B5EF4-FFF2-40B4-BE49-F238E27FC236}">
+                <a16:creationId xmlns:a16="http://schemas.microsoft.com/office/drawing/2014/main" id="{13EDD5BD-9BF7-4B6E-8CDC-035947D78E86}"/>
+              </a:ext>
+            </a:extLst>
+          </p:cNvPr>
+          <p:cNvPicPr>
+            <a:picLocks noChangeAspect="1" noChangeArrowheads="1" noCrop="1"/>
+          </p:cNvPicPr>
+          <p:nvPr/>
+        </p:nvPicPr>
+        <p:blipFill>
+          <a:blip r:embed="rId3">
+            <a:extLst>
+              <a:ext uri="{28A0092B-C50C-407E-A947-70E740481C1C}">
+                <a14:useLocalDpi xmlns:a14="http://schemas.microsoft.com/office/drawing/2010/main" val="0"/>
+              </a:ext>
+            </a:extLst>
+          </a:blip>
+          <a:srcRect/>
+          <a:stretch>
+            <a:fillRect/>
+          </a:stretch>
+        </p:blipFill>
+        <p:spPr bwMode="auto">
+          <a:xfrm>
+            <a:off x="2925273" y="2537336"/>
+            <a:ext cx="6341453" cy="4182177"/>
+          </a:xfrm>
+          <a:prstGeom prst="rect">
+            <a:avLst/>
+          </a:prstGeom>
+          <a:noFill/>
+          <a:extLst>
+            <a:ext uri="{909E8E84-426E-40DD-AFC4-6F175D3DCCD1}">
+              <a14:hiddenFill xmlns:a14="http://schemas.microsoft.com/office/drawing/2010/main">
+                <a:solidFill>
+                  <a:srgbClr val="FFFFFF"/>
+                </a:solidFill>
+              </a14:hiddenFill>
+            </a:ext>
+          </a:extLst>
+        </p:spPr>
+      </p:pic>
+      <p:sp>
+        <p:nvSpPr>
+          <p:cNvPr id="3" name="Oval 2">
+            <a:extLst>
+              <a:ext uri="{FF2B5EF4-FFF2-40B4-BE49-F238E27FC236}">
+                <a16:creationId xmlns:a16="http://schemas.microsoft.com/office/drawing/2014/main" id="{2FA40E10-11D6-48B8-BD7D-B56224FC2C1A}"/>
+              </a:ext>
+            </a:extLst>
+          </p:cNvPr>
+          <p:cNvSpPr/>
+          <p:nvPr/>
+        </p:nvSpPr>
+        <p:spPr>
+          <a:xfrm rot="18283636">
+            <a:off x="6156876" y="1834194"/>
+            <a:ext cx="2386843" cy="4443786"/>
+          </a:xfrm>
+          <a:prstGeom prst="ellipse">
+            <a:avLst/>
+          </a:prstGeom>
+          <a:noFill/>
+        </p:spPr>
+        <p:style>
+          <a:lnRef idx="2">
+            <a:schemeClr val="accent3"/>
+          </a:lnRef>
+          <a:fillRef idx="1">
+            <a:schemeClr val="lt1"/>
+          </a:fillRef>
+          <a:effectRef idx="0">
+            <a:schemeClr val="accent3"/>
+          </a:effectRef>
+          <a:fontRef idx="minor">
+            <a:schemeClr val="dk1"/>
+          </a:fontRef>
+        </p:style>
+        <p:txBody>
+          <a:bodyPr rtlCol="0" anchor="ctr"/>
+          <a:lstStyle/>
+          <a:p>
+            <a:pPr algn="ctr"/>
+            <a:endParaRPr lang="th-TH"/>
+          </a:p>
+        </p:txBody>
+      </p:sp>
+      <p:sp>
+        <p:nvSpPr>
+          <p:cNvPr id="4" name="Speech Bubble: Rectangle 3">
+            <a:extLst>
+              <a:ext uri="{FF2B5EF4-FFF2-40B4-BE49-F238E27FC236}">
+                <a16:creationId xmlns:a16="http://schemas.microsoft.com/office/drawing/2014/main" id="{19FA49A9-E341-4018-8A3F-95D8A3238EA2}"/>
+              </a:ext>
+            </a:extLst>
+          </p:cNvPr>
+          <p:cNvSpPr/>
+          <p:nvPr/>
+        </p:nvSpPr>
+        <p:spPr>
+          <a:xfrm>
+            <a:off x="9266726" y="2887579"/>
+            <a:ext cx="1500388" cy="693019"/>
+          </a:xfrm>
+          <a:prstGeom prst="wedgeRectCallout">
+            <a:avLst>
+              <a:gd name="adj1" fmla="val -63815"/>
+              <a:gd name="adj2" fmla="val 83333"/>
+            </a:avLst>
+          </a:prstGeom>
+        </p:spPr>
+        <p:style>
+          <a:lnRef idx="2">
+            <a:schemeClr val="accent3"/>
+          </a:lnRef>
+          <a:fillRef idx="1">
+            <a:schemeClr val="lt1"/>
+          </a:fillRef>
+          <a:effectRef idx="0">
+            <a:schemeClr val="accent3"/>
+          </a:effectRef>
+          <a:fontRef idx="minor">
+            <a:schemeClr val="dk1"/>
+          </a:fontRef>
+        </p:style>
+        <p:txBody>
+          <a:bodyPr rtlCol="0" anchor="ctr"/>
+          <a:lstStyle/>
+          <a:p>
+            <a:pPr algn="ctr"/>
+            <a:r>
+              <a:rPr lang="en-US" dirty="0">
                 <a:solidFill>
                   <a:srgbClr val="111111"/>
                 </a:solidFill>
                 <a:latin typeface="Open Sans"/>
               </a:rPr>
-              <a:t>Limitations</a:t>
-            </a:r>
-          </a:p>
-          <a:p>
-            <a:pPr algn="thaiDist">
-              <a:lnSpc>
-                <a:spcPct val="150000"/>
-              </a:lnSpc>
-              <a:spcBef>
-                <a:spcPts val="600"/>
-              </a:spcBef>
-              <a:spcAft>
-                <a:spcPts val="1200"/>
-              </a:spcAft>
-            </a:pPr>
-            <a:r>
-              <a:rPr lang="en-US" b="1" dirty="0">
+              <a:t>frequent </a:t>
+            </a:r>
+            <a:r>
+              <a:rPr lang="en-US" dirty="0" err="1">
+                <a:solidFill>
+                  <a:srgbClr val="111111"/>
+                </a:solidFill>
                 <a:latin typeface="Open Sans"/>
               </a:rPr>
-              <a:t>1. Spurious(Fake) Associations. </a:t>
-            </a:r>
-            <a:r>
-              <a:rPr lang="en-US" dirty="0">
-                <a:latin typeface="Open Sans"/>
-              </a:rPr>
-              <a:t>the support threshold might have to be lowered to detect certain associations. However, lowering the support threshold might also increase the number of spurious associations. </a:t>
-            </a:r>
-            <a:endParaRPr lang="th-TH" dirty="0">
-              <a:latin typeface="Open Sans"/>
-            </a:endParaRPr>
+              <a:t>itemsets</a:t>
+            </a:r>
+            <a:endParaRPr lang="th-TH" dirty="0"/>
           </a:p>
         </p:txBody>
       </p:sp>
     </p:spTree>
     <p:extLst>
       <p:ext uri="{BB962C8B-B14F-4D97-AF65-F5344CB8AC3E}">
-        <p14:creationId xmlns:p14="http://schemas.microsoft.com/office/powerpoint/2010/main" val="1493023592"/>
+        <p14:creationId xmlns:p14="http://schemas.microsoft.com/office/powerpoint/2010/main" val="2661068576"/>
       </p:ext>
     </p:extLst>
   </p:cSld>
@@ -14620,6 +14823,184 @@
               <a:rPr lang="en-US" b="1" dirty="0">
                 <a:latin typeface="Open Sans"/>
               </a:rPr>
+              <a:t>1. Spurious(Fake) Associations. </a:t>
+            </a:r>
+            <a:r>
+              <a:rPr lang="en-US" dirty="0">
+                <a:latin typeface="Open Sans"/>
+              </a:rPr>
+              <a:t>the support threshold might have to be lowered to detect certain associations. However, lowering the support threshold might also increase the number of spurious associations. </a:t>
+            </a:r>
+            <a:endParaRPr lang="th-TH" dirty="0">
+              <a:latin typeface="Open Sans"/>
+            </a:endParaRPr>
+          </a:p>
+        </p:txBody>
+      </p:sp>
+    </p:spTree>
+    <p:extLst>
+      <p:ext uri="{BB962C8B-B14F-4D97-AF65-F5344CB8AC3E}">
+        <p14:creationId xmlns:p14="http://schemas.microsoft.com/office/powerpoint/2010/main" val="1493023592"/>
+      </p:ext>
+    </p:extLst>
+  </p:cSld>
+  <p:clrMapOvr>
+    <a:masterClrMapping/>
+  </p:clrMapOvr>
+</p:sld>
+</file>
+
+<file path=ppt/slides/slide12.xml><?xml version="1.0" encoding="utf-8"?>
+<p:sld xmlns:a="http://schemas.openxmlformats.org/drawingml/2006/main" xmlns:r="http://schemas.openxmlformats.org/officeDocument/2006/relationships" xmlns:p="http://schemas.openxmlformats.org/presentationml/2006/main">
+  <p:cSld>
+    <p:spTree>
+      <p:nvGrpSpPr>
+        <p:cNvPr id="1" name=""/>
+        <p:cNvGrpSpPr/>
+        <p:nvPr/>
+      </p:nvGrpSpPr>
+      <p:grpSpPr>
+        <a:xfrm>
+          <a:off x="0" y="0"/>
+          <a:ext cx="0" cy="0"/>
+          <a:chOff x="0" y="0"/>
+          <a:chExt cx="0" cy="0"/>
+        </a:xfrm>
+      </p:grpSpPr>
+      <p:sp>
+        <p:nvSpPr>
+          <p:cNvPr id="2" name="Title 1">
+            <a:extLst>
+              <a:ext uri="{FF2B5EF4-FFF2-40B4-BE49-F238E27FC236}">
+                <a16:creationId xmlns:a16="http://schemas.microsoft.com/office/drawing/2014/main" id="{08069A03-1512-4369-9FE2-D698F3178988}"/>
+              </a:ext>
+            </a:extLst>
+          </p:cNvPr>
+          <p:cNvSpPr>
+            <a:spLocks noGrp="1"/>
+          </p:cNvSpPr>
+          <p:nvPr>
+            <p:ph type="title"/>
+          </p:nvPr>
+        </p:nvSpPr>
+        <p:spPr/>
+        <p:txBody>
+          <a:bodyPr/>
+          <a:lstStyle/>
+          <a:p>
+            <a:r>
+              <a:rPr lang="en-US" dirty="0">
+                <a:solidFill>
+                  <a:schemeClr val="tx1"/>
+                </a:solidFill>
+              </a:rPr>
+              <a:t>Association rules mining</a:t>
+            </a:r>
+            <a:endParaRPr lang="th-TH" dirty="0">
+              <a:solidFill>
+                <a:schemeClr val="tx1"/>
+              </a:solidFill>
+            </a:endParaRPr>
+          </a:p>
+        </p:txBody>
+      </p:sp>
+      <p:sp>
+        <p:nvSpPr>
+          <p:cNvPr id="5" name="TextBox 4">
+            <a:extLst>
+              <a:ext uri="{FF2B5EF4-FFF2-40B4-BE49-F238E27FC236}">
+                <a16:creationId xmlns:a16="http://schemas.microsoft.com/office/drawing/2014/main" id="{AB89E2D2-4159-4D0B-B77D-C5B9DFEC4F19}"/>
+              </a:ext>
+            </a:extLst>
+          </p:cNvPr>
+          <p:cNvSpPr txBox="1"/>
+          <p:nvPr/>
+        </p:nvSpPr>
+        <p:spPr>
+          <a:xfrm>
+            <a:off x="1424885" y="1977503"/>
+            <a:ext cx="9342229" cy="2596865"/>
+          </a:xfrm>
+          <a:prstGeom prst="rect">
+            <a:avLst/>
+          </a:prstGeom>
+          <a:noFill/>
+        </p:spPr>
+        <p:txBody>
+          <a:bodyPr wrap="square" rtlCol="0">
+            <a:spAutoFit/>
+          </a:bodyPr>
+          <a:lstStyle/>
+          <a:p>
+            <a:pPr algn="thaiDist">
+              <a:lnSpc>
+                <a:spcPct val="150000"/>
+              </a:lnSpc>
+              <a:spcBef>
+                <a:spcPts val="600"/>
+              </a:spcBef>
+              <a:spcAft>
+                <a:spcPts val="1200"/>
+              </a:spcAft>
+            </a:pPr>
+            <a:r>
+              <a:rPr lang="en-US" b="0" i="0" dirty="0">
+                <a:solidFill>
+                  <a:srgbClr val="111111"/>
+                </a:solidFill>
+                <a:effectLst/>
+                <a:latin typeface="Open Sans"/>
+              </a:rPr>
+              <a:t>	</a:t>
+            </a:r>
+            <a:r>
+              <a:rPr lang="en-US" dirty="0">
+                <a:solidFill>
+                  <a:srgbClr val="111111"/>
+                </a:solidFill>
+                <a:latin typeface="Open Sans"/>
+              </a:rPr>
+              <a:t>APRIORI (Agrawal and Srikant, 1994) </a:t>
+            </a:r>
+          </a:p>
+          <a:p>
+            <a:pPr algn="thaiDist">
+              <a:lnSpc>
+                <a:spcPct val="150000"/>
+              </a:lnSpc>
+              <a:spcBef>
+                <a:spcPts val="600"/>
+              </a:spcBef>
+              <a:spcAft>
+                <a:spcPts val="1200"/>
+              </a:spcAft>
+            </a:pPr>
+            <a:r>
+              <a:rPr lang="en-US" b="1" dirty="0">
+                <a:solidFill>
+                  <a:srgbClr val="111111"/>
+                </a:solidFill>
+                <a:latin typeface="Open Sans"/>
+              </a:rPr>
+              <a:t>Limitations</a:t>
+            </a:r>
+          </a:p>
+          <a:p>
+            <a:pPr algn="thaiDist">
+              <a:lnSpc>
+                <a:spcPct val="150000"/>
+              </a:lnSpc>
+              <a:spcBef>
+                <a:spcPts val="600"/>
+              </a:spcBef>
+              <a:spcAft>
+                <a:spcPts val="1200"/>
+              </a:spcAft>
+            </a:pPr>
+            <a:r>
+              <a:rPr lang="en-US" b="1" dirty="0">
+                <a:latin typeface="Open Sans"/>
+              </a:rPr>
               <a:t>2. Computationally Expensive. </a:t>
             </a:r>
             <a:r>
@@ -14662,7 +15043,7 @@
 </p:sld>
 </file>
 
-<file path=ppt/slides/slide12.xml><?xml version="1.0" encoding="utf-8"?>
+<file path=ppt/slides/slide13.xml><?xml version="1.0" encoding="utf-8"?>
 <p:sld xmlns:a="http://schemas.openxmlformats.org/drawingml/2006/main" xmlns:r="http://schemas.openxmlformats.org/officeDocument/2006/relationships" xmlns:p="http://schemas.openxmlformats.org/presentationml/2006/main">
   <p:cSld>
     <p:spTree>
@@ -14889,7 +15270,17 @@
                 <a:effectLst/>
                 <a:latin typeface="Open Sans"/>
               </a:rPr>
-              <a:t>frequent item-sets</a:t>
+              <a:t>frequent </a:t>
+            </a:r>
+            <a:r>
+              <a:rPr lang="en-US" b="1" i="0" u="sng" dirty="0" err="1">
+                <a:solidFill>
+                  <a:srgbClr val="111111"/>
+                </a:solidFill>
+                <a:effectLst/>
+                <a:latin typeface="Open Sans"/>
+              </a:rPr>
+              <a:t>itemsets</a:t>
             </a:r>
             <a:r>
               <a:rPr lang="en-US" b="0" i="0" dirty="0">
@@ -15011,7 +15402,7 @@
 </p:sld>
 </file>
 
-<file path=ppt/slides/slide13.xml><?xml version="1.0" encoding="utf-8"?>
+<file path=ppt/slides/slide14.xml><?xml version="1.0" encoding="utf-8"?>
 <p:sld xmlns:a="http://schemas.openxmlformats.org/drawingml/2006/main" xmlns:r="http://schemas.openxmlformats.org/officeDocument/2006/relationships" xmlns:p="http://schemas.openxmlformats.org/presentationml/2006/main">
   <p:cSld>
     <p:spTree>
@@ -16435,7 +16826,7 @@
 </p:sld>
 </file>
 
-<file path=ppt/slides/slide14.xml><?xml version="1.0" encoding="utf-8"?>
+<file path=ppt/slides/slide15.xml><?xml version="1.0" encoding="utf-8"?>
 <p:sld xmlns:a="http://schemas.openxmlformats.org/drawingml/2006/main" xmlns:r="http://schemas.openxmlformats.org/officeDocument/2006/relationships" xmlns:p="http://schemas.openxmlformats.org/presentationml/2006/main">
   <p:cSld>
     <p:spTree>
@@ -16604,7 +16995,7 @@
 </p:sld>
 </file>
 
-<file path=ppt/slides/slide15.xml><?xml version="1.0" encoding="utf-8"?>
+<file path=ppt/slides/slide16.xml><?xml version="1.0" encoding="utf-8"?>
 <p:sld xmlns:a="http://schemas.openxmlformats.org/drawingml/2006/main" xmlns:r="http://schemas.openxmlformats.org/officeDocument/2006/relationships" xmlns:p="http://schemas.openxmlformats.org/presentationml/2006/main">
   <p:cSld>
     <p:spTree>
@@ -18175,7 +18566,7 @@
 </p:sld>
 </file>
 
-<file path=ppt/slides/slide16.xml><?xml version="1.0" encoding="utf-8"?>
+<file path=ppt/slides/slide17.xml><?xml version="1.0" encoding="utf-8"?>
 <p:sld xmlns:a="http://schemas.openxmlformats.org/drawingml/2006/main" xmlns:r="http://schemas.openxmlformats.org/officeDocument/2006/relationships" xmlns:p="http://schemas.openxmlformats.org/presentationml/2006/main">
   <p:cSld>
     <p:spTree>
@@ -23760,7 +24151,7 @@
 </p:sld>
 </file>
 
-<file path=ppt/slides/slide17.xml><?xml version="1.0" encoding="utf-8"?>
+<file path=ppt/slides/slide18.xml><?xml version="1.0" encoding="utf-8"?>
 <p:sld xmlns:a="http://schemas.openxmlformats.org/drawingml/2006/main" xmlns:r="http://schemas.openxmlformats.org/officeDocument/2006/relationships" xmlns:p="http://schemas.openxmlformats.org/presentationml/2006/main">
   <p:cSld>
     <p:spTree>
@@ -23899,7 +24290,7 @@
 </p:sld>
 </file>
 
-<file path=ppt/slides/slide18.xml><?xml version="1.0" encoding="utf-8"?>
+<file path=ppt/slides/slide19.xml><?xml version="1.0" encoding="utf-8"?>
 <p:sld xmlns:a="http://schemas.openxmlformats.org/drawingml/2006/main" xmlns:r="http://schemas.openxmlformats.org/officeDocument/2006/relationships" xmlns:p="http://schemas.openxmlformats.org/presentationml/2006/main">
   <p:cSld>
     <p:spTree>
@@ -24120,145 +24511,6 @@
     <p:extLst>
       <p:ext uri="{BB962C8B-B14F-4D97-AF65-F5344CB8AC3E}">
         <p14:creationId xmlns:p14="http://schemas.microsoft.com/office/powerpoint/2010/main" val="1832073123"/>
-      </p:ext>
-    </p:extLst>
-  </p:cSld>
-  <p:clrMapOvr>
-    <a:masterClrMapping/>
-  </p:clrMapOvr>
-</p:sld>
-</file>
-
-<file path=ppt/slides/slide19.xml><?xml version="1.0" encoding="utf-8"?>
-<p:sld xmlns:a="http://schemas.openxmlformats.org/drawingml/2006/main" xmlns:r="http://schemas.openxmlformats.org/officeDocument/2006/relationships" xmlns:p="http://schemas.openxmlformats.org/presentationml/2006/main">
-  <p:cSld>
-    <p:spTree>
-      <p:nvGrpSpPr>
-        <p:cNvPr id="1" name=""/>
-        <p:cNvGrpSpPr/>
-        <p:nvPr/>
-      </p:nvGrpSpPr>
-      <p:grpSpPr>
-        <a:xfrm>
-          <a:off x="0" y="0"/>
-          <a:ext cx="0" cy="0"/>
-          <a:chOff x="0" y="0"/>
-          <a:chExt cx="0" cy="0"/>
-        </a:xfrm>
-      </p:grpSpPr>
-      <p:sp>
-        <p:nvSpPr>
-          <p:cNvPr id="2" name="Title 1">
-            <a:extLst>
-              <a:ext uri="{FF2B5EF4-FFF2-40B4-BE49-F238E27FC236}">
-                <a16:creationId xmlns:a16="http://schemas.microsoft.com/office/drawing/2014/main" id="{08069A03-1512-4369-9FE2-D698F3178988}"/>
-              </a:ext>
-            </a:extLst>
-          </p:cNvPr>
-          <p:cNvSpPr>
-            <a:spLocks noGrp="1"/>
-          </p:cNvSpPr>
-          <p:nvPr>
-            <p:ph type="title"/>
-          </p:nvPr>
-        </p:nvSpPr>
-        <p:spPr/>
-        <p:txBody>
-          <a:bodyPr/>
-          <a:lstStyle/>
-          <a:p>
-            <a:r>
-              <a:rPr lang="en-US" dirty="0"/>
-              <a:t>scope of the study</a:t>
-            </a:r>
-            <a:endParaRPr lang="th-TH" dirty="0">
-              <a:solidFill>
-                <a:schemeClr val="tx1"/>
-              </a:solidFill>
-            </a:endParaRPr>
-          </a:p>
-        </p:txBody>
-      </p:sp>
-      <p:sp>
-        <p:nvSpPr>
-          <p:cNvPr id="6" name="TextBox 5">
-            <a:extLst>
-              <a:ext uri="{FF2B5EF4-FFF2-40B4-BE49-F238E27FC236}">
-                <a16:creationId xmlns:a16="http://schemas.microsoft.com/office/drawing/2014/main" id="{D6600F39-D50B-40E0-B05C-4BA417758BE0}"/>
-              </a:ext>
-            </a:extLst>
-          </p:cNvPr>
-          <p:cNvSpPr txBox="1"/>
-          <p:nvPr/>
-        </p:nvSpPr>
-        <p:spPr>
-          <a:xfrm>
-            <a:off x="813516" y="2135142"/>
-            <a:ext cx="10564968" cy="2308324"/>
-          </a:xfrm>
-          <a:prstGeom prst="rect">
-            <a:avLst/>
-          </a:prstGeom>
-          <a:noFill/>
-        </p:spPr>
-        <p:txBody>
-          <a:bodyPr wrap="square" rtlCol="0">
-            <a:spAutoFit/>
-          </a:bodyPr>
-          <a:lstStyle/>
-          <a:p>
-            <a:pPr algn="thaiDist"/>
-            <a:r>
-              <a:rPr lang="en-US" b="1" u="sng" dirty="0"/>
-              <a:t>Protocol Model</a:t>
-            </a:r>
-          </a:p>
-          <a:p>
-            <a:pPr marL="342900" indent="-342900" algn="thaiDist">
-              <a:buFont typeface="+mj-lt"/>
-              <a:buAutoNum type="arabicPeriod"/>
-            </a:pPr>
-            <a:r>
-              <a:rPr lang="en-US" dirty="0"/>
-              <a:t>The protocol model is based on Time Division Multiple Access (TDMA) mechanism.</a:t>
-            </a:r>
-          </a:p>
-          <a:p>
-            <a:pPr marL="342900" indent="-342900" algn="thaiDist">
-              <a:buFont typeface="+mj-lt"/>
-              <a:buAutoNum type="arabicPeriod"/>
-            </a:pPr>
-            <a:r>
-              <a:rPr lang="en-US" dirty="0"/>
-              <a:t>All nodes in the network are assigned timeslot and channel (radio frequency) to communicate. These timeslot and channel are collision-free with the neighboring node.</a:t>
-            </a:r>
-          </a:p>
-          <a:p>
-            <a:pPr marL="342900" indent="-342900" algn="thaiDist">
-              <a:buFont typeface="+mj-lt"/>
-              <a:buAutoNum type="arabicPeriod"/>
-            </a:pPr>
-            <a:r>
-              <a:rPr lang="en-US" dirty="0"/>
-              <a:t>In the data transmission period, the child node transmits the data packet to its parent node based on the timeslot and channel.</a:t>
-            </a:r>
-          </a:p>
-          <a:p>
-            <a:pPr marL="342900" indent="-342900" algn="thaiDist">
-              <a:buFont typeface="+mj-lt"/>
-              <a:buAutoNum type="arabicPeriod"/>
-            </a:pPr>
-            <a:r>
-              <a:rPr lang="en-US" dirty="0"/>
-              <a:t>After receiving the data packet from all child nodes, the parent node combines all child nodes’ data with its own data and then transmits that to its parent node.</a:t>
-            </a:r>
-          </a:p>
-        </p:txBody>
-      </p:sp>
-    </p:spTree>
-    <p:extLst>
-      <p:ext uri="{BB962C8B-B14F-4D97-AF65-F5344CB8AC3E}">
-        <p14:creationId xmlns:p14="http://schemas.microsoft.com/office/powerpoint/2010/main" val="3600309590"/>
       </p:ext>
     </p:extLst>
   </p:cSld>
@@ -24655,6 +24907,145 @@
           <a:p>
             <a:r>
               <a:rPr lang="en-US" dirty="0"/>
+              <a:t>scope of the study</a:t>
+            </a:r>
+            <a:endParaRPr lang="th-TH" dirty="0">
+              <a:solidFill>
+                <a:schemeClr val="tx1"/>
+              </a:solidFill>
+            </a:endParaRPr>
+          </a:p>
+        </p:txBody>
+      </p:sp>
+      <p:sp>
+        <p:nvSpPr>
+          <p:cNvPr id="6" name="TextBox 5">
+            <a:extLst>
+              <a:ext uri="{FF2B5EF4-FFF2-40B4-BE49-F238E27FC236}">
+                <a16:creationId xmlns:a16="http://schemas.microsoft.com/office/drawing/2014/main" id="{D6600F39-D50B-40E0-B05C-4BA417758BE0}"/>
+              </a:ext>
+            </a:extLst>
+          </p:cNvPr>
+          <p:cNvSpPr txBox="1"/>
+          <p:nvPr/>
+        </p:nvSpPr>
+        <p:spPr>
+          <a:xfrm>
+            <a:off x="813516" y="2135142"/>
+            <a:ext cx="10564968" cy="2308324"/>
+          </a:xfrm>
+          <a:prstGeom prst="rect">
+            <a:avLst/>
+          </a:prstGeom>
+          <a:noFill/>
+        </p:spPr>
+        <p:txBody>
+          <a:bodyPr wrap="square" rtlCol="0">
+            <a:spAutoFit/>
+          </a:bodyPr>
+          <a:lstStyle/>
+          <a:p>
+            <a:pPr algn="thaiDist"/>
+            <a:r>
+              <a:rPr lang="en-US" b="1" u="sng" dirty="0"/>
+              <a:t>Protocol Model</a:t>
+            </a:r>
+          </a:p>
+          <a:p>
+            <a:pPr marL="342900" indent="-342900" algn="thaiDist">
+              <a:buFont typeface="+mj-lt"/>
+              <a:buAutoNum type="arabicPeriod"/>
+            </a:pPr>
+            <a:r>
+              <a:rPr lang="en-US" dirty="0"/>
+              <a:t>The protocol model is based on Time Division Multiple Access (TDMA) mechanism.</a:t>
+            </a:r>
+          </a:p>
+          <a:p>
+            <a:pPr marL="342900" indent="-342900" algn="thaiDist">
+              <a:buFont typeface="+mj-lt"/>
+              <a:buAutoNum type="arabicPeriod"/>
+            </a:pPr>
+            <a:r>
+              <a:rPr lang="en-US" dirty="0"/>
+              <a:t>All nodes in the network are assigned timeslot and channel (radio frequency) to communicate. These timeslot and channel are collision-free with the neighboring node.</a:t>
+            </a:r>
+          </a:p>
+          <a:p>
+            <a:pPr marL="342900" indent="-342900" algn="thaiDist">
+              <a:buFont typeface="+mj-lt"/>
+              <a:buAutoNum type="arabicPeriod"/>
+            </a:pPr>
+            <a:r>
+              <a:rPr lang="en-US" dirty="0"/>
+              <a:t>In the data transmission period, the child node transmits the data packet to its parent node based on the timeslot and channel.</a:t>
+            </a:r>
+          </a:p>
+          <a:p>
+            <a:pPr marL="342900" indent="-342900" algn="thaiDist">
+              <a:buFont typeface="+mj-lt"/>
+              <a:buAutoNum type="arabicPeriod"/>
+            </a:pPr>
+            <a:r>
+              <a:rPr lang="en-US" dirty="0"/>
+              <a:t>After receiving the data packet from all child nodes, the parent node combines all child nodes’ data with its own data and then transmits that to its parent node.</a:t>
+            </a:r>
+          </a:p>
+        </p:txBody>
+      </p:sp>
+    </p:spTree>
+    <p:extLst>
+      <p:ext uri="{BB962C8B-B14F-4D97-AF65-F5344CB8AC3E}">
+        <p14:creationId xmlns:p14="http://schemas.microsoft.com/office/powerpoint/2010/main" val="3600309590"/>
+      </p:ext>
+    </p:extLst>
+  </p:cSld>
+  <p:clrMapOvr>
+    <a:masterClrMapping/>
+  </p:clrMapOvr>
+</p:sld>
+</file>
+
+<file path=ppt/slides/slide21.xml><?xml version="1.0" encoding="utf-8"?>
+<p:sld xmlns:a="http://schemas.openxmlformats.org/drawingml/2006/main" xmlns:r="http://schemas.openxmlformats.org/officeDocument/2006/relationships" xmlns:p="http://schemas.openxmlformats.org/presentationml/2006/main">
+  <p:cSld>
+    <p:spTree>
+      <p:nvGrpSpPr>
+        <p:cNvPr id="1" name=""/>
+        <p:cNvGrpSpPr/>
+        <p:nvPr/>
+      </p:nvGrpSpPr>
+      <p:grpSpPr>
+        <a:xfrm>
+          <a:off x="0" y="0"/>
+          <a:ext cx="0" cy="0"/>
+          <a:chOff x="0" y="0"/>
+          <a:chExt cx="0" cy="0"/>
+        </a:xfrm>
+      </p:grpSpPr>
+      <p:sp>
+        <p:nvSpPr>
+          <p:cNvPr id="2" name="Title 1">
+            <a:extLst>
+              <a:ext uri="{FF2B5EF4-FFF2-40B4-BE49-F238E27FC236}">
+                <a16:creationId xmlns:a16="http://schemas.microsoft.com/office/drawing/2014/main" id="{08069A03-1512-4369-9FE2-D698F3178988}"/>
+              </a:ext>
+            </a:extLst>
+          </p:cNvPr>
+          <p:cNvSpPr>
+            <a:spLocks noGrp="1"/>
+          </p:cNvSpPr>
+          <p:nvPr>
+            <p:ph type="title"/>
+          </p:nvPr>
+        </p:nvSpPr>
+        <p:spPr/>
+        <p:txBody>
+          <a:bodyPr/>
+          <a:lstStyle/>
+          <a:p>
+            <a:r>
+              <a:rPr lang="en-US" dirty="0"/>
               <a:t>Research methodology</a:t>
             </a:r>
             <a:endParaRPr lang="th-TH" dirty="0">
@@ -24777,7 +25168,7 @@
 </p:sld>
 </file>
 
-<file path=ppt/slides/slide21.xml><?xml version="1.0" encoding="utf-8"?>
+<file path=ppt/slides/slide22.xml><?xml version="1.0" encoding="utf-8"?>
 <p:sld xmlns:a="http://schemas.openxmlformats.org/drawingml/2006/main" xmlns:r="http://schemas.openxmlformats.org/officeDocument/2006/relationships" xmlns:p="http://schemas.openxmlformats.org/presentationml/2006/main">
   <p:cSld>
     <p:spTree>
@@ -25160,7 +25551,7 @@
 </p:sld>
 </file>
 
-<file path=ppt/slides/slide22.xml><?xml version="1.0" encoding="utf-8"?>
+<file path=ppt/slides/slide23.xml><?xml version="1.0" encoding="utf-8"?>
 <p:sld xmlns:a="http://schemas.openxmlformats.org/drawingml/2006/main" xmlns:r="http://schemas.openxmlformats.org/officeDocument/2006/relationships" xmlns:p="http://schemas.openxmlformats.org/presentationml/2006/main">
   <p:cSld>
     <p:spTree>
@@ -25557,7 +25948,7 @@
 </p:sld>
 </file>
 
-<file path=ppt/slides/slide23.xml><?xml version="1.0" encoding="utf-8"?>
+<file path=ppt/slides/slide24.xml><?xml version="1.0" encoding="utf-8"?>
 <p:sld xmlns:a="http://schemas.openxmlformats.org/drawingml/2006/main" xmlns:r="http://schemas.openxmlformats.org/officeDocument/2006/relationships" xmlns:p="http://schemas.openxmlformats.org/presentationml/2006/main">
   <p:cSld>
     <p:spTree>
@@ -25912,7 +26303,7 @@
 </p:sld>
 </file>
 
-<file path=ppt/slides/slide24.xml><?xml version="1.0" encoding="utf-8"?>
+<file path=ppt/slides/slide25.xml><?xml version="1.0" encoding="utf-8"?>
 <p:sld xmlns:a="http://schemas.openxmlformats.org/drawingml/2006/main" xmlns:r="http://schemas.openxmlformats.org/officeDocument/2006/relationships" xmlns:p="http://schemas.openxmlformats.org/presentationml/2006/main">
   <p:cSld>
     <p:spTree>
@@ -26209,7 +26600,7 @@
 </p:sld>
 </file>
 
-<file path=ppt/slides/slide25.xml><?xml version="1.0" encoding="utf-8"?>
+<file path=ppt/slides/slide26.xml><?xml version="1.0" encoding="utf-8"?>
 <p:sld xmlns:a="http://schemas.openxmlformats.org/drawingml/2006/main" xmlns:r="http://schemas.openxmlformats.org/officeDocument/2006/relationships" xmlns:p="http://schemas.openxmlformats.org/presentationml/2006/main">
   <p:cSld>
     <p:spTree>
@@ -26612,7 +27003,7 @@
 </p:sld>
 </file>
 
-<file path=ppt/slides/slide26.xml><?xml version="1.0" encoding="utf-8"?>
+<file path=ppt/slides/slide27.xml><?xml version="1.0" encoding="utf-8"?>
 <p:sld xmlns:a="http://schemas.openxmlformats.org/drawingml/2006/main" xmlns:r="http://schemas.openxmlformats.org/officeDocument/2006/relationships" xmlns:p="http://schemas.openxmlformats.org/presentationml/2006/main">
   <p:cSld>
     <p:spTree>
@@ -26969,7 +27360,7 @@
 </p:sld>
 </file>
 
-<file path=ppt/slides/slide27.xml><?xml version="1.0" encoding="utf-8"?>
+<file path=ppt/slides/slide28.xml><?xml version="1.0" encoding="utf-8"?>
 <p:sld xmlns:a="http://schemas.openxmlformats.org/drawingml/2006/main" xmlns:r="http://schemas.openxmlformats.org/officeDocument/2006/relationships" xmlns:p="http://schemas.openxmlformats.org/presentationml/2006/main">
   <p:cSld>
     <p:spTree>
@@ -27436,7 +27827,7 @@
 </p:sld>
 </file>
 
-<file path=ppt/slides/slide28.xml><?xml version="1.0" encoding="utf-8"?>
+<file path=ppt/slides/slide29.xml><?xml version="1.0" encoding="utf-8"?>
 <p:sld xmlns:a="http://schemas.openxmlformats.org/drawingml/2006/main" xmlns:r="http://schemas.openxmlformats.org/officeDocument/2006/relationships" xmlns:p="http://schemas.openxmlformats.org/presentationml/2006/main">
   <p:cSld>
     <p:spTree>
@@ -27819,458 +28210,6 @@
     <p:extLst>
       <p:ext uri="{BB962C8B-B14F-4D97-AF65-F5344CB8AC3E}">
         <p14:creationId xmlns:p14="http://schemas.microsoft.com/office/powerpoint/2010/main" val="791361661"/>
-      </p:ext>
-    </p:extLst>
-  </p:cSld>
-  <p:clrMapOvr>
-    <a:masterClrMapping/>
-  </p:clrMapOvr>
-</p:sld>
-</file>
-
-<file path=ppt/slides/slide29.xml><?xml version="1.0" encoding="utf-8"?>
-<p:sld xmlns:a="http://schemas.openxmlformats.org/drawingml/2006/main" xmlns:r="http://schemas.openxmlformats.org/officeDocument/2006/relationships" xmlns:p="http://schemas.openxmlformats.org/presentationml/2006/main">
-  <p:cSld>
-    <p:spTree>
-      <p:nvGrpSpPr>
-        <p:cNvPr id="1" name=""/>
-        <p:cNvGrpSpPr/>
-        <p:nvPr/>
-      </p:nvGrpSpPr>
-      <p:grpSpPr>
-        <a:xfrm>
-          <a:off x="0" y="0"/>
-          <a:ext cx="0" cy="0"/>
-          <a:chOff x="0" y="0"/>
-          <a:chExt cx="0" cy="0"/>
-        </a:xfrm>
-      </p:grpSpPr>
-      <p:grpSp>
-        <p:nvGrpSpPr>
-          <p:cNvPr id="9" name="Group 8">
-            <a:extLst>
-              <a:ext uri="{FF2B5EF4-FFF2-40B4-BE49-F238E27FC236}">
-                <a16:creationId xmlns:a16="http://schemas.microsoft.com/office/drawing/2014/main" id="{422C15F3-A34B-406B-ABE8-A8DB74850650}"/>
-              </a:ext>
-            </a:extLst>
-          </p:cNvPr>
-          <p:cNvGrpSpPr/>
-          <p:nvPr/>
-        </p:nvGrpSpPr>
-        <p:grpSpPr>
-          <a:xfrm>
-            <a:off x="9238488" y="3943350"/>
-            <a:ext cx="2953512" cy="2914650"/>
-            <a:chOff x="7486650" y="3308919"/>
-            <a:chExt cx="3596402" cy="3549081"/>
-          </a:xfrm>
-        </p:grpSpPr>
-        <p:pic>
-          <p:nvPicPr>
-            <p:cNvPr id="3" name="Picture 2">
-              <a:extLst>
-                <a:ext uri="{FF2B5EF4-FFF2-40B4-BE49-F238E27FC236}">
-                  <a16:creationId xmlns:a16="http://schemas.microsoft.com/office/drawing/2014/main" id="{4944C926-0C6D-4407-831C-E9B90C7F5E3A}"/>
-                </a:ext>
-              </a:extLst>
-            </p:cNvPr>
-            <p:cNvPicPr>
-              <a:picLocks noChangeAspect="1"/>
-            </p:cNvPicPr>
-            <p:nvPr/>
-          </p:nvPicPr>
-          <p:blipFill>
-            <a:blip r:embed="rId3"/>
-            <a:stretch>
-              <a:fillRect/>
-            </a:stretch>
-          </p:blipFill>
-          <p:spPr>
-            <a:xfrm>
-              <a:off x="7486650" y="3308919"/>
-              <a:ext cx="3596402" cy="3549081"/>
-            </a:xfrm>
-            <a:prstGeom prst="rect">
-              <a:avLst/>
-            </a:prstGeom>
-          </p:spPr>
-        </p:pic>
-        <p:sp>
-          <p:nvSpPr>
-            <p:cNvPr id="4" name="Rectangle 3">
-              <a:extLst>
-                <a:ext uri="{FF2B5EF4-FFF2-40B4-BE49-F238E27FC236}">
-                  <a16:creationId xmlns:a16="http://schemas.microsoft.com/office/drawing/2014/main" id="{63EDFEC2-895D-4BAD-9922-EA7323D13B7B}"/>
-                </a:ext>
-              </a:extLst>
-            </p:cNvPr>
-            <p:cNvSpPr/>
-            <p:nvPr/>
-          </p:nvSpPr>
-          <p:spPr>
-            <a:xfrm>
-              <a:off x="7715250" y="3883911"/>
-              <a:ext cx="866775" cy="295275"/>
-            </a:xfrm>
-            <a:prstGeom prst="rect">
-              <a:avLst/>
-            </a:prstGeom>
-          </p:spPr>
-          <p:style>
-            <a:lnRef idx="2">
-              <a:schemeClr val="accent3">
-                <a:shade val="50000"/>
-              </a:schemeClr>
-            </a:lnRef>
-            <a:fillRef idx="1">
-              <a:schemeClr val="accent3"/>
-            </a:fillRef>
-            <a:effectRef idx="0">
-              <a:schemeClr val="accent3"/>
-            </a:effectRef>
-            <a:fontRef idx="minor">
-              <a:schemeClr val="lt1"/>
-            </a:fontRef>
-          </p:style>
-          <p:txBody>
-            <a:bodyPr rtlCol="0" anchor="ctr"/>
-            <a:lstStyle/>
-            <a:p>
-              <a:pPr algn="ctr"/>
-              <a:r>
-                <a:rPr lang="en-US" sz="1400" dirty="0"/>
-                <a:t>JOIN</a:t>
-              </a:r>
-              <a:endParaRPr lang="th-TH" sz="1600" dirty="0"/>
-            </a:p>
-          </p:txBody>
-        </p:sp>
-        <p:cxnSp>
-          <p:nvCxnSpPr>
-            <p:cNvPr id="7" name="Straight Arrow Connector 6">
-              <a:extLst>
-                <a:ext uri="{FF2B5EF4-FFF2-40B4-BE49-F238E27FC236}">
-                  <a16:creationId xmlns:a16="http://schemas.microsoft.com/office/drawing/2014/main" id="{F70890EE-474A-439F-8DD4-DCBA11D02A34}"/>
-                </a:ext>
-              </a:extLst>
-            </p:cNvPr>
-            <p:cNvCxnSpPr>
-              <a:cxnSpLocks/>
-            </p:cNvCxnSpPr>
-            <p:nvPr/>
-          </p:nvCxnSpPr>
-          <p:spPr>
-            <a:xfrm flipH="1">
-              <a:off x="8148637" y="3838105"/>
-              <a:ext cx="878284" cy="665537"/>
-            </a:xfrm>
-            <a:prstGeom prst="straightConnector1">
-              <a:avLst/>
-            </a:prstGeom>
-            <a:ln w="28575">
-              <a:solidFill>
-                <a:schemeClr val="accent3"/>
-              </a:solidFill>
-              <a:headEnd type="triangle" w="med" len="med"/>
-              <a:tailEnd type="none" w="med" len="med"/>
-            </a:ln>
-          </p:spPr>
-          <p:style>
-            <a:lnRef idx="1">
-              <a:schemeClr val="accent5"/>
-            </a:lnRef>
-            <a:fillRef idx="0">
-              <a:schemeClr val="accent5"/>
-            </a:fillRef>
-            <a:effectRef idx="0">
-              <a:schemeClr val="accent5"/>
-            </a:effectRef>
-            <a:fontRef idx="minor">
-              <a:schemeClr val="tx1"/>
-            </a:fontRef>
-          </p:style>
-        </p:cxnSp>
-      </p:grpSp>
-      <p:sp>
-        <p:nvSpPr>
-          <p:cNvPr id="2" name="Title 1">
-            <a:extLst>
-              <a:ext uri="{FF2B5EF4-FFF2-40B4-BE49-F238E27FC236}">
-                <a16:creationId xmlns:a16="http://schemas.microsoft.com/office/drawing/2014/main" id="{08069A03-1512-4369-9FE2-D698F3178988}"/>
-              </a:ext>
-            </a:extLst>
-          </p:cNvPr>
-          <p:cNvSpPr>
-            <a:spLocks noGrp="1"/>
-          </p:cNvSpPr>
-          <p:nvPr>
-            <p:ph type="title"/>
-          </p:nvPr>
-        </p:nvSpPr>
-        <p:spPr/>
-        <p:txBody>
-          <a:bodyPr/>
-          <a:lstStyle/>
-          <a:p>
-            <a:r>
-              <a:rPr lang="en-US" dirty="0"/>
-              <a:t>Network Construction Period (NCP)</a:t>
-            </a:r>
-            <a:endParaRPr lang="th-TH" dirty="0">
-              <a:solidFill>
-                <a:schemeClr val="tx1"/>
-              </a:solidFill>
-            </a:endParaRPr>
-          </a:p>
-        </p:txBody>
-      </p:sp>
-      <p:sp>
-        <p:nvSpPr>
-          <p:cNvPr id="6" name="TextBox 5">
-            <a:extLst>
-              <a:ext uri="{FF2B5EF4-FFF2-40B4-BE49-F238E27FC236}">
-                <a16:creationId xmlns:a16="http://schemas.microsoft.com/office/drawing/2014/main" id="{D6600F39-D50B-40E0-B05C-4BA417758BE0}"/>
-              </a:ext>
-            </a:extLst>
-          </p:cNvPr>
-          <p:cNvSpPr txBox="1"/>
-          <p:nvPr/>
-        </p:nvSpPr>
-        <p:spPr>
-          <a:xfrm>
-            <a:off x="813516" y="2135142"/>
-            <a:ext cx="10564968" cy="1842043"/>
-          </a:xfrm>
-          <a:prstGeom prst="rect">
-            <a:avLst/>
-          </a:prstGeom>
-          <a:noFill/>
-        </p:spPr>
-        <p:txBody>
-          <a:bodyPr wrap="square" rtlCol="0">
-            <a:spAutoFit/>
-          </a:bodyPr>
-          <a:lstStyle/>
-          <a:p>
-            <a:pPr algn="thaiDist">
-              <a:lnSpc>
-                <a:spcPct val="150000"/>
-              </a:lnSpc>
-            </a:pPr>
-            <a:r>
-              <a:rPr lang="en-US" dirty="0"/>
-              <a:t>Then transmits a JOIN (D, S</a:t>
-            </a:r>
-            <a:r>
-              <a:rPr lang="en-US" baseline="-25000" dirty="0"/>
-              <a:t>ID</a:t>
-            </a:r>
-            <a:r>
-              <a:rPr lang="en-US" dirty="0"/>
-              <a:t>, R</a:t>
-            </a:r>
-            <a:r>
-              <a:rPr lang="en-US" baseline="-25000" dirty="0"/>
-              <a:t>ID</a:t>
-            </a:r>
-            <a:r>
-              <a:rPr lang="en-US" dirty="0"/>
-              <a:t>, U</a:t>
-            </a:r>
-            <a:r>
-              <a:rPr lang="en-US" baseline="-25000" dirty="0"/>
-              <a:t>C</a:t>
-            </a:r>
-            <a:r>
-              <a:rPr lang="en-US" dirty="0"/>
-              <a:t>) packet in the second timeslot (TS</a:t>
-            </a:r>
-            <a:r>
-              <a:rPr lang="en-US" baseline="-25000" dirty="0"/>
-              <a:t>2</a:t>
-            </a:r>
-            <a:r>
-              <a:rPr lang="en-US" dirty="0"/>
-              <a:t>) of the current cycle. </a:t>
-            </a:r>
-          </a:p>
-          <a:p>
-            <a:pPr marL="285750" indent="-285750" algn="thaiDist">
-              <a:lnSpc>
-                <a:spcPct val="150000"/>
-              </a:lnSpc>
-              <a:buFont typeface="Arial" panose="020B0604020202020204" pitchFamily="34" charset="0"/>
-              <a:buChar char="•"/>
-            </a:pPr>
-            <a:r>
-              <a:rPr lang="en-US" sz="1400" dirty="0"/>
-              <a:t>S</a:t>
-            </a:r>
-            <a:r>
-              <a:rPr lang="en-US" sz="1400" baseline="-25000" dirty="0"/>
-              <a:t>ID</a:t>
-            </a:r>
-            <a:r>
-              <a:rPr lang="en-US" sz="1400" dirty="0"/>
-              <a:t> and R</a:t>
-            </a:r>
-            <a:r>
-              <a:rPr lang="en-US" sz="1400" baseline="-25000" dirty="0"/>
-              <a:t>ID</a:t>
-            </a:r>
-            <a:r>
-              <a:rPr lang="en-US" sz="1400" dirty="0"/>
-              <a:t> are node IDs of the sender and receiver.</a:t>
-            </a:r>
-          </a:p>
-          <a:p>
-            <a:pPr marL="285750" indent="-285750" algn="thaiDist">
-              <a:lnSpc>
-                <a:spcPct val="150000"/>
-              </a:lnSpc>
-              <a:buFont typeface="Arial" panose="020B0604020202020204" pitchFamily="34" charset="0"/>
-              <a:buChar char="•"/>
-            </a:pPr>
-            <a:r>
-              <a:rPr lang="en-US" sz="1400" dirty="0"/>
-              <a:t>U</a:t>
-            </a:r>
-            <a:r>
-              <a:rPr lang="en-US" sz="1400" baseline="-25000" dirty="0"/>
-              <a:t>C</a:t>
-            </a:r>
-            <a:r>
-              <a:rPr lang="en-US" sz="1400" dirty="0"/>
-              <a:t> is a used cell assignment list (used channels and used timeslots) of its neighbors.</a:t>
-            </a:r>
-          </a:p>
-          <a:p>
-            <a:pPr marL="285750" indent="-285750" algn="thaiDist">
-              <a:lnSpc>
-                <a:spcPct val="150000"/>
-              </a:lnSpc>
-              <a:buFont typeface="Arial" panose="020B0604020202020204" pitchFamily="34" charset="0"/>
-              <a:buChar char="•"/>
-            </a:pPr>
-            <a:r>
-              <a:rPr lang="en-US" sz="1400" dirty="0"/>
-              <a:t>U</a:t>
-            </a:r>
-            <a:r>
-              <a:rPr lang="en-US" sz="1400" baseline="-25000" dirty="0"/>
-              <a:t>C</a:t>
-            </a:r>
-            <a:r>
-              <a:rPr lang="en-US" sz="1400" dirty="0"/>
-              <a:t> is used by the receiver to choose a timeslot and a channel which is collision-free with its neighbors. </a:t>
-            </a:r>
-          </a:p>
-          <a:p>
-            <a:pPr algn="thaiDist">
-              <a:lnSpc>
-                <a:spcPct val="150000"/>
-              </a:lnSpc>
-            </a:pPr>
-            <a:r>
-              <a:rPr lang="en-US" dirty="0"/>
-              <a:t>In the NCP, each node collects U</a:t>
-            </a:r>
-            <a:r>
-              <a:rPr lang="en-US" baseline="-25000" dirty="0"/>
-              <a:t>C</a:t>
-            </a:r>
-            <a:r>
-              <a:rPr lang="en-US" dirty="0"/>
-              <a:t> information by overhearing JOIN, CON and ADV packets.</a:t>
-            </a:r>
-          </a:p>
-        </p:txBody>
-      </p:sp>
-      <p:pic>
-        <p:nvPicPr>
-          <p:cNvPr id="5" name="Picture 4">
-            <a:extLst>
-              <a:ext uri="{FF2B5EF4-FFF2-40B4-BE49-F238E27FC236}">
-                <a16:creationId xmlns:a16="http://schemas.microsoft.com/office/drawing/2014/main" id="{B295170D-CB41-4A4A-9ABE-760453AB52E0}"/>
-              </a:ext>
-            </a:extLst>
-          </p:cNvPr>
-          <p:cNvPicPr>
-            <a:picLocks noChangeAspect="1"/>
-          </p:cNvPicPr>
-          <p:nvPr/>
-        </p:nvPicPr>
-        <p:blipFill>
-          <a:blip r:embed="rId4"/>
-          <a:stretch>
-            <a:fillRect/>
-          </a:stretch>
-        </p:blipFill>
-        <p:spPr>
-          <a:xfrm>
-            <a:off x="254850" y="5258124"/>
-            <a:ext cx="5453971" cy="1317626"/>
-          </a:xfrm>
-          <a:prstGeom prst="rect">
-            <a:avLst/>
-          </a:prstGeom>
-        </p:spPr>
-      </p:pic>
-      <p:sp>
-        <p:nvSpPr>
-          <p:cNvPr id="12" name="Rectangle 11">
-            <a:extLst>
-              <a:ext uri="{FF2B5EF4-FFF2-40B4-BE49-F238E27FC236}">
-                <a16:creationId xmlns:a16="http://schemas.microsoft.com/office/drawing/2014/main" id="{CC0C02DD-82DC-4C4E-B5AA-88853CDCCECD}"/>
-              </a:ext>
-            </a:extLst>
-          </p:cNvPr>
-          <p:cNvSpPr/>
-          <p:nvPr/>
-        </p:nvSpPr>
-        <p:spPr>
-          <a:xfrm>
-            <a:off x="2048385" y="5572125"/>
-            <a:ext cx="952500" cy="504825"/>
-          </a:xfrm>
-          <a:prstGeom prst="rect">
-            <a:avLst/>
-          </a:prstGeom>
-          <a:solidFill>
-            <a:schemeClr val="accent4">
-              <a:alpha val="50000"/>
-            </a:schemeClr>
-          </a:solidFill>
-        </p:spPr>
-        <p:style>
-          <a:lnRef idx="2">
-            <a:schemeClr val="accent4">
-              <a:shade val="50000"/>
-            </a:schemeClr>
-          </a:lnRef>
-          <a:fillRef idx="1">
-            <a:schemeClr val="accent4"/>
-          </a:fillRef>
-          <a:effectRef idx="0">
-            <a:schemeClr val="accent4"/>
-          </a:effectRef>
-          <a:fontRef idx="minor">
-            <a:schemeClr val="lt1"/>
-          </a:fontRef>
-        </p:style>
-        <p:txBody>
-          <a:bodyPr rtlCol="0" anchor="ctr"/>
-          <a:lstStyle/>
-          <a:p>
-            <a:pPr algn="ctr"/>
-            <a:endParaRPr lang="th-TH" dirty="0"/>
-          </a:p>
-        </p:txBody>
-      </p:sp>
-    </p:spTree>
-    <p:extLst>
-      <p:ext uri="{BB962C8B-B14F-4D97-AF65-F5344CB8AC3E}">
-        <p14:creationId xmlns:p14="http://schemas.microsoft.com/office/powerpoint/2010/main" val="3933520812"/>
       </p:ext>
     </p:extLst>
   </p:cSld>
@@ -29319,6 +29258,458 @@
           <a:chExt cx="0" cy="0"/>
         </a:xfrm>
       </p:grpSpPr>
+      <p:grpSp>
+        <p:nvGrpSpPr>
+          <p:cNvPr id="9" name="Group 8">
+            <a:extLst>
+              <a:ext uri="{FF2B5EF4-FFF2-40B4-BE49-F238E27FC236}">
+                <a16:creationId xmlns:a16="http://schemas.microsoft.com/office/drawing/2014/main" id="{422C15F3-A34B-406B-ABE8-A8DB74850650}"/>
+              </a:ext>
+            </a:extLst>
+          </p:cNvPr>
+          <p:cNvGrpSpPr/>
+          <p:nvPr/>
+        </p:nvGrpSpPr>
+        <p:grpSpPr>
+          <a:xfrm>
+            <a:off x="9238488" y="3943350"/>
+            <a:ext cx="2953512" cy="2914650"/>
+            <a:chOff x="7486650" y="3308919"/>
+            <a:chExt cx="3596402" cy="3549081"/>
+          </a:xfrm>
+        </p:grpSpPr>
+        <p:pic>
+          <p:nvPicPr>
+            <p:cNvPr id="3" name="Picture 2">
+              <a:extLst>
+                <a:ext uri="{FF2B5EF4-FFF2-40B4-BE49-F238E27FC236}">
+                  <a16:creationId xmlns:a16="http://schemas.microsoft.com/office/drawing/2014/main" id="{4944C926-0C6D-4407-831C-E9B90C7F5E3A}"/>
+                </a:ext>
+              </a:extLst>
+            </p:cNvPr>
+            <p:cNvPicPr>
+              <a:picLocks noChangeAspect="1"/>
+            </p:cNvPicPr>
+            <p:nvPr/>
+          </p:nvPicPr>
+          <p:blipFill>
+            <a:blip r:embed="rId3"/>
+            <a:stretch>
+              <a:fillRect/>
+            </a:stretch>
+          </p:blipFill>
+          <p:spPr>
+            <a:xfrm>
+              <a:off x="7486650" y="3308919"/>
+              <a:ext cx="3596402" cy="3549081"/>
+            </a:xfrm>
+            <a:prstGeom prst="rect">
+              <a:avLst/>
+            </a:prstGeom>
+          </p:spPr>
+        </p:pic>
+        <p:sp>
+          <p:nvSpPr>
+            <p:cNvPr id="4" name="Rectangle 3">
+              <a:extLst>
+                <a:ext uri="{FF2B5EF4-FFF2-40B4-BE49-F238E27FC236}">
+                  <a16:creationId xmlns:a16="http://schemas.microsoft.com/office/drawing/2014/main" id="{63EDFEC2-895D-4BAD-9922-EA7323D13B7B}"/>
+                </a:ext>
+              </a:extLst>
+            </p:cNvPr>
+            <p:cNvSpPr/>
+            <p:nvPr/>
+          </p:nvSpPr>
+          <p:spPr>
+            <a:xfrm>
+              <a:off x="7715250" y="3883911"/>
+              <a:ext cx="866775" cy="295275"/>
+            </a:xfrm>
+            <a:prstGeom prst="rect">
+              <a:avLst/>
+            </a:prstGeom>
+          </p:spPr>
+          <p:style>
+            <a:lnRef idx="2">
+              <a:schemeClr val="accent3">
+                <a:shade val="50000"/>
+              </a:schemeClr>
+            </a:lnRef>
+            <a:fillRef idx="1">
+              <a:schemeClr val="accent3"/>
+            </a:fillRef>
+            <a:effectRef idx="0">
+              <a:schemeClr val="accent3"/>
+            </a:effectRef>
+            <a:fontRef idx="minor">
+              <a:schemeClr val="lt1"/>
+            </a:fontRef>
+          </p:style>
+          <p:txBody>
+            <a:bodyPr rtlCol="0" anchor="ctr"/>
+            <a:lstStyle/>
+            <a:p>
+              <a:pPr algn="ctr"/>
+              <a:r>
+                <a:rPr lang="en-US" sz="1400" dirty="0"/>
+                <a:t>JOIN</a:t>
+              </a:r>
+              <a:endParaRPr lang="th-TH" sz="1600" dirty="0"/>
+            </a:p>
+          </p:txBody>
+        </p:sp>
+        <p:cxnSp>
+          <p:nvCxnSpPr>
+            <p:cNvPr id="7" name="Straight Arrow Connector 6">
+              <a:extLst>
+                <a:ext uri="{FF2B5EF4-FFF2-40B4-BE49-F238E27FC236}">
+                  <a16:creationId xmlns:a16="http://schemas.microsoft.com/office/drawing/2014/main" id="{F70890EE-474A-439F-8DD4-DCBA11D02A34}"/>
+                </a:ext>
+              </a:extLst>
+            </p:cNvPr>
+            <p:cNvCxnSpPr>
+              <a:cxnSpLocks/>
+            </p:cNvCxnSpPr>
+            <p:nvPr/>
+          </p:nvCxnSpPr>
+          <p:spPr>
+            <a:xfrm flipH="1">
+              <a:off x="8148637" y="3838105"/>
+              <a:ext cx="878284" cy="665537"/>
+            </a:xfrm>
+            <a:prstGeom prst="straightConnector1">
+              <a:avLst/>
+            </a:prstGeom>
+            <a:ln w="28575">
+              <a:solidFill>
+                <a:schemeClr val="accent3"/>
+              </a:solidFill>
+              <a:headEnd type="triangle" w="med" len="med"/>
+              <a:tailEnd type="none" w="med" len="med"/>
+            </a:ln>
+          </p:spPr>
+          <p:style>
+            <a:lnRef idx="1">
+              <a:schemeClr val="accent5"/>
+            </a:lnRef>
+            <a:fillRef idx="0">
+              <a:schemeClr val="accent5"/>
+            </a:fillRef>
+            <a:effectRef idx="0">
+              <a:schemeClr val="accent5"/>
+            </a:effectRef>
+            <a:fontRef idx="minor">
+              <a:schemeClr val="tx1"/>
+            </a:fontRef>
+          </p:style>
+        </p:cxnSp>
+      </p:grpSp>
+      <p:sp>
+        <p:nvSpPr>
+          <p:cNvPr id="2" name="Title 1">
+            <a:extLst>
+              <a:ext uri="{FF2B5EF4-FFF2-40B4-BE49-F238E27FC236}">
+                <a16:creationId xmlns:a16="http://schemas.microsoft.com/office/drawing/2014/main" id="{08069A03-1512-4369-9FE2-D698F3178988}"/>
+              </a:ext>
+            </a:extLst>
+          </p:cNvPr>
+          <p:cNvSpPr>
+            <a:spLocks noGrp="1"/>
+          </p:cNvSpPr>
+          <p:nvPr>
+            <p:ph type="title"/>
+          </p:nvPr>
+        </p:nvSpPr>
+        <p:spPr/>
+        <p:txBody>
+          <a:bodyPr/>
+          <a:lstStyle/>
+          <a:p>
+            <a:r>
+              <a:rPr lang="en-US" dirty="0"/>
+              <a:t>Network Construction Period (NCP)</a:t>
+            </a:r>
+            <a:endParaRPr lang="th-TH" dirty="0">
+              <a:solidFill>
+                <a:schemeClr val="tx1"/>
+              </a:solidFill>
+            </a:endParaRPr>
+          </a:p>
+        </p:txBody>
+      </p:sp>
+      <p:sp>
+        <p:nvSpPr>
+          <p:cNvPr id="6" name="TextBox 5">
+            <a:extLst>
+              <a:ext uri="{FF2B5EF4-FFF2-40B4-BE49-F238E27FC236}">
+                <a16:creationId xmlns:a16="http://schemas.microsoft.com/office/drawing/2014/main" id="{D6600F39-D50B-40E0-B05C-4BA417758BE0}"/>
+              </a:ext>
+            </a:extLst>
+          </p:cNvPr>
+          <p:cNvSpPr txBox="1"/>
+          <p:nvPr/>
+        </p:nvSpPr>
+        <p:spPr>
+          <a:xfrm>
+            <a:off x="813516" y="2135142"/>
+            <a:ext cx="10564968" cy="1842043"/>
+          </a:xfrm>
+          <a:prstGeom prst="rect">
+            <a:avLst/>
+          </a:prstGeom>
+          <a:noFill/>
+        </p:spPr>
+        <p:txBody>
+          <a:bodyPr wrap="square" rtlCol="0">
+            <a:spAutoFit/>
+          </a:bodyPr>
+          <a:lstStyle/>
+          <a:p>
+            <a:pPr algn="thaiDist">
+              <a:lnSpc>
+                <a:spcPct val="150000"/>
+              </a:lnSpc>
+            </a:pPr>
+            <a:r>
+              <a:rPr lang="en-US" dirty="0"/>
+              <a:t>Then transmits a JOIN (D, S</a:t>
+            </a:r>
+            <a:r>
+              <a:rPr lang="en-US" baseline="-25000" dirty="0"/>
+              <a:t>ID</a:t>
+            </a:r>
+            <a:r>
+              <a:rPr lang="en-US" dirty="0"/>
+              <a:t>, R</a:t>
+            </a:r>
+            <a:r>
+              <a:rPr lang="en-US" baseline="-25000" dirty="0"/>
+              <a:t>ID</a:t>
+            </a:r>
+            <a:r>
+              <a:rPr lang="en-US" dirty="0"/>
+              <a:t>, U</a:t>
+            </a:r>
+            <a:r>
+              <a:rPr lang="en-US" baseline="-25000" dirty="0"/>
+              <a:t>C</a:t>
+            </a:r>
+            <a:r>
+              <a:rPr lang="en-US" dirty="0"/>
+              <a:t>) packet in the second timeslot (TS</a:t>
+            </a:r>
+            <a:r>
+              <a:rPr lang="en-US" baseline="-25000" dirty="0"/>
+              <a:t>2</a:t>
+            </a:r>
+            <a:r>
+              <a:rPr lang="en-US" dirty="0"/>
+              <a:t>) of the current cycle. </a:t>
+            </a:r>
+          </a:p>
+          <a:p>
+            <a:pPr marL="285750" indent="-285750" algn="thaiDist">
+              <a:lnSpc>
+                <a:spcPct val="150000"/>
+              </a:lnSpc>
+              <a:buFont typeface="Arial" panose="020B0604020202020204" pitchFamily="34" charset="0"/>
+              <a:buChar char="•"/>
+            </a:pPr>
+            <a:r>
+              <a:rPr lang="en-US" sz="1400" dirty="0"/>
+              <a:t>S</a:t>
+            </a:r>
+            <a:r>
+              <a:rPr lang="en-US" sz="1400" baseline="-25000" dirty="0"/>
+              <a:t>ID</a:t>
+            </a:r>
+            <a:r>
+              <a:rPr lang="en-US" sz="1400" dirty="0"/>
+              <a:t> and R</a:t>
+            </a:r>
+            <a:r>
+              <a:rPr lang="en-US" sz="1400" baseline="-25000" dirty="0"/>
+              <a:t>ID</a:t>
+            </a:r>
+            <a:r>
+              <a:rPr lang="en-US" sz="1400" dirty="0"/>
+              <a:t> are node IDs of the sender and receiver.</a:t>
+            </a:r>
+          </a:p>
+          <a:p>
+            <a:pPr marL="285750" indent="-285750" algn="thaiDist">
+              <a:lnSpc>
+                <a:spcPct val="150000"/>
+              </a:lnSpc>
+              <a:buFont typeface="Arial" panose="020B0604020202020204" pitchFamily="34" charset="0"/>
+              <a:buChar char="•"/>
+            </a:pPr>
+            <a:r>
+              <a:rPr lang="en-US" sz="1400" dirty="0"/>
+              <a:t>U</a:t>
+            </a:r>
+            <a:r>
+              <a:rPr lang="en-US" sz="1400" baseline="-25000" dirty="0"/>
+              <a:t>C</a:t>
+            </a:r>
+            <a:r>
+              <a:rPr lang="en-US" sz="1400" dirty="0"/>
+              <a:t> is a used cell assignment list (used channels and used timeslots) of its neighbors.</a:t>
+            </a:r>
+          </a:p>
+          <a:p>
+            <a:pPr marL="285750" indent="-285750" algn="thaiDist">
+              <a:lnSpc>
+                <a:spcPct val="150000"/>
+              </a:lnSpc>
+              <a:buFont typeface="Arial" panose="020B0604020202020204" pitchFamily="34" charset="0"/>
+              <a:buChar char="•"/>
+            </a:pPr>
+            <a:r>
+              <a:rPr lang="en-US" sz="1400" dirty="0"/>
+              <a:t>U</a:t>
+            </a:r>
+            <a:r>
+              <a:rPr lang="en-US" sz="1400" baseline="-25000" dirty="0"/>
+              <a:t>C</a:t>
+            </a:r>
+            <a:r>
+              <a:rPr lang="en-US" sz="1400" dirty="0"/>
+              <a:t> is used by the receiver to choose a timeslot and a channel which is collision-free with its neighbors. </a:t>
+            </a:r>
+          </a:p>
+          <a:p>
+            <a:pPr algn="thaiDist">
+              <a:lnSpc>
+                <a:spcPct val="150000"/>
+              </a:lnSpc>
+            </a:pPr>
+            <a:r>
+              <a:rPr lang="en-US" dirty="0"/>
+              <a:t>In the NCP, each node collects U</a:t>
+            </a:r>
+            <a:r>
+              <a:rPr lang="en-US" baseline="-25000" dirty="0"/>
+              <a:t>C</a:t>
+            </a:r>
+            <a:r>
+              <a:rPr lang="en-US" dirty="0"/>
+              <a:t> information by overhearing JOIN, CON and ADV packets.</a:t>
+            </a:r>
+          </a:p>
+        </p:txBody>
+      </p:sp>
+      <p:pic>
+        <p:nvPicPr>
+          <p:cNvPr id="5" name="Picture 4">
+            <a:extLst>
+              <a:ext uri="{FF2B5EF4-FFF2-40B4-BE49-F238E27FC236}">
+                <a16:creationId xmlns:a16="http://schemas.microsoft.com/office/drawing/2014/main" id="{B295170D-CB41-4A4A-9ABE-760453AB52E0}"/>
+              </a:ext>
+            </a:extLst>
+          </p:cNvPr>
+          <p:cNvPicPr>
+            <a:picLocks noChangeAspect="1"/>
+          </p:cNvPicPr>
+          <p:nvPr/>
+        </p:nvPicPr>
+        <p:blipFill>
+          <a:blip r:embed="rId4"/>
+          <a:stretch>
+            <a:fillRect/>
+          </a:stretch>
+        </p:blipFill>
+        <p:spPr>
+          <a:xfrm>
+            <a:off x="254850" y="5258124"/>
+            <a:ext cx="5453971" cy="1317626"/>
+          </a:xfrm>
+          <a:prstGeom prst="rect">
+            <a:avLst/>
+          </a:prstGeom>
+        </p:spPr>
+      </p:pic>
+      <p:sp>
+        <p:nvSpPr>
+          <p:cNvPr id="12" name="Rectangle 11">
+            <a:extLst>
+              <a:ext uri="{FF2B5EF4-FFF2-40B4-BE49-F238E27FC236}">
+                <a16:creationId xmlns:a16="http://schemas.microsoft.com/office/drawing/2014/main" id="{CC0C02DD-82DC-4C4E-B5AA-88853CDCCECD}"/>
+              </a:ext>
+            </a:extLst>
+          </p:cNvPr>
+          <p:cNvSpPr/>
+          <p:nvPr/>
+        </p:nvSpPr>
+        <p:spPr>
+          <a:xfrm>
+            <a:off x="2048385" y="5572125"/>
+            <a:ext cx="952500" cy="504825"/>
+          </a:xfrm>
+          <a:prstGeom prst="rect">
+            <a:avLst/>
+          </a:prstGeom>
+          <a:solidFill>
+            <a:schemeClr val="accent4">
+              <a:alpha val="50000"/>
+            </a:schemeClr>
+          </a:solidFill>
+        </p:spPr>
+        <p:style>
+          <a:lnRef idx="2">
+            <a:schemeClr val="accent4">
+              <a:shade val="50000"/>
+            </a:schemeClr>
+          </a:lnRef>
+          <a:fillRef idx="1">
+            <a:schemeClr val="accent4"/>
+          </a:fillRef>
+          <a:effectRef idx="0">
+            <a:schemeClr val="accent4"/>
+          </a:effectRef>
+          <a:fontRef idx="minor">
+            <a:schemeClr val="lt1"/>
+          </a:fontRef>
+        </p:style>
+        <p:txBody>
+          <a:bodyPr rtlCol="0" anchor="ctr"/>
+          <a:lstStyle/>
+          <a:p>
+            <a:pPr algn="ctr"/>
+            <a:endParaRPr lang="th-TH" dirty="0"/>
+          </a:p>
+        </p:txBody>
+      </p:sp>
+    </p:spTree>
+    <p:extLst>
+      <p:ext uri="{BB962C8B-B14F-4D97-AF65-F5344CB8AC3E}">
+        <p14:creationId xmlns:p14="http://schemas.microsoft.com/office/powerpoint/2010/main" val="3933520812"/>
+      </p:ext>
+    </p:extLst>
+  </p:cSld>
+  <p:clrMapOvr>
+    <a:masterClrMapping/>
+  </p:clrMapOvr>
+</p:sld>
+</file>
+
+<file path=ppt/slides/slide31.xml><?xml version="1.0" encoding="utf-8"?>
+<p:sld xmlns:a="http://schemas.openxmlformats.org/drawingml/2006/main" xmlns:r="http://schemas.openxmlformats.org/officeDocument/2006/relationships" xmlns:p="http://schemas.openxmlformats.org/presentationml/2006/main">
+  <p:cSld>
+    <p:spTree>
+      <p:nvGrpSpPr>
+        <p:cNvPr id="1" name=""/>
+        <p:cNvGrpSpPr/>
+        <p:nvPr/>
+      </p:nvGrpSpPr>
+      <p:grpSpPr>
+        <a:xfrm>
+          <a:off x="0" y="0"/>
+          <a:ext cx="0" cy="0"/>
+          <a:chOff x="0" y="0"/>
+          <a:chExt cx="0" cy="0"/>
+        </a:xfrm>
+      </p:grpSpPr>
       <p:sp>
         <p:nvSpPr>
           <p:cNvPr id="2" name="Title 1">
@@ -29462,7 +29853,7 @@
 </p:sld>
 </file>
 
-<file path=ppt/slides/slide31.xml><?xml version="1.0" encoding="utf-8"?>
+<file path=ppt/slides/slide32.xml><?xml version="1.0" encoding="utf-8"?>
 <p:sld xmlns:a="http://schemas.openxmlformats.org/drawingml/2006/main" xmlns:r="http://schemas.openxmlformats.org/officeDocument/2006/relationships" xmlns:p="http://schemas.openxmlformats.org/presentationml/2006/main">
   <p:cSld>
     <p:spTree>
@@ -30032,7 +30423,7 @@
 </p:sld>
 </file>
 
-<file path=ppt/slides/slide32.xml><?xml version="1.0" encoding="utf-8"?>
+<file path=ppt/slides/slide33.xml><?xml version="1.0" encoding="utf-8"?>
 <p:sld xmlns:a="http://schemas.openxmlformats.org/drawingml/2006/main" xmlns:r="http://schemas.openxmlformats.org/officeDocument/2006/relationships" xmlns:p="http://schemas.openxmlformats.org/presentationml/2006/main">
   <p:cSld>
     <p:spTree>
@@ -30651,7 +31042,7 @@
 </p:sld>
 </file>
 
-<file path=ppt/slides/slide33.xml><?xml version="1.0" encoding="utf-8"?>
+<file path=ppt/slides/slide34.xml><?xml version="1.0" encoding="utf-8"?>
 <p:sld xmlns:a="http://schemas.openxmlformats.org/drawingml/2006/main" xmlns:r="http://schemas.openxmlformats.org/officeDocument/2006/relationships" xmlns:p="http://schemas.openxmlformats.org/presentationml/2006/main">
   <p:cSld>
     <p:spTree>
@@ -30846,7 +31237,7 @@
 </p:sld>
 </file>
 
-<file path=ppt/slides/slide34.xml><?xml version="1.0" encoding="utf-8"?>
+<file path=ppt/slides/slide35.xml><?xml version="1.0" encoding="utf-8"?>
 <p:sld xmlns:a="http://schemas.openxmlformats.org/drawingml/2006/main" xmlns:r="http://schemas.openxmlformats.org/officeDocument/2006/relationships" xmlns:p="http://schemas.openxmlformats.org/presentationml/2006/main">
   <p:cSld>
     <p:spTree>
@@ -31060,7 +31451,7 @@
 </p:sld>
 </file>
 
-<file path=ppt/slides/slide35.xml><?xml version="1.0" encoding="utf-8"?>
+<file path=ppt/slides/slide36.xml><?xml version="1.0" encoding="utf-8"?>
 <p:sld xmlns:a="http://schemas.openxmlformats.org/drawingml/2006/main" xmlns:r="http://schemas.openxmlformats.org/officeDocument/2006/relationships" xmlns:p="http://schemas.openxmlformats.org/presentationml/2006/main">
   <p:cSld>
     <p:spTree>
@@ -31362,7 +31753,7 @@
 </p:sld>
 </file>
 
-<file path=ppt/slides/slide36.xml><?xml version="1.0" encoding="utf-8"?>
+<file path=ppt/slides/slide37.xml><?xml version="1.0" encoding="utf-8"?>
 <p:sld xmlns:a="http://schemas.openxmlformats.org/drawingml/2006/main" xmlns:r="http://schemas.openxmlformats.org/officeDocument/2006/relationships" xmlns:p="http://schemas.openxmlformats.org/presentationml/2006/main">
   <p:cSld>
     <p:spTree>
@@ -31849,7 +32240,7 @@
 </p:sld>
 </file>
 
-<file path=ppt/slides/slide37.xml><?xml version="1.0" encoding="utf-8"?>
+<file path=ppt/slides/slide38.xml><?xml version="1.0" encoding="utf-8"?>
 <p:sld xmlns:a="http://schemas.openxmlformats.org/drawingml/2006/main" xmlns:r="http://schemas.openxmlformats.org/officeDocument/2006/relationships" xmlns:p="http://schemas.openxmlformats.org/presentationml/2006/main">
   <p:cSld>
     <p:spTree>
@@ -32318,7 +32709,7 @@
 </p:sld>
 </file>
 
-<file path=ppt/slides/slide38.xml><?xml version="1.0" encoding="utf-8"?>
+<file path=ppt/slides/slide39.xml><?xml version="1.0" encoding="utf-8"?>
 <p:sld xmlns:a="http://schemas.openxmlformats.org/drawingml/2006/main" xmlns:r="http://schemas.openxmlformats.org/officeDocument/2006/relationships" xmlns:p="http://schemas.openxmlformats.org/presentationml/2006/main">
   <p:cSld>
     <p:spTree>
@@ -32530,148 +32921,6 @@
     <p:extLst>
       <p:ext uri="{BB962C8B-B14F-4D97-AF65-F5344CB8AC3E}">
         <p14:creationId xmlns:p14="http://schemas.microsoft.com/office/powerpoint/2010/main" val="2842770642"/>
-      </p:ext>
-    </p:extLst>
-  </p:cSld>
-  <p:clrMapOvr>
-    <a:masterClrMapping/>
-  </p:clrMapOvr>
-</p:sld>
-</file>
-
-<file path=ppt/slides/slide39.xml><?xml version="1.0" encoding="utf-8"?>
-<p:sld xmlns:a="http://schemas.openxmlformats.org/drawingml/2006/main" xmlns:r="http://schemas.openxmlformats.org/officeDocument/2006/relationships" xmlns:p="http://schemas.openxmlformats.org/presentationml/2006/main">
-  <p:cSld>
-    <p:spTree>
-      <p:nvGrpSpPr>
-        <p:cNvPr id="1" name=""/>
-        <p:cNvGrpSpPr/>
-        <p:nvPr/>
-      </p:nvGrpSpPr>
-      <p:grpSpPr>
-        <a:xfrm>
-          <a:off x="0" y="0"/>
-          <a:ext cx="0" cy="0"/>
-          <a:chOff x="0" y="0"/>
-          <a:chExt cx="0" cy="0"/>
-        </a:xfrm>
-      </p:grpSpPr>
-      <p:sp>
-        <p:nvSpPr>
-          <p:cNvPr id="2" name="Title 1">
-            <a:extLst>
-              <a:ext uri="{FF2B5EF4-FFF2-40B4-BE49-F238E27FC236}">
-                <a16:creationId xmlns:a16="http://schemas.microsoft.com/office/drawing/2014/main" id="{08069A03-1512-4369-9FE2-D698F3178988}"/>
-              </a:ext>
-            </a:extLst>
-          </p:cNvPr>
-          <p:cNvSpPr>
-            <a:spLocks noGrp="1"/>
-          </p:cNvSpPr>
-          <p:nvPr>
-            <p:ph type="title"/>
-          </p:nvPr>
-        </p:nvSpPr>
-        <p:spPr/>
-        <p:txBody>
-          <a:bodyPr/>
-          <a:lstStyle/>
-          <a:p>
-            <a:r>
-              <a:rPr lang="en-US" dirty="0"/>
-              <a:t>Parent Choice Mechanism</a:t>
-            </a:r>
-            <a:endParaRPr lang="th-TH" dirty="0">
-              <a:solidFill>
-                <a:schemeClr val="tx1"/>
-              </a:solidFill>
-            </a:endParaRPr>
-          </a:p>
-        </p:txBody>
-      </p:sp>
-      <p:sp>
-        <p:nvSpPr>
-          <p:cNvPr id="6" name="TextBox 5">
-            <a:extLst>
-              <a:ext uri="{FF2B5EF4-FFF2-40B4-BE49-F238E27FC236}">
-                <a16:creationId xmlns:a16="http://schemas.microsoft.com/office/drawing/2014/main" id="{D6600F39-D50B-40E0-B05C-4BA417758BE0}"/>
-              </a:ext>
-            </a:extLst>
-          </p:cNvPr>
-          <p:cNvSpPr txBox="1"/>
-          <p:nvPr/>
-        </p:nvSpPr>
-        <p:spPr>
-          <a:xfrm>
-            <a:off x="813516" y="2135142"/>
-            <a:ext cx="10564968" cy="2119042"/>
-          </a:xfrm>
-          <a:prstGeom prst="rect">
-            <a:avLst/>
-          </a:prstGeom>
-          <a:noFill/>
-        </p:spPr>
-        <p:txBody>
-          <a:bodyPr wrap="square" rtlCol="0">
-            <a:spAutoFit/>
-          </a:bodyPr>
-          <a:lstStyle/>
-          <a:p>
-            <a:pPr algn="thaiDist">
-              <a:lnSpc>
-                <a:spcPct val="150000"/>
-              </a:lnSpc>
-            </a:pPr>
-            <a:r>
-              <a:rPr lang="en-US" dirty="0"/>
-              <a:t>Before the node receives a timeslot and channel assignment from the parent node, this node updates its parent based on the parent choice mechanism from the parent list as a priority, which is Rule 1.</a:t>
-            </a:r>
-          </a:p>
-          <a:p>
-            <a:pPr marL="285750" indent="-285750" algn="thaiDist">
-              <a:lnSpc>
-                <a:spcPct val="150000"/>
-              </a:lnSpc>
-              <a:buFont typeface="Arial" panose="020B0604020202020204" pitchFamily="34" charset="0"/>
-              <a:buChar char="•"/>
-            </a:pPr>
-            <a:r>
-              <a:rPr lang="en-US" dirty="0"/>
-              <a:t>The node has the lowest depth.</a:t>
-            </a:r>
-          </a:p>
-          <a:p>
-            <a:pPr marL="285750" indent="-285750" algn="thaiDist">
-              <a:lnSpc>
-                <a:spcPct val="150000"/>
-              </a:lnSpc>
-              <a:buFont typeface="Arial" panose="020B0604020202020204" pitchFamily="34" charset="0"/>
-              <a:buChar char="•"/>
-            </a:pPr>
-            <a:r>
-              <a:rPr lang="en-US" dirty="0"/>
-              <a:t>The node has the smallest number of children.</a:t>
-            </a:r>
-          </a:p>
-          <a:p>
-            <a:pPr marL="285750" indent="-285750" algn="thaiDist">
-              <a:lnSpc>
-                <a:spcPct val="150000"/>
-              </a:lnSpc>
-              <a:buFont typeface="Arial" panose="020B0604020202020204" pitchFamily="34" charset="0"/>
-              <a:buChar char="•"/>
-            </a:pPr>
-            <a:r>
-              <a:rPr lang="en-US" dirty="0"/>
-              <a:t>The node has the latest timeslot assigned for communication with its parent node. </a:t>
-            </a:r>
-          </a:p>
-        </p:txBody>
-      </p:sp>
-    </p:spTree>
-    <p:extLst>
-      <p:ext uri="{BB962C8B-B14F-4D97-AF65-F5344CB8AC3E}">
-        <p14:creationId xmlns:p14="http://schemas.microsoft.com/office/powerpoint/2010/main" val="1598012770"/>
       </p:ext>
     </p:extLst>
   </p:cSld>
@@ -32852,6 +33101,148 @@
 </file>
 
 <file path=ppt/slides/slide40.xml><?xml version="1.0" encoding="utf-8"?>
+<p:sld xmlns:a="http://schemas.openxmlformats.org/drawingml/2006/main" xmlns:r="http://schemas.openxmlformats.org/officeDocument/2006/relationships" xmlns:p="http://schemas.openxmlformats.org/presentationml/2006/main">
+  <p:cSld>
+    <p:spTree>
+      <p:nvGrpSpPr>
+        <p:cNvPr id="1" name=""/>
+        <p:cNvGrpSpPr/>
+        <p:nvPr/>
+      </p:nvGrpSpPr>
+      <p:grpSpPr>
+        <a:xfrm>
+          <a:off x="0" y="0"/>
+          <a:ext cx="0" cy="0"/>
+          <a:chOff x="0" y="0"/>
+          <a:chExt cx="0" cy="0"/>
+        </a:xfrm>
+      </p:grpSpPr>
+      <p:sp>
+        <p:nvSpPr>
+          <p:cNvPr id="2" name="Title 1">
+            <a:extLst>
+              <a:ext uri="{FF2B5EF4-FFF2-40B4-BE49-F238E27FC236}">
+                <a16:creationId xmlns:a16="http://schemas.microsoft.com/office/drawing/2014/main" id="{08069A03-1512-4369-9FE2-D698F3178988}"/>
+              </a:ext>
+            </a:extLst>
+          </p:cNvPr>
+          <p:cNvSpPr>
+            <a:spLocks noGrp="1"/>
+          </p:cNvSpPr>
+          <p:nvPr>
+            <p:ph type="title"/>
+          </p:nvPr>
+        </p:nvSpPr>
+        <p:spPr/>
+        <p:txBody>
+          <a:bodyPr/>
+          <a:lstStyle/>
+          <a:p>
+            <a:r>
+              <a:rPr lang="en-US" dirty="0"/>
+              <a:t>Parent Choice Mechanism</a:t>
+            </a:r>
+            <a:endParaRPr lang="th-TH" dirty="0">
+              <a:solidFill>
+                <a:schemeClr val="tx1"/>
+              </a:solidFill>
+            </a:endParaRPr>
+          </a:p>
+        </p:txBody>
+      </p:sp>
+      <p:sp>
+        <p:nvSpPr>
+          <p:cNvPr id="6" name="TextBox 5">
+            <a:extLst>
+              <a:ext uri="{FF2B5EF4-FFF2-40B4-BE49-F238E27FC236}">
+                <a16:creationId xmlns:a16="http://schemas.microsoft.com/office/drawing/2014/main" id="{D6600F39-D50B-40E0-B05C-4BA417758BE0}"/>
+              </a:ext>
+            </a:extLst>
+          </p:cNvPr>
+          <p:cNvSpPr txBox="1"/>
+          <p:nvPr/>
+        </p:nvSpPr>
+        <p:spPr>
+          <a:xfrm>
+            <a:off x="813516" y="2135142"/>
+            <a:ext cx="10564968" cy="2119042"/>
+          </a:xfrm>
+          <a:prstGeom prst="rect">
+            <a:avLst/>
+          </a:prstGeom>
+          <a:noFill/>
+        </p:spPr>
+        <p:txBody>
+          <a:bodyPr wrap="square" rtlCol="0">
+            <a:spAutoFit/>
+          </a:bodyPr>
+          <a:lstStyle/>
+          <a:p>
+            <a:pPr algn="thaiDist">
+              <a:lnSpc>
+                <a:spcPct val="150000"/>
+              </a:lnSpc>
+            </a:pPr>
+            <a:r>
+              <a:rPr lang="en-US" dirty="0"/>
+              <a:t>Before the node receives a timeslot and channel assignment from the parent node, this node updates its parent based on the parent choice mechanism from the parent list as a priority, which is Rule 1.</a:t>
+            </a:r>
+          </a:p>
+          <a:p>
+            <a:pPr marL="285750" indent="-285750" algn="thaiDist">
+              <a:lnSpc>
+                <a:spcPct val="150000"/>
+              </a:lnSpc>
+              <a:buFont typeface="Arial" panose="020B0604020202020204" pitchFamily="34" charset="0"/>
+              <a:buChar char="•"/>
+            </a:pPr>
+            <a:r>
+              <a:rPr lang="en-US" dirty="0"/>
+              <a:t>The node has the lowest depth.</a:t>
+            </a:r>
+          </a:p>
+          <a:p>
+            <a:pPr marL="285750" indent="-285750" algn="thaiDist">
+              <a:lnSpc>
+                <a:spcPct val="150000"/>
+              </a:lnSpc>
+              <a:buFont typeface="Arial" panose="020B0604020202020204" pitchFamily="34" charset="0"/>
+              <a:buChar char="•"/>
+            </a:pPr>
+            <a:r>
+              <a:rPr lang="en-US" dirty="0"/>
+              <a:t>The node has the smallest number of children.</a:t>
+            </a:r>
+          </a:p>
+          <a:p>
+            <a:pPr marL="285750" indent="-285750" algn="thaiDist">
+              <a:lnSpc>
+                <a:spcPct val="150000"/>
+              </a:lnSpc>
+              <a:buFont typeface="Arial" panose="020B0604020202020204" pitchFamily="34" charset="0"/>
+              <a:buChar char="•"/>
+            </a:pPr>
+            <a:r>
+              <a:rPr lang="en-US" dirty="0"/>
+              <a:t>The node has the latest timeslot assigned for communication with its parent node. </a:t>
+            </a:r>
+          </a:p>
+        </p:txBody>
+      </p:sp>
+    </p:spTree>
+    <p:extLst>
+      <p:ext uri="{BB962C8B-B14F-4D97-AF65-F5344CB8AC3E}">
+        <p14:creationId xmlns:p14="http://schemas.microsoft.com/office/powerpoint/2010/main" val="1598012770"/>
+      </p:ext>
+    </p:extLst>
+  </p:cSld>
+  <p:clrMapOvr>
+    <a:masterClrMapping/>
+  </p:clrMapOvr>
+</p:sld>
+</file>
+
+<file path=ppt/slides/slide41.xml><?xml version="1.0" encoding="utf-8"?>
 <p:sld xmlns:a="http://schemas.openxmlformats.org/drawingml/2006/main" xmlns:r="http://schemas.openxmlformats.org/officeDocument/2006/relationships" xmlns:p="http://schemas.openxmlformats.org/presentationml/2006/main">
   <p:cSld>
     <p:spTree>
@@ -33065,7 +33456,7 @@
 </p:sld>
 </file>
 
-<file path=ppt/slides/slide41.xml><?xml version="1.0" encoding="utf-8"?>
+<file path=ppt/slides/slide42.xml><?xml version="1.0" encoding="utf-8"?>
 <p:sld xmlns:a="http://schemas.openxmlformats.org/drawingml/2006/main" xmlns:r="http://schemas.openxmlformats.org/officeDocument/2006/relationships" xmlns:p="http://schemas.openxmlformats.org/presentationml/2006/main">
   <p:cSld>
     <p:spTree>
@@ -33409,7 +33800,7 @@
 </p:sld>
 </file>
 
-<file path=ppt/slides/slide42.xml><?xml version="1.0" encoding="utf-8"?>
+<file path=ppt/slides/slide43.xml><?xml version="1.0" encoding="utf-8"?>
 <p:sld xmlns:a="http://schemas.openxmlformats.org/drawingml/2006/main" xmlns:r="http://schemas.openxmlformats.org/officeDocument/2006/relationships" xmlns:p="http://schemas.openxmlformats.org/presentationml/2006/main">
   <p:cSld>
     <p:spTree>
@@ -33591,7 +33982,7 @@
 </p:sld>
 </file>
 
-<file path=ppt/slides/slide43.xml><?xml version="1.0" encoding="utf-8"?>
+<file path=ppt/slides/slide44.xml><?xml version="1.0" encoding="utf-8"?>
 <p:sld xmlns:a="http://schemas.openxmlformats.org/drawingml/2006/main" xmlns:r="http://schemas.openxmlformats.org/officeDocument/2006/relationships" xmlns:p="http://schemas.openxmlformats.org/presentationml/2006/main">
   <p:cSld>
     <p:spTree>
@@ -33934,7 +34325,7 @@
 </p:sld>
 </file>
 
-<file path=ppt/slides/slide44.xml><?xml version="1.0" encoding="utf-8"?>
+<file path=ppt/slides/slide45.xml><?xml version="1.0" encoding="utf-8"?>
 <p:sld xmlns:a="http://schemas.openxmlformats.org/drawingml/2006/main" xmlns:r="http://schemas.openxmlformats.org/officeDocument/2006/relationships" xmlns:p="http://schemas.openxmlformats.org/presentationml/2006/main">
   <p:cSld>
     <p:spTree>
@@ -34362,7 +34753,7 @@
 </p:sld>
 </file>
 
-<file path=ppt/slides/slide45.xml><?xml version="1.0" encoding="utf-8"?>
+<file path=ppt/slides/slide46.xml><?xml version="1.0" encoding="utf-8"?>
 <p:sld xmlns:a="http://schemas.openxmlformats.org/drawingml/2006/main" xmlns:r="http://schemas.openxmlformats.org/officeDocument/2006/relationships" xmlns:p="http://schemas.openxmlformats.org/presentationml/2006/main">
   <p:cSld>
     <p:spTree>
@@ -34495,7 +34886,7 @@
 </p:sld>
 </file>
 
-<file path=ppt/slides/slide46.xml><?xml version="1.0" encoding="utf-8"?>
+<file path=ppt/slides/slide47.xml><?xml version="1.0" encoding="utf-8"?>
 <p:sld xmlns:a="http://schemas.openxmlformats.org/drawingml/2006/main" xmlns:r="http://schemas.openxmlformats.org/officeDocument/2006/relationships" xmlns:p="http://schemas.openxmlformats.org/presentationml/2006/main">
   <p:cSld>
     <p:spTree>
@@ -34658,7 +35049,7 @@
 </p:sld>
 </file>
 
-<file path=ppt/slides/slide47.xml><?xml version="1.0" encoding="utf-8"?>
+<file path=ppt/slides/slide48.xml><?xml version="1.0" encoding="utf-8"?>
 <p:sld xmlns:a="http://schemas.openxmlformats.org/drawingml/2006/main" xmlns:r="http://schemas.openxmlformats.org/officeDocument/2006/relationships" xmlns:p="http://schemas.openxmlformats.org/presentationml/2006/main">
   <p:cSld>
     <p:spTree>
@@ -35057,7 +35448,7 @@
 </p:sld>
 </file>
 
-<file path=ppt/slides/slide48.xml><?xml version="1.0" encoding="utf-8"?>
+<file path=ppt/slides/slide49.xml><?xml version="1.0" encoding="utf-8"?>
 <p:sld xmlns:a="http://schemas.openxmlformats.org/drawingml/2006/main" xmlns:r="http://schemas.openxmlformats.org/officeDocument/2006/relationships" xmlns:p="http://schemas.openxmlformats.org/presentationml/2006/main">
   <p:cSld>
     <p:spTree>
@@ -35181,148 +35572,6 @@
     <p:extLst>
       <p:ext uri="{BB962C8B-B14F-4D97-AF65-F5344CB8AC3E}">
         <p14:creationId xmlns:p14="http://schemas.microsoft.com/office/powerpoint/2010/main" val="2932262253"/>
-      </p:ext>
-    </p:extLst>
-  </p:cSld>
-  <p:clrMapOvr>
-    <a:masterClrMapping/>
-  </p:clrMapOvr>
-</p:sld>
-</file>
-
-<file path=ppt/slides/slide49.xml><?xml version="1.0" encoding="utf-8"?>
-<p:sld xmlns:a="http://schemas.openxmlformats.org/drawingml/2006/main" xmlns:r="http://schemas.openxmlformats.org/officeDocument/2006/relationships" xmlns:p="http://schemas.openxmlformats.org/presentationml/2006/main">
-  <p:cSld>
-    <p:spTree>
-      <p:nvGrpSpPr>
-        <p:cNvPr id="1" name=""/>
-        <p:cNvGrpSpPr/>
-        <p:nvPr/>
-      </p:nvGrpSpPr>
-      <p:grpSpPr>
-        <a:xfrm>
-          <a:off x="0" y="0"/>
-          <a:ext cx="0" cy="0"/>
-          <a:chOff x="0" y="0"/>
-          <a:chExt cx="0" cy="0"/>
-        </a:xfrm>
-      </p:grpSpPr>
-      <p:sp>
-        <p:nvSpPr>
-          <p:cNvPr id="2" name="Title 1">
-            <a:extLst>
-              <a:ext uri="{FF2B5EF4-FFF2-40B4-BE49-F238E27FC236}">
-                <a16:creationId xmlns:a16="http://schemas.microsoft.com/office/drawing/2014/main" id="{08069A03-1512-4369-9FE2-D698F3178988}"/>
-              </a:ext>
-            </a:extLst>
-          </p:cNvPr>
-          <p:cNvSpPr>
-            <a:spLocks noGrp="1"/>
-          </p:cNvSpPr>
-          <p:nvPr>
-            <p:ph type="title"/>
-          </p:nvPr>
-        </p:nvSpPr>
-        <p:spPr/>
-        <p:txBody>
-          <a:bodyPr/>
-          <a:lstStyle/>
-          <a:p>
-            <a:r>
-              <a:rPr lang="en-US" dirty="0"/>
-              <a:t>performance</a:t>
-            </a:r>
-            <a:endParaRPr lang="th-TH" dirty="0">
-              <a:solidFill>
-                <a:schemeClr val="tx1"/>
-              </a:solidFill>
-            </a:endParaRPr>
-          </a:p>
-        </p:txBody>
-      </p:sp>
-      <p:sp>
-        <p:nvSpPr>
-          <p:cNvPr id="6" name="TextBox 5">
-            <a:extLst>
-              <a:ext uri="{FF2B5EF4-FFF2-40B4-BE49-F238E27FC236}">
-                <a16:creationId xmlns:a16="http://schemas.microsoft.com/office/drawing/2014/main" id="{D6600F39-D50B-40E0-B05C-4BA417758BE0}"/>
-              </a:ext>
-            </a:extLst>
-          </p:cNvPr>
-          <p:cNvSpPr txBox="1"/>
-          <p:nvPr/>
-        </p:nvSpPr>
-        <p:spPr>
-          <a:xfrm>
-            <a:off x="813516" y="2135142"/>
-            <a:ext cx="10564968" cy="1703543"/>
-          </a:xfrm>
-          <a:prstGeom prst="rect">
-            <a:avLst/>
-          </a:prstGeom>
-          <a:noFill/>
-        </p:spPr>
-        <p:txBody>
-          <a:bodyPr wrap="square" rtlCol="0">
-            <a:spAutoFit/>
-          </a:bodyPr>
-          <a:lstStyle/>
-          <a:p>
-            <a:pPr algn="thaiDist">
-              <a:lnSpc>
-                <a:spcPct val="150000"/>
-              </a:lnSpc>
-            </a:pPr>
-            <a:r>
-              <a:rPr lang="en-US" dirty="0"/>
-              <a:t>They measured the performance from a successful tree construction of the proposed protocol in terms of </a:t>
-            </a:r>
-          </a:p>
-          <a:p>
-            <a:pPr marL="285750" indent="-285750" algn="thaiDist">
-              <a:lnSpc>
-                <a:spcPct val="150000"/>
-              </a:lnSpc>
-              <a:buFont typeface="Arial" panose="020B0604020202020204" pitchFamily="34" charset="0"/>
-              <a:buChar char="•"/>
-            </a:pPr>
-            <a:r>
-              <a:rPr lang="en-US" dirty="0"/>
-              <a:t>contention window size</a:t>
-            </a:r>
-          </a:p>
-          <a:p>
-            <a:pPr marL="285750" indent="-285750" algn="thaiDist">
-              <a:lnSpc>
-                <a:spcPct val="150000"/>
-              </a:lnSpc>
-              <a:buFont typeface="Arial" panose="020B0604020202020204" pitchFamily="34" charset="0"/>
-              <a:buChar char="•"/>
-            </a:pPr>
-            <a:r>
-              <a:rPr lang="en-US" dirty="0"/>
-              <a:t>successful data reception ratio at the sink after tree construction</a:t>
-            </a:r>
-          </a:p>
-          <a:p>
-            <a:pPr marL="285750" indent="-285750" algn="thaiDist">
-              <a:lnSpc>
-                <a:spcPct val="150000"/>
-              </a:lnSpc>
-              <a:buFont typeface="Arial" panose="020B0604020202020204" pitchFamily="34" charset="0"/>
-              <a:buChar char="•"/>
-            </a:pPr>
-            <a:r>
-              <a:rPr lang="en-US" dirty="0"/>
-              <a:t>the end-to-end (E2E) delay average</a:t>
-            </a:r>
-          </a:p>
-        </p:txBody>
-      </p:sp>
-    </p:spTree>
-    <p:extLst>
-      <p:ext uri="{BB962C8B-B14F-4D97-AF65-F5344CB8AC3E}">
-        <p14:creationId xmlns:p14="http://schemas.microsoft.com/office/powerpoint/2010/main" val="3582678304"/>
       </p:ext>
     </p:extLst>
   </p:cSld>
@@ -35657,6 +35906,148 @@
           <a:p>
             <a:r>
               <a:rPr lang="en-US" dirty="0"/>
+              <a:t>performance</a:t>
+            </a:r>
+            <a:endParaRPr lang="th-TH" dirty="0">
+              <a:solidFill>
+                <a:schemeClr val="tx1"/>
+              </a:solidFill>
+            </a:endParaRPr>
+          </a:p>
+        </p:txBody>
+      </p:sp>
+      <p:sp>
+        <p:nvSpPr>
+          <p:cNvPr id="6" name="TextBox 5">
+            <a:extLst>
+              <a:ext uri="{FF2B5EF4-FFF2-40B4-BE49-F238E27FC236}">
+                <a16:creationId xmlns:a16="http://schemas.microsoft.com/office/drawing/2014/main" id="{D6600F39-D50B-40E0-B05C-4BA417758BE0}"/>
+              </a:ext>
+            </a:extLst>
+          </p:cNvPr>
+          <p:cNvSpPr txBox="1"/>
+          <p:nvPr/>
+        </p:nvSpPr>
+        <p:spPr>
+          <a:xfrm>
+            <a:off x="813516" y="2135142"/>
+            <a:ext cx="10564968" cy="1703543"/>
+          </a:xfrm>
+          <a:prstGeom prst="rect">
+            <a:avLst/>
+          </a:prstGeom>
+          <a:noFill/>
+        </p:spPr>
+        <p:txBody>
+          <a:bodyPr wrap="square" rtlCol="0">
+            <a:spAutoFit/>
+          </a:bodyPr>
+          <a:lstStyle/>
+          <a:p>
+            <a:pPr algn="thaiDist">
+              <a:lnSpc>
+                <a:spcPct val="150000"/>
+              </a:lnSpc>
+            </a:pPr>
+            <a:r>
+              <a:rPr lang="en-US" dirty="0"/>
+              <a:t>They measured the performance from a successful tree construction of the proposed protocol in terms of </a:t>
+            </a:r>
+          </a:p>
+          <a:p>
+            <a:pPr marL="285750" indent="-285750" algn="thaiDist">
+              <a:lnSpc>
+                <a:spcPct val="150000"/>
+              </a:lnSpc>
+              <a:buFont typeface="Arial" panose="020B0604020202020204" pitchFamily="34" charset="0"/>
+              <a:buChar char="•"/>
+            </a:pPr>
+            <a:r>
+              <a:rPr lang="en-US" dirty="0"/>
+              <a:t>contention window size</a:t>
+            </a:r>
+          </a:p>
+          <a:p>
+            <a:pPr marL="285750" indent="-285750" algn="thaiDist">
+              <a:lnSpc>
+                <a:spcPct val="150000"/>
+              </a:lnSpc>
+              <a:buFont typeface="Arial" panose="020B0604020202020204" pitchFamily="34" charset="0"/>
+              <a:buChar char="•"/>
+            </a:pPr>
+            <a:r>
+              <a:rPr lang="en-US" dirty="0"/>
+              <a:t>successful data reception ratio at the sink after tree construction</a:t>
+            </a:r>
+          </a:p>
+          <a:p>
+            <a:pPr marL="285750" indent="-285750" algn="thaiDist">
+              <a:lnSpc>
+                <a:spcPct val="150000"/>
+              </a:lnSpc>
+              <a:buFont typeface="Arial" panose="020B0604020202020204" pitchFamily="34" charset="0"/>
+              <a:buChar char="•"/>
+            </a:pPr>
+            <a:r>
+              <a:rPr lang="en-US" dirty="0"/>
+              <a:t>the end-to-end (E2E) delay average</a:t>
+            </a:r>
+          </a:p>
+        </p:txBody>
+      </p:sp>
+    </p:spTree>
+    <p:extLst>
+      <p:ext uri="{BB962C8B-B14F-4D97-AF65-F5344CB8AC3E}">
+        <p14:creationId xmlns:p14="http://schemas.microsoft.com/office/powerpoint/2010/main" val="3582678304"/>
+      </p:ext>
+    </p:extLst>
+  </p:cSld>
+  <p:clrMapOvr>
+    <a:masterClrMapping/>
+  </p:clrMapOvr>
+</p:sld>
+</file>
+
+<file path=ppt/slides/slide51.xml><?xml version="1.0" encoding="utf-8"?>
+<p:sld xmlns:a="http://schemas.openxmlformats.org/drawingml/2006/main" xmlns:r="http://schemas.openxmlformats.org/officeDocument/2006/relationships" xmlns:p="http://schemas.openxmlformats.org/presentationml/2006/main">
+  <p:cSld>
+    <p:spTree>
+      <p:nvGrpSpPr>
+        <p:cNvPr id="1" name=""/>
+        <p:cNvGrpSpPr/>
+        <p:nvPr/>
+      </p:nvGrpSpPr>
+      <p:grpSpPr>
+        <a:xfrm>
+          <a:off x="0" y="0"/>
+          <a:ext cx="0" cy="0"/>
+          <a:chOff x="0" y="0"/>
+          <a:chExt cx="0" cy="0"/>
+        </a:xfrm>
+      </p:grpSpPr>
+      <p:sp>
+        <p:nvSpPr>
+          <p:cNvPr id="2" name="Title 1">
+            <a:extLst>
+              <a:ext uri="{FF2B5EF4-FFF2-40B4-BE49-F238E27FC236}">
+                <a16:creationId xmlns:a16="http://schemas.microsoft.com/office/drawing/2014/main" id="{08069A03-1512-4369-9FE2-D698F3178988}"/>
+              </a:ext>
+            </a:extLst>
+          </p:cNvPr>
+          <p:cNvSpPr>
+            <a:spLocks noGrp="1"/>
+          </p:cNvSpPr>
+          <p:nvPr>
+            <p:ph type="title"/>
+          </p:nvPr>
+        </p:nvSpPr>
+        <p:spPr/>
+        <p:txBody>
+          <a:bodyPr/>
+          <a:lstStyle/>
+          <a:p>
+            <a:r>
+              <a:rPr lang="en-US" dirty="0"/>
               <a:t>Scenario</a:t>
             </a:r>
             <a:endParaRPr lang="th-TH" dirty="0">
@@ -35764,7 +36155,7 @@
 </p:sld>
 </file>
 
-<file path=ppt/slides/slide51.xml><?xml version="1.0" encoding="utf-8"?>
+<file path=ppt/slides/slide52.xml><?xml version="1.0" encoding="utf-8"?>
 <p:sld xmlns:a="http://schemas.openxmlformats.org/drawingml/2006/main" xmlns:r="http://schemas.openxmlformats.org/officeDocument/2006/relationships" xmlns:p="http://schemas.openxmlformats.org/presentationml/2006/main">
   <p:cSld>
     <p:spTree>
@@ -35897,7 +36288,7 @@
 </p:sld>
 </file>
 
-<file path=ppt/slides/slide52.xml><?xml version="1.0" encoding="utf-8"?>
+<file path=ppt/slides/slide53.xml><?xml version="1.0" encoding="utf-8"?>
 <p:sld xmlns:a="http://schemas.openxmlformats.org/drawingml/2006/main" xmlns:r="http://schemas.openxmlformats.org/officeDocument/2006/relationships" xmlns:p="http://schemas.openxmlformats.org/presentationml/2006/main">
   <p:cSld>
     <p:spTree>
@@ -36054,7 +36445,7 @@
 </p:sld>
 </file>
 
-<file path=ppt/slides/slide53.xml><?xml version="1.0" encoding="utf-8"?>
+<file path=ppt/slides/slide54.xml><?xml version="1.0" encoding="utf-8"?>
 <p:sld xmlns:a="http://schemas.openxmlformats.org/drawingml/2006/main" xmlns:r="http://schemas.openxmlformats.org/officeDocument/2006/relationships" xmlns:p="http://schemas.openxmlformats.org/presentationml/2006/main">
   <p:cSld>
     <p:spTree>
@@ -36187,158 +36578,6 @@
 </p:sld>
 </file>
 
-<file path=ppt/slides/slide54.xml><?xml version="1.0" encoding="utf-8"?>
-<p:sld xmlns:a="http://schemas.openxmlformats.org/drawingml/2006/main" xmlns:r="http://schemas.openxmlformats.org/officeDocument/2006/relationships" xmlns:p="http://schemas.openxmlformats.org/presentationml/2006/main">
-  <p:cSld>
-    <p:spTree>
-      <p:nvGrpSpPr>
-        <p:cNvPr id="1" name=""/>
-        <p:cNvGrpSpPr/>
-        <p:nvPr/>
-      </p:nvGrpSpPr>
-      <p:grpSpPr>
-        <a:xfrm>
-          <a:off x="0" y="0"/>
-          <a:ext cx="0" cy="0"/>
-          <a:chOff x="0" y="0"/>
-          <a:chExt cx="0" cy="0"/>
-        </a:xfrm>
-      </p:grpSpPr>
-      <p:sp>
-        <p:nvSpPr>
-          <p:cNvPr id="2" name="Title 1">
-            <a:extLst>
-              <a:ext uri="{FF2B5EF4-FFF2-40B4-BE49-F238E27FC236}">
-                <a16:creationId xmlns:a16="http://schemas.microsoft.com/office/drawing/2014/main" id="{08069A03-1512-4369-9FE2-D698F3178988}"/>
-              </a:ext>
-            </a:extLst>
-          </p:cNvPr>
-          <p:cNvSpPr>
-            <a:spLocks noGrp="1"/>
-          </p:cNvSpPr>
-          <p:nvPr>
-            <p:ph type="title"/>
-          </p:nvPr>
-        </p:nvSpPr>
-        <p:spPr/>
-        <p:txBody>
-          <a:bodyPr/>
-          <a:lstStyle/>
-          <a:p>
-            <a:r>
-              <a:rPr lang="en-US" dirty="0"/>
-              <a:t>Conclusions</a:t>
-            </a:r>
-            <a:endParaRPr lang="th-TH" dirty="0">
-              <a:solidFill>
-                <a:schemeClr val="tx1"/>
-              </a:solidFill>
-            </a:endParaRPr>
-          </a:p>
-        </p:txBody>
-      </p:sp>
-      <p:sp>
-        <p:nvSpPr>
-          <p:cNvPr id="6" name="TextBox 5">
-            <a:extLst>
-              <a:ext uri="{FF2B5EF4-FFF2-40B4-BE49-F238E27FC236}">
-                <a16:creationId xmlns:a16="http://schemas.microsoft.com/office/drawing/2014/main" id="{D6600F39-D50B-40E0-B05C-4BA417758BE0}"/>
-              </a:ext>
-            </a:extLst>
-          </p:cNvPr>
-          <p:cNvSpPr txBox="1"/>
-          <p:nvPr/>
-        </p:nvSpPr>
-        <p:spPr>
-          <a:xfrm>
-            <a:off x="813516" y="2135142"/>
-            <a:ext cx="10564968" cy="2950038"/>
-          </a:xfrm>
-          <a:prstGeom prst="rect">
-            <a:avLst/>
-          </a:prstGeom>
-          <a:noFill/>
-        </p:spPr>
-        <p:txBody>
-          <a:bodyPr wrap="square" rtlCol="0">
-            <a:spAutoFit/>
-          </a:bodyPr>
-          <a:lstStyle/>
-          <a:p>
-            <a:pPr marL="285750" indent="-285750" algn="thaiDist">
-              <a:lnSpc>
-                <a:spcPct val="150000"/>
-              </a:lnSpc>
-              <a:buFont typeface="Arial" panose="020B0604020202020204" pitchFamily="34" charset="0"/>
-              <a:buChar char="•"/>
-            </a:pPr>
-            <a:r>
-              <a:rPr lang="en-US" dirty="0"/>
-              <a:t>This protocol is more suitable for </a:t>
-            </a:r>
-            <a:r>
-              <a:rPr lang="en-US" dirty="0" err="1"/>
-              <a:t>LoRa</a:t>
-            </a:r>
-            <a:r>
-              <a:rPr lang="en-US" dirty="0"/>
-              <a:t> communication technology because the time they transmit a packet is much longer than with other technologies in WSNs.</a:t>
-            </a:r>
-          </a:p>
-          <a:p>
-            <a:pPr marL="285750" indent="-285750" algn="thaiDist">
-              <a:lnSpc>
-                <a:spcPct val="150000"/>
-              </a:lnSpc>
-              <a:buFont typeface="Arial" panose="020B0604020202020204" pitchFamily="34" charset="0"/>
-              <a:buChar char="•"/>
-            </a:pPr>
-            <a:r>
-              <a:rPr lang="en-US" dirty="0"/>
-              <a:t>In the proposed protocol, each node can reliably transmit data by eliminating data packet collisions with neighbor nodes.</a:t>
-            </a:r>
-          </a:p>
-          <a:p>
-            <a:pPr marL="285750" indent="-285750" algn="thaiDist">
-              <a:lnSpc>
-                <a:spcPct val="150000"/>
-              </a:lnSpc>
-              <a:buFont typeface="Arial" panose="020B0604020202020204" pitchFamily="34" charset="0"/>
-              <a:buChar char="•"/>
-            </a:pPr>
-            <a:r>
-              <a:rPr lang="en-US" dirty="0"/>
-              <a:t>The experiments show that the proposed protocol has high data reliability and low latency.</a:t>
-            </a:r>
-          </a:p>
-          <a:p>
-            <a:pPr marL="285750" indent="-285750" algn="thaiDist">
-              <a:lnSpc>
-                <a:spcPct val="150000"/>
-              </a:lnSpc>
-              <a:buFont typeface="Arial" panose="020B0604020202020204" pitchFamily="34" charset="0"/>
-              <a:buChar char="•"/>
-            </a:pPr>
-            <a:r>
-              <a:rPr lang="en-US" dirty="0"/>
-              <a:t>In future research, they will analyze the energy consumption of our protocol, and improve its performance in terms of energy consumption.</a:t>
-            </a:r>
-          </a:p>
-        </p:txBody>
-      </p:sp>
-    </p:spTree>
-    <p:extLst>
-      <p:ext uri="{BB962C8B-B14F-4D97-AF65-F5344CB8AC3E}">
-        <p14:creationId xmlns:p14="http://schemas.microsoft.com/office/powerpoint/2010/main" val="4059343387"/>
-      </p:ext>
-    </p:extLst>
-  </p:cSld>
-  <p:clrMapOvr>
-    <a:masterClrMapping/>
-  </p:clrMapOvr>
-</p:sld>
-</file>
-
 <file path=ppt/slides/slide55.xml><?xml version="1.0" encoding="utf-8"?>
 <p:sld xmlns:a="http://schemas.openxmlformats.org/drawingml/2006/main" xmlns:r="http://schemas.openxmlformats.org/officeDocument/2006/relationships" xmlns:p="http://schemas.openxmlformats.org/presentationml/2006/main">
   <p:cSld>
@@ -36379,6 +36618,158 @@
           <a:p>
             <a:r>
               <a:rPr lang="en-US" dirty="0"/>
+              <a:t>Conclusions</a:t>
+            </a:r>
+            <a:endParaRPr lang="th-TH" dirty="0">
+              <a:solidFill>
+                <a:schemeClr val="tx1"/>
+              </a:solidFill>
+            </a:endParaRPr>
+          </a:p>
+        </p:txBody>
+      </p:sp>
+      <p:sp>
+        <p:nvSpPr>
+          <p:cNvPr id="6" name="TextBox 5">
+            <a:extLst>
+              <a:ext uri="{FF2B5EF4-FFF2-40B4-BE49-F238E27FC236}">
+                <a16:creationId xmlns:a16="http://schemas.microsoft.com/office/drawing/2014/main" id="{D6600F39-D50B-40E0-B05C-4BA417758BE0}"/>
+              </a:ext>
+            </a:extLst>
+          </p:cNvPr>
+          <p:cNvSpPr txBox="1"/>
+          <p:nvPr/>
+        </p:nvSpPr>
+        <p:spPr>
+          <a:xfrm>
+            <a:off x="813516" y="2135142"/>
+            <a:ext cx="10564968" cy="2950038"/>
+          </a:xfrm>
+          <a:prstGeom prst="rect">
+            <a:avLst/>
+          </a:prstGeom>
+          <a:noFill/>
+        </p:spPr>
+        <p:txBody>
+          <a:bodyPr wrap="square" rtlCol="0">
+            <a:spAutoFit/>
+          </a:bodyPr>
+          <a:lstStyle/>
+          <a:p>
+            <a:pPr marL="285750" indent="-285750" algn="thaiDist">
+              <a:lnSpc>
+                <a:spcPct val="150000"/>
+              </a:lnSpc>
+              <a:buFont typeface="Arial" panose="020B0604020202020204" pitchFamily="34" charset="0"/>
+              <a:buChar char="•"/>
+            </a:pPr>
+            <a:r>
+              <a:rPr lang="en-US" dirty="0"/>
+              <a:t>This protocol is more suitable for </a:t>
+            </a:r>
+            <a:r>
+              <a:rPr lang="en-US" dirty="0" err="1"/>
+              <a:t>LoRa</a:t>
+            </a:r>
+            <a:r>
+              <a:rPr lang="en-US" dirty="0"/>
+              <a:t> communication technology because the time they transmit a packet is much longer than with other technologies in WSNs.</a:t>
+            </a:r>
+          </a:p>
+          <a:p>
+            <a:pPr marL="285750" indent="-285750" algn="thaiDist">
+              <a:lnSpc>
+                <a:spcPct val="150000"/>
+              </a:lnSpc>
+              <a:buFont typeface="Arial" panose="020B0604020202020204" pitchFamily="34" charset="0"/>
+              <a:buChar char="•"/>
+            </a:pPr>
+            <a:r>
+              <a:rPr lang="en-US" dirty="0"/>
+              <a:t>In the proposed protocol, each node can reliably transmit data by eliminating data packet collisions with neighbor nodes.</a:t>
+            </a:r>
+          </a:p>
+          <a:p>
+            <a:pPr marL="285750" indent="-285750" algn="thaiDist">
+              <a:lnSpc>
+                <a:spcPct val="150000"/>
+              </a:lnSpc>
+              <a:buFont typeface="Arial" panose="020B0604020202020204" pitchFamily="34" charset="0"/>
+              <a:buChar char="•"/>
+            </a:pPr>
+            <a:r>
+              <a:rPr lang="en-US" dirty="0"/>
+              <a:t>The experiments show that the proposed protocol has high data reliability and low latency.</a:t>
+            </a:r>
+          </a:p>
+          <a:p>
+            <a:pPr marL="285750" indent="-285750" algn="thaiDist">
+              <a:lnSpc>
+                <a:spcPct val="150000"/>
+              </a:lnSpc>
+              <a:buFont typeface="Arial" panose="020B0604020202020204" pitchFamily="34" charset="0"/>
+              <a:buChar char="•"/>
+            </a:pPr>
+            <a:r>
+              <a:rPr lang="en-US" dirty="0"/>
+              <a:t>In future research, they will analyze the energy consumption of our protocol, and improve its performance in terms of energy consumption.</a:t>
+            </a:r>
+          </a:p>
+        </p:txBody>
+      </p:sp>
+    </p:spTree>
+    <p:extLst>
+      <p:ext uri="{BB962C8B-B14F-4D97-AF65-F5344CB8AC3E}">
+        <p14:creationId xmlns:p14="http://schemas.microsoft.com/office/powerpoint/2010/main" val="4059343387"/>
+      </p:ext>
+    </p:extLst>
+  </p:cSld>
+  <p:clrMapOvr>
+    <a:masterClrMapping/>
+  </p:clrMapOvr>
+</p:sld>
+</file>
+
+<file path=ppt/slides/slide56.xml><?xml version="1.0" encoding="utf-8"?>
+<p:sld xmlns:a="http://schemas.openxmlformats.org/drawingml/2006/main" xmlns:r="http://schemas.openxmlformats.org/officeDocument/2006/relationships" xmlns:p="http://schemas.openxmlformats.org/presentationml/2006/main">
+  <p:cSld>
+    <p:spTree>
+      <p:nvGrpSpPr>
+        <p:cNvPr id="1" name=""/>
+        <p:cNvGrpSpPr/>
+        <p:nvPr/>
+      </p:nvGrpSpPr>
+      <p:grpSpPr>
+        <a:xfrm>
+          <a:off x="0" y="0"/>
+          <a:ext cx="0" cy="0"/>
+          <a:chOff x="0" y="0"/>
+          <a:chExt cx="0" cy="0"/>
+        </a:xfrm>
+      </p:grpSpPr>
+      <p:sp>
+        <p:nvSpPr>
+          <p:cNvPr id="2" name="Title 1">
+            <a:extLst>
+              <a:ext uri="{FF2B5EF4-FFF2-40B4-BE49-F238E27FC236}">
+                <a16:creationId xmlns:a16="http://schemas.microsoft.com/office/drawing/2014/main" id="{08069A03-1512-4369-9FE2-D698F3178988}"/>
+              </a:ext>
+            </a:extLst>
+          </p:cNvPr>
+          <p:cNvSpPr>
+            <a:spLocks noGrp="1"/>
+          </p:cNvSpPr>
+          <p:nvPr>
+            <p:ph type="title"/>
+          </p:nvPr>
+        </p:nvSpPr>
+        <p:spPr/>
+        <p:txBody>
+          <a:bodyPr/>
+          <a:lstStyle/>
+          <a:p>
+            <a:r>
+              <a:rPr lang="en-US" dirty="0"/>
               <a:t>Data Transmission in the Proposed Protocol</a:t>
             </a:r>
             <a:endParaRPr lang="th-TH" dirty="0">
@@ -36442,7 +36833,7 @@
 </p:sld>
 </file>
 
-<file path=ppt/slides/slide56.xml><?xml version="1.0" encoding="utf-8"?>
+<file path=ppt/slides/slide57.xml><?xml version="1.0" encoding="utf-8"?>
 <p:sld xmlns:a="http://schemas.openxmlformats.org/drawingml/2006/main" xmlns:r="http://schemas.openxmlformats.org/officeDocument/2006/relationships" xmlns:p="http://schemas.openxmlformats.org/presentationml/2006/main">
   <p:cSld>
     <p:spTree>
@@ -36714,7 +37105,7 @@
 </p:sld>
 </file>
 
-<file path=ppt/slides/slide57.xml><?xml version="1.0" encoding="utf-8"?>
+<file path=ppt/slides/slide58.xml><?xml version="1.0" encoding="utf-8"?>
 <p:sld xmlns:a="http://schemas.openxmlformats.org/drawingml/2006/main" xmlns:r="http://schemas.openxmlformats.org/officeDocument/2006/relationships" xmlns:p="http://schemas.openxmlformats.org/presentationml/2006/main">
   <p:cSld>
     <p:spTree>
@@ -36958,7 +37349,7 @@
 </p:sld>
 </file>
 
-<file path=ppt/slides/slide58.xml><?xml version="1.0" encoding="utf-8"?>
+<file path=ppt/slides/slide59.xml><?xml version="1.0" encoding="utf-8"?>
 <p:sld xmlns:a="http://schemas.openxmlformats.org/drawingml/2006/main" xmlns:r="http://schemas.openxmlformats.org/officeDocument/2006/relationships" xmlns:p="http://schemas.openxmlformats.org/presentationml/2006/main">
   <p:cSld>
     <p:spTree>
@@ -37657,95 +38048,6 @@
     <p:extLst>
       <p:ext uri="{BB962C8B-B14F-4D97-AF65-F5344CB8AC3E}">
         <p14:creationId xmlns:p14="http://schemas.microsoft.com/office/powerpoint/2010/main" val="2830249349"/>
-      </p:ext>
-    </p:extLst>
-  </p:cSld>
-  <p:clrMapOvr>
-    <a:masterClrMapping/>
-  </p:clrMapOvr>
-</p:sld>
-</file>
-
-<file path=ppt/slides/slide59.xml><?xml version="1.0" encoding="utf-8"?>
-<p:sld xmlns:a="http://schemas.openxmlformats.org/drawingml/2006/main" xmlns:r="http://schemas.openxmlformats.org/officeDocument/2006/relationships" xmlns:p="http://schemas.openxmlformats.org/presentationml/2006/main">
-  <p:cSld>
-    <p:spTree>
-      <p:nvGrpSpPr>
-        <p:cNvPr id="1" name=""/>
-        <p:cNvGrpSpPr/>
-        <p:nvPr/>
-      </p:nvGrpSpPr>
-      <p:grpSpPr>
-        <a:xfrm>
-          <a:off x="0" y="0"/>
-          <a:ext cx="0" cy="0"/>
-          <a:chOff x="0" y="0"/>
-          <a:chExt cx="0" cy="0"/>
-        </a:xfrm>
-      </p:grpSpPr>
-      <p:sp>
-        <p:nvSpPr>
-          <p:cNvPr id="2" name="Title 1">
-            <a:extLst>
-              <a:ext uri="{FF2B5EF4-FFF2-40B4-BE49-F238E27FC236}">
-                <a16:creationId xmlns:a16="http://schemas.microsoft.com/office/drawing/2014/main" id="{5E562972-3449-42D1-8185-B4BEFD52AB44}"/>
-              </a:ext>
-            </a:extLst>
-          </p:cNvPr>
-          <p:cNvSpPr>
-            <a:spLocks noGrp="1"/>
-          </p:cNvSpPr>
-          <p:nvPr>
-            <p:ph type="title"/>
-          </p:nvPr>
-        </p:nvSpPr>
-        <p:spPr/>
-        <p:txBody>
-          <a:bodyPr/>
-          <a:lstStyle/>
-          <a:p>
-            <a:r>
-              <a:rPr lang="en-US" dirty="0"/>
-              <a:t>Title Lorem Ipsum Dolor Sit Amet</a:t>
-            </a:r>
-          </a:p>
-        </p:txBody>
-      </p:sp>
-      <p:graphicFrame>
-        <p:nvGraphicFramePr>
-          <p:cNvPr id="4" name="Content Placeholder 2" descr="timeline">
-            <a:extLst>
-              <a:ext uri="{FF2B5EF4-FFF2-40B4-BE49-F238E27FC236}">
-                <a16:creationId xmlns:a16="http://schemas.microsoft.com/office/drawing/2014/main" id="{FF3F0D82-0AA6-45C3-8367-955CBFA02ED6}"/>
-              </a:ext>
-            </a:extLst>
-          </p:cNvPr>
-          <p:cNvGraphicFramePr>
-            <a:graphicFrameLocks noGrp="1"/>
-          </p:cNvGraphicFramePr>
-          <p:nvPr>
-            <p:ph idx="1"/>
-            <p:extLst>
-              <p:ext uri="{D42A27DB-BD31-4B8C-83A1-F6EECF244321}">
-                <p14:modId xmlns:p14="http://schemas.microsoft.com/office/powerpoint/2010/main" val="2834250016"/>
-              </p:ext>
-            </p:extLst>
-          </p:nvPr>
-        </p:nvGraphicFramePr>
-        <p:xfrm>
-          <a:off x="581025" y="2341563"/>
-          <a:ext cx="11029950" cy="3633787"/>
-        </p:xfrm>
-        <a:graphic>
-          <a:graphicData uri="http://schemas.openxmlformats.org/drawingml/2006/diagram">
-            <dgm:relIds xmlns:dgm="http://schemas.openxmlformats.org/drawingml/2006/diagram" xmlns:r="http://schemas.openxmlformats.org/officeDocument/2006/relationships" r:dm="rId2" r:lo="rId3" r:qs="rId4" r:cs="rId5"/>
-          </a:graphicData>
-        </a:graphic>
-      </p:graphicFrame>
-    </p:spTree>
-    <p:extLst>
-      <p:ext uri="{BB962C8B-B14F-4D97-AF65-F5344CB8AC3E}">
-        <p14:creationId xmlns:p14="http://schemas.microsoft.com/office/powerpoint/2010/main" val="263784652"/>
       </p:ext>
     </p:extLst>
   </p:cSld>
@@ -38320,6 +38622,95 @@
     <p:extLst>
       <p:ext uri="{BB962C8B-B14F-4D97-AF65-F5344CB8AC3E}">
         <p14:creationId xmlns:p14="http://schemas.microsoft.com/office/powerpoint/2010/main" val="936427018"/>
+      </p:ext>
+    </p:extLst>
+  </p:cSld>
+  <p:clrMapOvr>
+    <a:masterClrMapping/>
+  </p:clrMapOvr>
+</p:sld>
+</file>
+
+<file path=ppt/slides/slide60.xml><?xml version="1.0" encoding="utf-8"?>
+<p:sld xmlns:a="http://schemas.openxmlformats.org/drawingml/2006/main" xmlns:r="http://schemas.openxmlformats.org/officeDocument/2006/relationships" xmlns:p="http://schemas.openxmlformats.org/presentationml/2006/main">
+  <p:cSld>
+    <p:spTree>
+      <p:nvGrpSpPr>
+        <p:cNvPr id="1" name=""/>
+        <p:cNvGrpSpPr/>
+        <p:nvPr/>
+      </p:nvGrpSpPr>
+      <p:grpSpPr>
+        <a:xfrm>
+          <a:off x="0" y="0"/>
+          <a:ext cx="0" cy="0"/>
+          <a:chOff x="0" y="0"/>
+          <a:chExt cx="0" cy="0"/>
+        </a:xfrm>
+      </p:grpSpPr>
+      <p:sp>
+        <p:nvSpPr>
+          <p:cNvPr id="2" name="Title 1">
+            <a:extLst>
+              <a:ext uri="{FF2B5EF4-FFF2-40B4-BE49-F238E27FC236}">
+                <a16:creationId xmlns:a16="http://schemas.microsoft.com/office/drawing/2014/main" id="{5E562972-3449-42D1-8185-B4BEFD52AB44}"/>
+              </a:ext>
+            </a:extLst>
+          </p:cNvPr>
+          <p:cNvSpPr>
+            <a:spLocks noGrp="1"/>
+          </p:cNvSpPr>
+          <p:nvPr>
+            <p:ph type="title"/>
+          </p:nvPr>
+        </p:nvSpPr>
+        <p:spPr/>
+        <p:txBody>
+          <a:bodyPr/>
+          <a:lstStyle/>
+          <a:p>
+            <a:r>
+              <a:rPr lang="en-US" dirty="0"/>
+              <a:t>Title Lorem Ipsum Dolor Sit Amet</a:t>
+            </a:r>
+          </a:p>
+        </p:txBody>
+      </p:sp>
+      <p:graphicFrame>
+        <p:nvGraphicFramePr>
+          <p:cNvPr id="4" name="Content Placeholder 2" descr="timeline">
+            <a:extLst>
+              <a:ext uri="{FF2B5EF4-FFF2-40B4-BE49-F238E27FC236}">
+                <a16:creationId xmlns:a16="http://schemas.microsoft.com/office/drawing/2014/main" id="{FF3F0D82-0AA6-45C3-8367-955CBFA02ED6}"/>
+              </a:ext>
+            </a:extLst>
+          </p:cNvPr>
+          <p:cNvGraphicFramePr>
+            <a:graphicFrameLocks noGrp="1"/>
+          </p:cNvGraphicFramePr>
+          <p:nvPr>
+            <p:ph idx="1"/>
+            <p:extLst>
+              <p:ext uri="{D42A27DB-BD31-4B8C-83A1-F6EECF244321}">
+                <p14:modId xmlns:p14="http://schemas.microsoft.com/office/powerpoint/2010/main" val="2834250016"/>
+              </p:ext>
+            </p:extLst>
+          </p:nvPr>
+        </p:nvGraphicFramePr>
+        <p:xfrm>
+          <a:off x="581025" y="2341563"/>
+          <a:ext cx="11029950" cy="3633787"/>
+        </p:xfrm>
+        <a:graphic>
+          <a:graphicData uri="http://schemas.openxmlformats.org/drawingml/2006/diagram">
+            <dgm:relIds xmlns:dgm="http://schemas.openxmlformats.org/drawingml/2006/diagram" xmlns:r="http://schemas.openxmlformats.org/officeDocument/2006/relationships" r:dm="rId2" r:lo="rId3" r:qs="rId4" r:cs="rId5"/>
+          </a:graphicData>
+        </a:graphic>
+      </p:graphicFrame>
+    </p:spTree>
+    <p:extLst>
+      <p:ext uri="{BB962C8B-B14F-4D97-AF65-F5344CB8AC3E}">
+        <p14:creationId xmlns:p14="http://schemas.microsoft.com/office/powerpoint/2010/main" val="263784652"/>
       </p:ext>
     </p:extLst>
   </p:cSld>
@@ -38884,6 +39275,53 @@
           <a:chExt cx="0" cy="0"/>
         </a:xfrm>
       </p:grpSpPr>
+      <p:pic>
+        <p:nvPicPr>
+          <p:cNvPr id="13314" name="Picture 2" descr="Image result for basket market analysis">
+            <a:extLst>
+              <a:ext uri="{FF2B5EF4-FFF2-40B4-BE49-F238E27FC236}">
+                <a16:creationId xmlns:a16="http://schemas.microsoft.com/office/drawing/2014/main" id="{B1FB7F14-B623-42F4-AA94-D5794DC0334D}"/>
+              </a:ext>
+            </a:extLst>
+          </p:cNvPr>
+          <p:cNvPicPr>
+            <a:picLocks noChangeAspect="1" noChangeArrowheads="1"/>
+          </p:cNvPicPr>
+          <p:nvPr/>
+        </p:nvPicPr>
+        <p:blipFill>
+          <a:blip r:embed="rId3">
+            <a:extLst>
+              <a:ext uri="{28A0092B-C50C-407E-A947-70E740481C1C}">
+                <a14:useLocalDpi xmlns:a14="http://schemas.microsoft.com/office/drawing/2010/main" val="0"/>
+              </a:ext>
+            </a:extLst>
+          </a:blip>
+          <a:srcRect/>
+          <a:stretch>
+            <a:fillRect/>
+          </a:stretch>
+        </p:blipFill>
+        <p:spPr bwMode="auto">
+          <a:xfrm>
+            <a:off x="3090661" y="3543686"/>
+            <a:ext cx="6010676" cy="3155605"/>
+          </a:xfrm>
+          <a:prstGeom prst="rect">
+            <a:avLst/>
+          </a:prstGeom>
+          <a:noFill/>
+          <a:extLst>
+            <a:ext uri="{909E8E84-426E-40DD-AFC4-6F175D3DCCD1}">
+              <a14:hiddenFill xmlns:a14="http://schemas.microsoft.com/office/drawing/2010/main">
+                <a:solidFill>
+                  <a:srgbClr val="FFFFFF"/>
+                </a:solidFill>
+              </a14:hiddenFill>
+            </a:ext>
+          </a:extLst>
+        </p:spPr>
+      </p:pic>
       <p:sp>
         <p:nvSpPr>
           <p:cNvPr id="2" name="Title 1">
@@ -38911,7 +39349,7 @@
                   <a:schemeClr val="tx1"/>
                 </a:solidFill>
               </a:rPr>
-              <a:t>Association rules mining</a:t>
+              <a:t>Introduction</a:t>
             </a:r>
             <a:endParaRPr lang="th-TH" dirty="0">
               <a:solidFill>
@@ -38923,10 +39361,10 @@
       </p:sp>
       <p:sp>
         <p:nvSpPr>
-          <p:cNvPr id="5" name="TextBox 4">
+          <p:cNvPr id="6" name="TextBox 5">
             <a:extLst>
               <a:ext uri="{FF2B5EF4-FFF2-40B4-BE49-F238E27FC236}">
-                <a16:creationId xmlns:a16="http://schemas.microsoft.com/office/drawing/2014/main" id="{AB89E2D2-4159-4D0B-B77D-C5B9DFEC4F19}"/>
+                <a16:creationId xmlns:a16="http://schemas.microsoft.com/office/drawing/2014/main" id="{D6600F39-D50B-40E0-B05C-4BA417758BE0}"/>
               </a:ext>
             </a:extLst>
           </p:cNvPr>
@@ -38935,8 +39373,8 @@
         </p:nvSpPr>
         <p:spPr>
           <a:xfrm>
-            <a:off x="1543423" y="1977503"/>
-            <a:ext cx="9105153" cy="3889526"/>
+            <a:off x="1015109" y="2483318"/>
+            <a:ext cx="10161781" cy="1200329"/>
           </a:xfrm>
           <a:prstGeom prst="rect">
             <a:avLst/>
@@ -38949,163 +39387,165 @@
           </a:bodyPr>
           <a:lstStyle/>
           <a:p>
-            <a:pPr algn="thaiDist">
-              <a:lnSpc>
-                <a:spcPct val="150000"/>
-              </a:lnSpc>
-              <a:spcBef>
-                <a:spcPts val="600"/>
-              </a:spcBef>
-              <a:spcAft>
-                <a:spcPts val="1200"/>
-              </a:spcAft>
-            </a:pPr>
-            <a:r>
-              <a:rPr lang="en-US" b="0" i="0" dirty="0">
+            <a:pPr algn="thaiDist"/>
+            <a:r>
+              <a:rPr lang="en-US" sz="2400" b="0" i="0" dirty="0">
                 <a:solidFill>
                   <a:srgbClr val="111111"/>
                 </a:solidFill>
                 <a:effectLst/>
                 <a:latin typeface="Open Sans"/>
               </a:rPr>
-              <a:t>	Association Rule Mining (ARM) is one of the ways to find patterns among items over transactional databases.</a:t>
-            </a:r>
-          </a:p>
-          <a:p>
-            <a:pPr algn="thaiDist">
-              <a:lnSpc>
-                <a:spcPct val="150000"/>
-              </a:lnSpc>
-              <a:spcBef>
-                <a:spcPts val="600"/>
-              </a:spcBef>
-              <a:spcAft>
-                <a:spcPts val="1200"/>
-              </a:spcAft>
-            </a:pPr>
-            <a:r>
-              <a:rPr lang="en-US" dirty="0">
+              <a:t>While we may know that there are measurements for analysis {</a:t>
+            </a:r>
+            <a:r>
+              <a:rPr lang="en-US" sz="2400" i="0" dirty="0">
                 <a:solidFill>
                   <a:srgbClr val="111111"/>
                 </a:solidFill>
+                <a:effectLst/>
                 <a:latin typeface="Open Sans"/>
               </a:rPr>
-              <a:t>	The most used algorithms to deal with ARMs are APRIORI (Agrawal and Srikant, 1994). It can generate</a:t>
-            </a:r>
-            <a:r>
-              <a:rPr lang="en-US" b="1" dirty="0">
+              <a:t>X-&gt;Y</a:t>
+            </a:r>
+            <a:r>
+              <a:rPr lang="en-US" sz="2400" b="0" i="0" dirty="0">
                 <a:solidFill>
                   <a:srgbClr val="111111"/>
                 </a:solidFill>
+                <a:effectLst/>
                 <a:latin typeface="Open Sans"/>
               </a:rPr>
-              <a:t> </a:t>
-            </a:r>
-            <a:r>
-              <a:rPr lang="en-US" b="1" u="sng" dirty="0">
+              <a:t>} or the </a:t>
+            </a:r>
+            <a:r>
+              <a:rPr lang="en-US" sz="2400" b="1" i="0" u="sng" dirty="0">
                 <a:solidFill>
                   <a:srgbClr val="111111"/>
                 </a:solidFill>
+                <a:effectLst/>
                 <a:latin typeface="Open Sans"/>
               </a:rPr>
-              <a:t>frequent item-sets</a:t>
-            </a:r>
-            <a:r>
-              <a:rPr lang="en-US" b="1" dirty="0">
+              <a:t>frequent </a:t>
+            </a:r>
+            <a:r>
+              <a:rPr lang="en-US" sz="2400" b="1" i="0" u="sng" dirty="0" err="1">
                 <a:solidFill>
                   <a:srgbClr val="111111"/>
                 </a:solidFill>
+                <a:effectLst/>
                 <a:latin typeface="Open Sans"/>
               </a:rPr>
-              <a:t> </a:t>
-            </a:r>
-            <a:r>
-              <a:rPr lang="en-US" dirty="0">
+              <a:t>itemsets</a:t>
+            </a:r>
+            <a:r>
+              <a:rPr lang="en-US" sz="2400" b="0" i="0" dirty="0">
                 <a:solidFill>
                   <a:srgbClr val="111111"/>
                 </a:solidFill>
+                <a:effectLst/>
                 <a:latin typeface="Open Sans"/>
               </a:rPr>
-              <a:t>from which association rules are built.</a:t>
-            </a:r>
-          </a:p>
-          <a:p>
-            <a:pPr algn="thaiDist">
-              <a:lnSpc>
-                <a:spcPct val="150000"/>
-              </a:lnSpc>
-              <a:spcBef>
-                <a:spcPts val="600"/>
-              </a:spcBef>
-              <a:spcAft>
-                <a:spcPts val="1200"/>
-              </a:spcAft>
-            </a:pPr>
-            <a:r>
-              <a:rPr lang="en-US" dirty="0">
+              <a:t>.</a:t>
+            </a:r>
+          </a:p>
+          <a:p>
+            <a:pPr algn="thaiDist"/>
+            <a:r>
+              <a:rPr lang="en-US" sz="2400" b="0" i="0" dirty="0">
                 <a:solidFill>
                   <a:srgbClr val="111111"/>
                 </a:solidFill>
+                <a:effectLst/>
                 <a:latin typeface="Open Sans"/>
               </a:rPr>
-              <a:t>	This algorithm is composed of two phases.</a:t>
-            </a:r>
-          </a:p>
-          <a:p>
-            <a:pPr marL="342900" indent="-342900" algn="thaiDist">
-              <a:lnSpc>
-                <a:spcPct val="150000"/>
-              </a:lnSpc>
-              <a:spcBef>
-                <a:spcPts val="600"/>
-              </a:spcBef>
-              <a:spcAft>
-                <a:spcPts val="1200"/>
-              </a:spcAft>
-              <a:buFont typeface="+mj-lt"/>
-              <a:buAutoNum type="arabicPeriod"/>
-            </a:pPr>
-            <a:r>
-              <a:rPr lang="en-US" dirty="0">
+              <a:t>the question is, how do we generate </a:t>
+            </a:r>
+            <a:r>
+              <a:rPr lang="en-US" sz="2400" b="1" i="0" u="sng" dirty="0">
                 <a:solidFill>
                   <a:srgbClr val="111111"/>
                 </a:solidFill>
+                <a:effectLst/>
                 <a:latin typeface="Open Sans"/>
               </a:rPr>
-              <a:t>Generates frequent item-sets. </a:t>
-            </a:r>
-          </a:p>
-          <a:p>
-            <a:pPr marL="342900" indent="-342900" algn="thaiDist">
-              <a:lnSpc>
-                <a:spcPct val="150000"/>
-              </a:lnSpc>
-              <a:spcBef>
-                <a:spcPts val="600"/>
-              </a:spcBef>
-              <a:spcAft>
-                <a:spcPts val="1200"/>
-              </a:spcAft>
-              <a:buFont typeface="+mj-lt"/>
-              <a:buAutoNum type="arabicPeriod"/>
-            </a:pPr>
-            <a:r>
-              <a:rPr lang="en-US" dirty="0">
+              <a:t>frequent </a:t>
+            </a:r>
+            <a:r>
+              <a:rPr lang="en-US" sz="2400" b="1" i="0" u="sng" dirty="0" err="1">
                 <a:solidFill>
                   <a:srgbClr val="111111"/>
                 </a:solidFill>
+                <a:effectLst/>
                 <a:latin typeface="Open Sans"/>
               </a:rPr>
-              <a:t>Extracts association rules from those item-sets. </a:t>
-            </a:r>
-            <a:endParaRPr lang="th-TH" dirty="0"/>
+              <a:t>itemsets</a:t>
+            </a:r>
+            <a:r>
+              <a:rPr lang="en-US" sz="2400" b="0" i="0" dirty="0">
+                <a:solidFill>
+                  <a:srgbClr val="111111"/>
+                </a:solidFill>
+                <a:effectLst/>
+                <a:latin typeface="Open Sans"/>
+              </a:rPr>
+              <a:t>?</a:t>
+            </a:r>
+            <a:endParaRPr lang="th-TH" sz="2400" dirty="0"/>
           </a:p>
         </p:txBody>
       </p:sp>
+      <p:pic>
+        <p:nvPicPr>
+          <p:cNvPr id="1026" name="Picture 2">
+            <a:extLst>
+              <a:ext uri="{FF2B5EF4-FFF2-40B4-BE49-F238E27FC236}">
+                <a16:creationId xmlns:a16="http://schemas.microsoft.com/office/drawing/2014/main" id="{7BAD8D47-A740-4095-9800-0EABAC8DC900}"/>
+              </a:ext>
+            </a:extLst>
+          </p:cNvPr>
+          <p:cNvPicPr>
+            <a:picLocks noChangeAspect="1" noChangeArrowheads="1"/>
+          </p:cNvPicPr>
+          <p:nvPr/>
+        </p:nvPicPr>
+        <p:blipFill>
+          <a:blip r:embed="rId4">
+            <a:extLst>
+              <a:ext uri="{28A0092B-C50C-407E-A947-70E740481C1C}">
+                <a14:useLocalDpi xmlns:a14="http://schemas.microsoft.com/office/drawing/2010/main" val="0"/>
+              </a:ext>
+            </a:extLst>
+          </a:blip>
+          <a:srcRect/>
+          <a:stretch>
+            <a:fillRect/>
+          </a:stretch>
+        </p:blipFill>
+        <p:spPr bwMode="auto">
+          <a:xfrm>
+            <a:off x="1015108" y="4078914"/>
+            <a:ext cx="2687806" cy="1622418"/>
+          </a:xfrm>
+          <a:prstGeom prst="rect">
+            <a:avLst/>
+          </a:prstGeom>
+          <a:noFill/>
+          <a:extLst>
+            <a:ext uri="{909E8E84-426E-40DD-AFC4-6F175D3DCCD1}">
+              <a14:hiddenFill xmlns:a14="http://schemas.microsoft.com/office/drawing/2010/main">
+                <a:solidFill>
+                  <a:srgbClr val="FFFFFF"/>
+                </a:solidFill>
+              </a14:hiddenFill>
+            </a:ext>
+          </a:extLst>
+        </p:spPr>
+      </p:pic>
     </p:spTree>
     <p:extLst>
       <p:ext uri="{BB962C8B-B14F-4D97-AF65-F5344CB8AC3E}">
-        <p14:creationId xmlns:p14="http://schemas.microsoft.com/office/powerpoint/2010/main" val="902584907"/>
+        <p14:creationId xmlns:p14="http://schemas.microsoft.com/office/powerpoint/2010/main" val="2708805084"/>
       </p:ext>
     </p:extLst>
   </p:cSld>
@@ -39183,8 +39623,8 @@
         </p:nvSpPr>
         <p:spPr>
           <a:xfrm>
-            <a:off x="1424885" y="1977503"/>
-            <a:ext cx="9342229" cy="456215"/>
+            <a:off x="1543423" y="1977503"/>
+            <a:ext cx="9105153" cy="3889526"/>
           </a:xfrm>
           <a:prstGeom prst="rect">
             <a:avLst/>
@@ -39216,8 +39656,21 @@
                 <a:effectLst/>
                 <a:latin typeface="Open Sans"/>
               </a:rPr>
-              <a:t>	</a:t>
-            </a:r>
+              <a:t>	Association Rule Mining (ARM) is one of the ways to find patterns among items over transactional databases.</a:t>
+            </a:r>
+          </a:p>
+          <a:p>
+            <a:pPr algn="thaiDist">
+              <a:lnSpc>
+                <a:spcPct val="150000"/>
+              </a:lnSpc>
+              <a:spcBef>
+                <a:spcPts val="600"/>
+              </a:spcBef>
+              <a:spcAft>
+                <a:spcPts val="1200"/>
+              </a:spcAft>
+            </a:pPr>
             <a:r>
               <a:rPr lang="en-US" dirty="0">
                 <a:solidFill>
@@ -39225,146 +39678,44 @@
                 </a:solidFill>
                 <a:latin typeface="Open Sans"/>
               </a:rPr>
-              <a:t>APRIORI (Agrawal and Srikant, 1994) Generates frequent item-sets.</a:t>
-            </a:r>
-          </a:p>
-        </p:txBody>
-      </p:sp>
-      <p:pic>
-        <p:nvPicPr>
-          <p:cNvPr id="7170" name="Picture 2">
-            <a:extLst>
-              <a:ext uri="{FF2B5EF4-FFF2-40B4-BE49-F238E27FC236}">
-                <a16:creationId xmlns:a16="http://schemas.microsoft.com/office/drawing/2014/main" id="{13EDD5BD-9BF7-4B6E-8CDC-035947D78E86}"/>
-              </a:ext>
-            </a:extLst>
-          </p:cNvPr>
-          <p:cNvPicPr>
-            <a:picLocks noChangeAspect="1" noChangeArrowheads="1" noCrop="1"/>
-          </p:cNvPicPr>
-          <p:nvPr/>
-        </p:nvPicPr>
-        <p:blipFill>
-          <a:blip r:embed="rId3">
-            <a:extLst>
-              <a:ext uri="{28A0092B-C50C-407E-A947-70E740481C1C}">
-                <a14:useLocalDpi xmlns:a14="http://schemas.microsoft.com/office/drawing/2010/main" val="0"/>
-              </a:ext>
-            </a:extLst>
-          </a:blip>
-          <a:srcRect/>
-          <a:stretch>
-            <a:fillRect/>
-          </a:stretch>
-        </p:blipFill>
-        <p:spPr bwMode="auto">
-          <a:xfrm>
-            <a:off x="2925273" y="2537336"/>
-            <a:ext cx="6341453" cy="4182177"/>
-          </a:xfrm>
-          <a:prstGeom prst="rect">
-            <a:avLst/>
-          </a:prstGeom>
-          <a:noFill/>
-          <a:extLst>
-            <a:ext uri="{909E8E84-426E-40DD-AFC4-6F175D3DCCD1}">
-              <a14:hiddenFill xmlns:a14="http://schemas.microsoft.com/office/drawing/2010/main">
+              <a:t>	The most used algorithms to deal with ARMs are APRIORI (Agrawal and Srikant, 1994). It can generate</a:t>
+            </a:r>
+            <a:r>
+              <a:rPr lang="en-US" b="1" dirty="0">
                 <a:solidFill>
-                  <a:srgbClr val="FFFFFF"/>
+                  <a:srgbClr val="111111"/>
                 </a:solidFill>
-              </a14:hiddenFill>
-            </a:ext>
-          </a:extLst>
-        </p:spPr>
-      </p:pic>
-      <p:sp>
-        <p:nvSpPr>
-          <p:cNvPr id="3" name="Oval 2">
-            <a:extLst>
-              <a:ext uri="{FF2B5EF4-FFF2-40B4-BE49-F238E27FC236}">
-                <a16:creationId xmlns:a16="http://schemas.microsoft.com/office/drawing/2014/main" id="{2FA40E10-11D6-48B8-BD7D-B56224FC2C1A}"/>
-              </a:ext>
-            </a:extLst>
-          </p:cNvPr>
-          <p:cNvSpPr/>
-          <p:nvPr/>
-        </p:nvSpPr>
-        <p:spPr>
-          <a:xfrm rot="18283636">
-            <a:off x="6156876" y="1834194"/>
-            <a:ext cx="2386843" cy="4443786"/>
-          </a:xfrm>
-          <a:prstGeom prst="ellipse">
-            <a:avLst/>
-          </a:prstGeom>
-          <a:noFill/>
-        </p:spPr>
-        <p:style>
-          <a:lnRef idx="2">
-            <a:schemeClr val="accent3"/>
-          </a:lnRef>
-          <a:fillRef idx="1">
-            <a:schemeClr val="lt1"/>
-          </a:fillRef>
-          <a:effectRef idx="0">
-            <a:schemeClr val="accent3"/>
-          </a:effectRef>
-          <a:fontRef idx="minor">
-            <a:schemeClr val="dk1"/>
-          </a:fontRef>
-        </p:style>
-        <p:txBody>
-          <a:bodyPr rtlCol="0" anchor="ctr"/>
-          <a:lstStyle/>
-          <a:p>
-            <a:pPr algn="ctr"/>
-            <a:endParaRPr lang="th-TH"/>
-          </a:p>
-        </p:txBody>
-      </p:sp>
-      <p:sp>
-        <p:nvSpPr>
-          <p:cNvPr id="4" name="Speech Bubble: Rectangle 3">
-            <a:extLst>
-              <a:ext uri="{FF2B5EF4-FFF2-40B4-BE49-F238E27FC236}">
-                <a16:creationId xmlns:a16="http://schemas.microsoft.com/office/drawing/2014/main" id="{19FA49A9-E341-4018-8A3F-95D8A3238EA2}"/>
-              </a:ext>
-            </a:extLst>
-          </p:cNvPr>
-          <p:cNvSpPr/>
-          <p:nvPr/>
-        </p:nvSpPr>
-        <p:spPr>
-          <a:xfrm>
-            <a:off x="9266726" y="2887579"/>
-            <a:ext cx="1500388" cy="693019"/>
-          </a:xfrm>
-          <a:prstGeom prst="wedgeRectCallout">
-            <a:avLst>
-              <a:gd name="adj1" fmla="val -63815"/>
-              <a:gd name="adj2" fmla="val 83333"/>
-            </a:avLst>
-          </a:prstGeom>
-        </p:spPr>
-        <p:style>
-          <a:lnRef idx="2">
-            <a:schemeClr val="accent3"/>
-          </a:lnRef>
-          <a:fillRef idx="1">
-            <a:schemeClr val="lt1"/>
-          </a:fillRef>
-          <a:effectRef idx="0">
-            <a:schemeClr val="accent3"/>
-          </a:effectRef>
-          <a:fontRef idx="minor">
-            <a:schemeClr val="dk1"/>
-          </a:fontRef>
-        </p:style>
-        <p:txBody>
-          <a:bodyPr rtlCol="0" anchor="ctr"/>
-          <a:lstStyle/>
-          <a:p>
-            <a:pPr algn="ctr"/>
+                <a:latin typeface="Open Sans"/>
+              </a:rPr>
+              <a:t> </a:t>
+            </a:r>
+            <a:r>
+              <a:rPr lang="en-US" b="1" u="sng" dirty="0">
+                <a:solidFill>
+                  <a:srgbClr val="111111"/>
+                </a:solidFill>
+                <a:latin typeface="Open Sans"/>
+              </a:rPr>
+              <a:t>frequent </a:t>
+            </a:r>
+            <a:r>
+              <a:rPr lang="en-US" b="1" u="sng" dirty="0" err="1">
+                <a:solidFill>
+                  <a:srgbClr val="111111"/>
+                </a:solidFill>
+                <a:latin typeface="Open Sans"/>
+              </a:rPr>
+              <a:t>itemsets</a:t>
+            </a:r>
+            <a:r>
+              <a:rPr lang="en-US" b="1" dirty="0">
+                <a:solidFill>
+                  <a:srgbClr val="111111"/>
+                </a:solidFill>
+                <a:latin typeface="Open Sans"/>
+              </a:rPr>
+              <a:t> </a:t>
+            </a:r>
             <a:r>
               <a:rPr lang="en-US" dirty="0">
                 <a:solidFill>
@@ -39372,7 +39723,113 @@
                 </a:solidFill>
                 <a:latin typeface="Open Sans"/>
               </a:rPr>
-              <a:t>frequent item-sets</a:t>
+              <a:t>from which association rules are built.</a:t>
+            </a:r>
+          </a:p>
+          <a:p>
+            <a:pPr algn="thaiDist">
+              <a:lnSpc>
+                <a:spcPct val="150000"/>
+              </a:lnSpc>
+              <a:spcBef>
+                <a:spcPts val="600"/>
+              </a:spcBef>
+              <a:spcAft>
+                <a:spcPts val="1200"/>
+              </a:spcAft>
+            </a:pPr>
+            <a:r>
+              <a:rPr lang="en-US" dirty="0">
+                <a:solidFill>
+                  <a:srgbClr val="111111"/>
+                </a:solidFill>
+                <a:latin typeface="Open Sans"/>
+              </a:rPr>
+              <a:t>	This algorithm is composed of two phases.</a:t>
+            </a:r>
+          </a:p>
+          <a:p>
+            <a:pPr marL="342900" indent="-342900" algn="thaiDist">
+              <a:lnSpc>
+                <a:spcPct val="150000"/>
+              </a:lnSpc>
+              <a:spcBef>
+                <a:spcPts val="600"/>
+              </a:spcBef>
+              <a:spcAft>
+                <a:spcPts val="1200"/>
+              </a:spcAft>
+              <a:buFont typeface="+mj-lt"/>
+              <a:buAutoNum type="arabicPeriod"/>
+            </a:pPr>
+            <a:r>
+              <a:rPr lang="en-US" dirty="0">
+                <a:solidFill>
+                  <a:srgbClr val="111111"/>
+                </a:solidFill>
+                <a:latin typeface="Open Sans"/>
+              </a:rPr>
+              <a:t>Generates frequent </a:t>
+            </a:r>
+            <a:r>
+              <a:rPr lang="en-US" dirty="0" err="1">
+                <a:solidFill>
+                  <a:srgbClr val="111111"/>
+                </a:solidFill>
+                <a:latin typeface="Open Sans"/>
+              </a:rPr>
+              <a:t>itemsets</a:t>
+            </a:r>
+            <a:r>
+              <a:rPr lang="en-US" dirty="0">
+                <a:solidFill>
+                  <a:srgbClr val="111111"/>
+                </a:solidFill>
+                <a:latin typeface="Open Sans"/>
+              </a:rPr>
+              <a:t>. </a:t>
+            </a:r>
+          </a:p>
+          <a:p>
+            <a:pPr marL="342900" indent="-342900" algn="thaiDist">
+              <a:lnSpc>
+                <a:spcPct val="150000"/>
+              </a:lnSpc>
+              <a:spcBef>
+                <a:spcPts val="600"/>
+              </a:spcBef>
+              <a:spcAft>
+                <a:spcPts val="1200"/>
+              </a:spcAft>
+              <a:buFont typeface="+mj-lt"/>
+              <a:buAutoNum type="arabicPeriod"/>
+            </a:pPr>
+            <a:r>
+              <a:rPr lang="en-US" dirty="0">
+                <a:solidFill>
+                  <a:srgbClr val="111111"/>
+                </a:solidFill>
+                <a:latin typeface="Open Sans"/>
+              </a:rPr>
+              <a:t>Extracts association rules from those </a:t>
+            </a:r>
+            <a:r>
+              <a:rPr lang="en-US" dirty="0" err="1">
+                <a:solidFill>
+                  <a:srgbClr val="111111"/>
+                </a:solidFill>
+                <a:latin typeface="Open Sans"/>
+              </a:rPr>
+              <a:t>itemsets</a:t>
+            </a:r>
+            <a:r>
+              <a:rPr lang="en-US" dirty="0">
+                <a:solidFill>
+                  <a:srgbClr val="111111"/>
+                </a:solidFill>
+                <a:latin typeface="Open Sans"/>
+              </a:rPr>
+              <a:t>. </a:t>
             </a:r>
             <a:endParaRPr lang="th-TH" dirty="0"/>
           </a:p>
@@ -39381,7 +39838,7 @@
     </p:spTree>
     <p:extLst>
       <p:ext uri="{BB962C8B-B14F-4D97-AF65-F5344CB8AC3E}">
-        <p14:creationId xmlns:p14="http://schemas.microsoft.com/office/powerpoint/2010/main" val="2661068576"/>
+        <p14:creationId xmlns:p14="http://schemas.microsoft.com/office/powerpoint/2010/main" val="902584907"/>
       </p:ext>
     </p:extLst>
   </p:cSld>
@@ -39956,6 +40413,24 @@
 </file>
 
 <file path=customXml/item1.xml><?xml version="1.0" encoding="utf-8"?>
+<p:properties xmlns:p="http://schemas.microsoft.com/office/2006/metadata/properties" xmlns:xsi="http://www.w3.org/2001/XMLSchema-instance" xmlns:pc="http://schemas.microsoft.com/office/infopath/2007/PartnerControls">
+  <documentManagement>
+    <Status xmlns="71af3243-3dd4-4a8d-8c0d-dd76da1f02a5">Not started</Status>
+    <MediaServiceKeyPoints xmlns="71af3243-3dd4-4a8d-8c0d-dd76da1f02a5" xsi:nil="true"/>
+  </documentManagement>
+</p:properties>
+</file>
+
+<file path=customXml/item2.xml><?xml version="1.0" encoding="utf-8"?>
+<?mso-contentType ?>
+<FormTemplates xmlns="http://schemas.microsoft.com/sharepoint/v3/contenttype/forms">
+  <Display>DocumentLibraryForm</Display>
+  <Edit>DocumentLibraryForm</Edit>
+  <New>DocumentLibraryForm</New>
+</FormTemplates>
+</file>
+
+<file path=customXml/item3.xml><?xml version="1.0" encoding="utf-8"?>
 <ct:contentTypeSchema xmlns:ct="http://schemas.microsoft.com/office/2006/metadata/contentType" xmlns:ma="http://schemas.microsoft.com/office/2006/metadata/properties/metaAttributes" ct:_="" ma:_="" ma:contentTypeName="Document" ma:contentTypeID="0x01010079F111ED35F8CC479449609E8A0923A6" ma:contentTypeVersion="12" ma:contentTypeDescription="Create a new document." ma:contentTypeScope="" ma:versionID="a410dd7f93c95333ffa1b60ed6adedd1">
   <xsd:schema xmlns:xsd="http://www.w3.org/2001/XMLSchema" xmlns:xs="http://www.w3.org/2001/XMLSchema" xmlns:p="http://schemas.microsoft.com/office/2006/metadata/properties" xmlns:ns2="71af3243-3dd4-4a8d-8c0d-dd76da1f02a5" xmlns:ns3="16c05727-aa75-4e4a-9b5f-8a80a1165891" targetNamespace="http://schemas.microsoft.com/office/2006/metadata/properties" ma:root="true" ma:fieldsID="a936d9baba76aa3866493feff160faab" ns2:_="" ns3:_="">
     <xsd:import namespace="71af3243-3dd4-4a8d-8c0d-dd76da1f02a5"/>
@@ -40176,25 +40651,25 @@
 </ct:contentTypeSchema>
 </file>
 
-<file path=customXml/item2.xml><?xml version="1.0" encoding="utf-8"?>
-<p:properties xmlns:p="http://schemas.microsoft.com/office/2006/metadata/properties" xmlns:xsi="http://www.w3.org/2001/XMLSchema-instance" xmlns:pc="http://schemas.microsoft.com/office/infopath/2007/PartnerControls">
-  <documentManagement>
-    <Status xmlns="71af3243-3dd4-4a8d-8c0d-dd76da1f02a5">Not started</Status>
-    <MediaServiceKeyPoints xmlns="71af3243-3dd4-4a8d-8c0d-dd76da1f02a5" xsi:nil="true"/>
-  </documentManagement>
-</p:properties>
+<file path=customXml/itemProps1.xml><?xml version="1.0" encoding="utf-8"?>
+<ds:datastoreItem xmlns:ds="http://schemas.openxmlformats.org/officeDocument/2006/customXml" ds:itemID="{8D289AE2-D2AE-49D1-AFAC-3A79F6794255}">
+  <ds:schemaRefs>
+    <ds:schemaRef ds:uri="http://schemas.microsoft.com/office/2006/metadata/properties"/>
+    <ds:schemaRef ds:uri="http://schemas.microsoft.com/office/infopath/2007/PartnerControls"/>
+    <ds:schemaRef ds:uri="71af3243-3dd4-4a8d-8c0d-dd76da1f02a5"/>
+  </ds:schemaRefs>
+</ds:datastoreItem>
 </file>
 
-<file path=customXml/item3.xml><?xml version="1.0" encoding="utf-8"?>
-<?mso-contentType ?>
-<FormTemplates xmlns="http://schemas.microsoft.com/sharepoint/v3/contenttype/forms">
-  <Display>DocumentLibraryForm</Display>
-  <Edit>DocumentLibraryForm</Edit>
-  <New>DocumentLibraryForm</New>
-</FormTemplates>
+<file path=customXml/itemProps2.xml><?xml version="1.0" encoding="utf-8"?>
+<ds:datastoreItem xmlns:ds="http://schemas.openxmlformats.org/officeDocument/2006/customXml" ds:itemID="{927BD4C1-B6B1-4715-ABF9-E660A51A4EA0}">
+  <ds:schemaRefs>
+    <ds:schemaRef ds:uri="http://schemas.microsoft.com/sharepoint/v3/contenttype/forms"/>
+  </ds:schemaRefs>
+</ds:datastoreItem>
 </file>
 
-<file path=customXml/itemProps1.xml><?xml version="1.0" encoding="utf-8"?>
+<file path=customXml/itemProps3.xml><?xml version="1.0" encoding="utf-8"?>
 <ds:datastoreItem xmlns:ds="http://schemas.openxmlformats.org/officeDocument/2006/customXml" ds:itemID="{41E7CA09-9778-4414-AE97-8064B12DA30E}">
   <ds:schemaRefs>
     <ds:schemaRef ds:uri="http://schemas.microsoft.com/office/2006/metadata/contentType"/>
@@ -40211,22 +40686,4 @@
     <ds:schemaRef ds:uri="http://schemas.microsoft.com/internal/obd"/>
   </ds:schemaRefs>
 </ds:datastoreItem>
-</file>
-
-<file path=customXml/itemProps2.xml><?xml version="1.0" encoding="utf-8"?>
-<ds:datastoreItem xmlns:ds="http://schemas.openxmlformats.org/officeDocument/2006/customXml" ds:itemID="{8D289AE2-D2AE-49D1-AFAC-3A79F6794255}">
-  <ds:schemaRefs>
-    <ds:schemaRef ds:uri="http://schemas.microsoft.com/office/2006/metadata/properties"/>
-    <ds:schemaRef ds:uri="http://schemas.microsoft.com/office/infopath/2007/PartnerControls"/>
-    <ds:schemaRef ds:uri="71af3243-3dd4-4a8d-8c0d-dd76da1f02a5"/>
-  </ds:schemaRefs>
-</ds:datastoreItem>
-</file>
-
-<file path=customXml/itemProps3.xml><?xml version="1.0" encoding="utf-8"?>
-<ds:datastoreItem xmlns:ds="http://schemas.openxmlformats.org/officeDocument/2006/customXml" ds:itemID="{927BD4C1-B6B1-4715-ABF9-E660A51A4EA0}">
-  <ds:schemaRefs>
-    <ds:schemaRef ds:uri="http://schemas.microsoft.com/sharepoint/v3/contenttype/forms"/>
-  </ds:schemaRefs>
-</ds:datastoreItem>
 </file>
--- a/Impact of Genetic Algorithms Operators on Association Rules Extraction.pptx
+++ b/Impact of Genetic Algorithms Operators on Association Rules Extraction.pptx
@@ -10388,7 +10388,19 @@
               <a:rPr lang="en-US" sz="3200" dirty="0">
                 <a:latin typeface="Open Sans"/>
               </a:rPr>
-              <a:t>O(n!)</a:t>
+              <a:t>O(2</a:t>
+            </a:r>
+            <a:r>
+              <a:rPr lang="en-US" sz="3200" baseline="30000" dirty="0">
+                <a:latin typeface="Open Sans"/>
+              </a:rPr>
+              <a:t>n</a:t>
+            </a:r>
+            <a:r>
+              <a:rPr lang="en-US" sz="3200" dirty="0">
+                <a:latin typeface="Open Sans"/>
+              </a:rPr>
+              <a:t>)</a:t>
             </a:r>
             <a:endParaRPr lang="th-TH" sz="3200" dirty="0">
               <a:latin typeface="Open Sans"/>
@@ -36769,15 +36781,6 @@
 </file>
 
 <file path=customXml/item1.xml><?xml version="1.0" encoding="utf-8"?>
-<?mso-contentType ?>
-<FormTemplates xmlns="http://schemas.microsoft.com/sharepoint/v3/contenttype/forms">
-  <Display>DocumentLibraryForm</Display>
-  <Edit>DocumentLibraryForm</Edit>
-  <New>DocumentLibraryForm</New>
-</FormTemplates>
-</file>
-
-<file path=customXml/item2.xml><?xml version="1.0" encoding="utf-8"?>
 <p:properties xmlns:p="http://schemas.microsoft.com/office/2006/metadata/properties" xmlns:xsi="http://www.w3.org/2001/XMLSchema-instance" xmlns:pc="http://schemas.microsoft.com/office/infopath/2007/PartnerControls">
   <documentManagement>
     <Status xmlns="71af3243-3dd4-4a8d-8c0d-dd76da1f02a5">Not started</Status>
@@ -36786,7 +36789,7 @@
 </p:properties>
 </file>
 
-<file path=customXml/item3.xml><?xml version="1.0" encoding="utf-8"?>
+<file path=customXml/item2.xml><?xml version="1.0" encoding="utf-8"?>
 <ct:contentTypeSchema xmlns:ct="http://schemas.microsoft.com/office/2006/metadata/contentType" xmlns:ma="http://schemas.microsoft.com/office/2006/metadata/properties/metaAttributes" ct:_="" ma:_="" ma:contentTypeName="Document" ma:contentTypeID="0x01010079F111ED35F8CC479449609E8A0923A6" ma:contentTypeVersion="12" ma:contentTypeDescription="Create a new document." ma:contentTypeScope="" ma:versionID="a410dd7f93c95333ffa1b60ed6adedd1">
   <xsd:schema xmlns:xsd="http://www.w3.org/2001/XMLSchema" xmlns:xs="http://www.w3.org/2001/XMLSchema" xmlns:p="http://schemas.microsoft.com/office/2006/metadata/properties" xmlns:ns2="71af3243-3dd4-4a8d-8c0d-dd76da1f02a5" xmlns:ns3="16c05727-aa75-4e4a-9b5f-8a80a1165891" targetNamespace="http://schemas.microsoft.com/office/2006/metadata/properties" ma:root="true" ma:fieldsID="a936d9baba76aa3866493feff160faab" ns2:_="" ns3:_="">
     <xsd:import namespace="71af3243-3dd4-4a8d-8c0d-dd76da1f02a5"/>
@@ -37007,15 +37010,16 @@
 </ct:contentTypeSchema>
 </file>
 
-<file path=customXml/itemProps1.xml><?xml version="1.0" encoding="utf-8"?>
-<ds:datastoreItem xmlns:ds="http://schemas.openxmlformats.org/officeDocument/2006/customXml" ds:itemID="{927BD4C1-B6B1-4715-ABF9-E660A51A4EA0}">
-  <ds:schemaRefs>
-    <ds:schemaRef ds:uri="http://schemas.microsoft.com/sharepoint/v3/contenttype/forms"/>
-  </ds:schemaRefs>
-</ds:datastoreItem>
+<file path=customXml/item3.xml><?xml version="1.0" encoding="utf-8"?>
+<?mso-contentType ?>
+<FormTemplates xmlns="http://schemas.microsoft.com/sharepoint/v3/contenttype/forms">
+  <Display>DocumentLibraryForm</Display>
+  <Edit>DocumentLibraryForm</Edit>
+  <New>DocumentLibraryForm</New>
+</FormTemplates>
 </file>
 
-<file path=customXml/itemProps2.xml><?xml version="1.0" encoding="utf-8"?>
+<file path=customXml/itemProps1.xml><?xml version="1.0" encoding="utf-8"?>
 <ds:datastoreItem xmlns:ds="http://schemas.openxmlformats.org/officeDocument/2006/customXml" ds:itemID="{8D289AE2-D2AE-49D1-AFAC-3A79F6794255}">
   <ds:schemaRefs>
     <ds:schemaRef ds:uri="http://schemas.microsoft.com/office/2006/metadata/properties"/>
@@ -37025,7 +37029,7 @@
 </ds:datastoreItem>
 </file>
 
-<file path=customXml/itemProps3.xml><?xml version="1.0" encoding="utf-8"?>
+<file path=customXml/itemProps2.xml><?xml version="1.0" encoding="utf-8"?>
 <ds:datastoreItem xmlns:ds="http://schemas.openxmlformats.org/officeDocument/2006/customXml" ds:itemID="{41E7CA09-9778-4414-AE97-8064B12DA30E}">
   <ds:schemaRefs>
     <ds:schemaRef ds:uri="http://schemas.microsoft.com/office/2006/metadata/contentType"/>
@@ -37042,4 +37046,12 @@
     <ds:schemaRef ds:uri="http://schemas.microsoft.com/internal/obd"/>
   </ds:schemaRefs>
 </ds:datastoreItem>
+</file>
+
+<file path=customXml/itemProps3.xml><?xml version="1.0" encoding="utf-8"?>
+<ds:datastoreItem xmlns:ds="http://schemas.openxmlformats.org/officeDocument/2006/customXml" ds:itemID="{927BD4C1-B6B1-4715-ABF9-E660A51A4EA0}">
+  <ds:schemaRefs>
+    <ds:schemaRef ds:uri="http://schemas.microsoft.com/sharepoint/v3/contenttype/forms"/>
+  </ds:schemaRefs>
+</ds:datastoreItem>
 </file>